--- a/projeto_2_geopandas/docs/projeto2.pptx
+++ b/projeto_2_geopandas/docs/projeto2.pptx
@@ -3,7 +3,7 @@
 <p:presentation xmlns:a="http://schemas.openxmlformats.org/drawingml/2006/main" xmlns:p="http://schemas.openxmlformats.org/presentationml/2006/main" xmlns:r="http://schemas.openxmlformats.org/officeDocument/2006/relationships" xmlns:p14="http://schemas.microsoft.com/office/powerpoint/2010/main" xmlns:p15="http://schemas.microsoft.com/office/powerpoint/2012/main" xmlns:mc="http://schemas.openxmlformats.org/markup-compatibility/2006">
   <p:sldMasterIdLst>
     <p:sldMasterId id="2147483648" r:id="rId2"/>
-    <p:sldMasterId id="2147483650" r:id="rId3"/>
+    <p:sldMasterId id="2147483661" r:id="rId3"/>
   </p:sldMasterIdLst>
   <p:sldIdLst>
     <p:sldId id="256" r:id="rId4"/>
@@ -20,8 +20,8 @@
 </file>
 
 <file path=ppt/slideLayouts/slideLayout1.xml><?xml version="1.0" encoding="utf-8"?>
-<p:sldLayout xmlns:a="http://schemas.openxmlformats.org/drawingml/2006/main" xmlns:p="http://schemas.openxmlformats.org/presentationml/2006/main" xmlns:r="http://schemas.openxmlformats.org/officeDocument/2006/relationships" xmlns:p14="http://schemas.microsoft.com/office/powerpoint/2010/main" xmlns:p15="http://schemas.microsoft.com/office/powerpoint/2012/main" xmlns:mc="http://schemas.openxmlformats.org/markup-compatibility/2006" type="tx" preserve="1">
-  <p:cSld name="Default">
+<p:sldLayout xmlns:a="http://schemas.openxmlformats.org/drawingml/2006/main" xmlns:p="http://schemas.openxmlformats.org/presentationml/2006/main" xmlns:r="http://schemas.openxmlformats.org/officeDocument/2006/relationships" xmlns:p14="http://schemas.microsoft.com/office/powerpoint/2010/main" xmlns:p15="http://schemas.microsoft.com/office/powerpoint/2012/main" xmlns:mc="http://schemas.openxmlformats.org/markup-compatibility/2006" type="blank" preserve="1">
+  <p:cSld name="Blank Slide">
     <p:spTree>
       <p:nvGrpSpPr>
         <p:cNvPr id="1" name=""/>
@@ -38,90 +38,7 @@
       </p:grpSpPr>
       <p:sp>
         <p:nvSpPr>
-          <p:cNvPr id="5" name="PlaceHolder 1"/>
-          <p:cNvSpPr>
-            <a:spLocks noGrp="1"/>
-          </p:cNvSpPr>
-          <p:nvPr>
-            <p:ph type="title"/>
-          </p:nvPr>
-        </p:nvSpPr>
-        <p:spPr>
-          <a:xfrm>
-            <a:off x="640080" y="5760"/>
-            <a:ext cx="10698480" cy="1052640"/>
-          </a:xfrm>
-          <a:prstGeom prst="rect">
-            <a:avLst/>
-          </a:prstGeom>
-          <a:noFill/>
-          <a:ln w="0">
-            <a:noFill/>
-          </a:ln>
-        </p:spPr>
-        <p:txBody>
-          <a:bodyPr lIns="0" rIns="0" tIns="0" bIns="0" anchor="ctr">
-            <a:noAutofit/>
-          </a:bodyPr>
-          <a:p>
-            <a:pPr indent="0" algn="ctr">
-              <a:buNone/>
-            </a:pPr>
-            <a:endParaRPr b="0" lang="pt-BR" sz="4400" spc="-1" strike="noStrike">
-              <a:solidFill>
-                <a:srgbClr val="000000"/>
-              </a:solidFill>
-              <a:latin typeface="Arial"/>
-            </a:endParaRPr>
-          </a:p>
-        </p:txBody>
-      </p:sp>
-      <p:sp>
-        <p:nvSpPr>
-          <p:cNvPr id="6" name="PlaceHolder 2"/>
-          <p:cNvSpPr>
-            <a:spLocks noGrp="1"/>
-          </p:cNvSpPr>
-          <p:nvPr>
-            <p:ph/>
-          </p:nvPr>
-        </p:nvSpPr>
-        <p:spPr>
-          <a:xfrm>
-            <a:off x="182880" y="1188720"/>
-            <a:ext cx="11794680" cy="3976560"/>
-          </a:xfrm>
-          <a:prstGeom prst="rect">
-            <a:avLst/>
-          </a:prstGeom>
-          <a:noFill/>
-          <a:ln w="0">
-            <a:noFill/>
-          </a:ln>
-        </p:spPr>
-        <p:txBody>
-          <a:bodyPr lIns="0" rIns="0" tIns="0" bIns="0" anchor="t">
-            <a:normAutofit/>
-          </a:bodyPr>
-          <a:p>
-            <a:pPr indent="0">
-              <a:spcBef>
-                <a:spcPts val="1417"/>
-              </a:spcBef>
-              <a:buNone/>
-            </a:pPr>
-            <a:endParaRPr b="0" lang="pt-BR" sz="3200" spc="-1" strike="noStrike">
-              <a:solidFill>
-                <a:srgbClr val="000000"/>
-              </a:solidFill>
-              <a:latin typeface="Arial"/>
-            </a:endParaRPr>
-          </a:p>
-        </p:txBody>
-      </p:sp>
-      <p:sp>
-        <p:nvSpPr>
-          <p:cNvPr id="4" name="PlaceHolder 3"/>
+          <p:cNvPr id="2" name="PlaceHolder 1"/>
           <p:cNvSpPr>
             <a:spLocks noGrp="1"/>
           </p:cNvSpPr>
@@ -141,7 +58,7 @@
       </p:sp>
       <p:sp>
         <p:nvSpPr>
-          <p:cNvPr id="5" name="PlaceHolder 4"/>
+          <p:cNvPr id="3" name="PlaceHolder 2"/>
           <p:cNvSpPr>
             <a:spLocks noGrp="1"/>
           </p:cNvSpPr>
@@ -153,7 +70,7 @@
         <p:txBody>
           <a:bodyPr/>
           <a:p>
-            <a:fld id="{4F7E0889-419F-4B63-B39F-102B7E8133C6}" type="slidenum">
+            <a:fld id="{1DDE44CF-E19D-436D-81AE-459ACBEB4617}" type="slidenum">
               <a:t>&lt;#&gt;</a:t>
             </a:fld>
           </a:p>
@@ -161,7 +78,7 @@
       </p:sp>
       <p:sp>
         <p:nvSpPr>
-          <p:cNvPr id="6" name="PlaceHolder 5"/>
+          <p:cNvPr id="4" name="PlaceHolder 3"/>
           <p:cNvSpPr>
             <a:spLocks noGrp="1"/>
           </p:cNvSpPr>
@@ -185,9 +102,9 @@
 </p:sldLayout>
 </file>
 
-<file path=ppt/slideLayouts/slideLayout2.xml><?xml version="1.0" encoding="utf-8"?>
-<p:sldLayout xmlns:a="http://schemas.openxmlformats.org/drawingml/2006/main" xmlns:p="http://schemas.openxmlformats.org/presentationml/2006/main" xmlns:r="http://schemas.openxmlformats.org/officeDocument/2006/relationships" xmlns:p14="http://schemas.microsoft.com/office/powerpoint/2010/main" xmlns:p15="http://schemas.microsoft.com/office/powerpoint/2012/main" xmlns:mc="http://schemas.openxmlformats.org/markup-compatibility/2006" type="tx" preserve="1">
-  <p:cSld name="Default_">
+<file path=ppt/slideLayouts/slideLayout10.xml><?xml version="1.0" encoding="utf-8"?>
+<p:sldLayout xmlns:a="http://schemas.openxmlformats.org/drawingml/2006/main" xmlns:p="http://schemas.openxmlformats.org/presentationml/2006/main" xmlns:r="http://schemas.openxmlformats.org/officeDocument/2006/relationships" xmlns:p14="http://schemas.microsoft.com/office/powerpoint/2010/main" xmlns:p15="http://schemas.microsoft.com/office/powerpoint/2012/main" xmlns:mc="http://schemas.openxmlformats.org/markup-compatibility/2006" type="objOverTx" preserve="1">
+  <p:cSld name="Title, Content over Content">
     <p:spTree>
       <p:nvGrpSpPr>
         <p:cNvPr id="1" name=""/>
@@ -204,7 +121,7 @@
       </p:grpSpPr>
       <p:sp>
         <p:nvSpPr>
-          <p:cNvPr id="17" name="PlaceHolder 1"/>
+          <p:cNvPr id="26" name="PlaceHolder 1"/>
           <p:cNvSpPr>
             <a:spLocks noGrp="1"/>
           </p:cNvSpPr>
@@ -215,7 +132,7 @@
         <p:spPr>
           <a:xfrm>
             <a:off x="640080" y="5760"/>
-            <a:ext cx="10698480" cy="1052640"/>
+            <a:ext cx="10698120" cy="1052280"/>
           </a:xfrm>
           <a:prstGeom prst="rect">
             <a:avLst/>
@@ -244,7 +161,7 @@
       </p:sp>
       <p:sp>
         <p:nvSpPr>
-          <p:cNvPr id="18" name="PlaceHolder 2"/>
+          <p:cNvPr id="27" name="PlaceHolder 2"/>
           <p:cNvSpPr>
             <a:spLocks noGrp="1"/>
           </p:cNvSpPr>
@@ -255,7 +172,7 @@
         <p:spPr>
           <a:xfrm>
             <a:off x="182880" y="1188720"/>
-            <a:ext cx="11794680" cy="3976560"/>
+            <a:ext cx="11794320" cy="1896480"/>
           </a:xfrm>
           <a:prstGeom prst="rect">
             <a:avLst/>
@@ -287,12 +204,55 @@
       </p:sp>
       <p:sp>
         <p:nvSpPr>
-          <p:cNvPr id="4" name="PlaceHolder 3"/>
-          <p:cNvSpPr>
-            <a:spLocks noGrp="1"/>
-          </p:cNvSpPr>
-          <p:nvPr>
-            <p:ph type="ftr" idx="4"/>
+          <p:cNvPr id="28" name="PlaceHolder 3"/>
+          <p:cNvSpPr>
+            <a:spLocks noGrp="1"/>
+          </p:cNvSpPr>
+          <p:nvPr>
+            <p:ph/>
+          </p:nvPr>
+        </p:nvSpPr>
+        <p:spPr>
+          <a:xfrm>
+            <a:off x="182880" y="3265920"/>
+            <a:ext cx="11794320" cy="1896480"/>
+          </a:xfrm>
+          <a:prstGeom prst="rect">
+            <a:avLst/>
+          </a:prstGeom>
+          <a:noFill/>
+          <a:ln w="0">
+            <a:noFill/>
+          </a:ln>
+        </p:spPr>
+        <p:txBody>
+          <a:bodyPr lIns="0" rIns="0" tIns="0" bIns="0" anchor="t">
+            <a:normAutofit/>
+          </a:bodyPr>
+          <a:p>
+            <a:pPr indent="0">
+              <a:spcBef>
+                <a:spcPts val="1417"/>
+              </a:spcBef>
+              <a:buNone/>
+            </a:pPr>
+            <a:endParaRPr b="0" lang="pt-BR" sz="3200" spc="-1" strike="noStrike">
+              <a:solidFill>
+                <a:srgbClr val="000000"/>
+              </a:solidFill>
+              <a:latin typeface="Arial"/>
+            </a:endParaRPr>
+          </a:p>
+        </p:txBody>
+      </p:sp>
+      <p:sp>
+        <p:nvSpPr>
+          <p:cNvPr id="5" name="PlaceHolder 4"/>
+          <p:cNvSpPr>
+            <a:spLocks noGrp="1"/>
+          </p:cNvSpPr>
+          <p:nvPr>
+            <p:ph type="ftr" idx="1"/>
           </p:nvPr>
         </p:nvSpPr>
         <p:spPr/>
@@ -307,19 +267,19 @@
       </p:sp>
       <p:sp>
         <p:nvSpPr>
-          <p:cNvPr id="5" name="PlaceHolder 4"/>
-          <p:cNvSpPr>
-            <a:spLocks noGrp="1"/>
-          </p:cNvSpPr>
-          <p:nvPr>
-            <p:ph type="sldNum" idx="5"/>
+          <p:cNvPr id="6" name="PlaceHolder 5"/>
+          <p:cNvSpPr>
+            <a:spLocks noGrp="1"/>
+          </p:cNvSpPr>
+          <p:nvPr>
+            <p:ph type="sldNum" idx="2"/>
           </p:nvPr>
         </p:nvSpPr>
         <p:spPr/>
         <p:txBody>
           <a:bodyPr/>
           <a:p>
-            <a:fld id="{9E21ED74-6DE2-4942-963A-694CFD6E52A9}" type="slidenum">
+            <a:fld id="{A793E44C-DB5E-4CA1-8750-38DB3A45306F}" type="slidenum">
               <a:t>&lt;#&gt;</a:t>
             </a:fld>
           </a:p>
@@ -327,12 +287,4732 @@
       </p:sp>
       <p:sp>
         <p:nvSpPr>
+          <p:cNvPr id="7" name="PlaceHolder 6"/>
+          <p:cNvSpPr>
+            <a:spLocks noGrp="1"/>
+          </p:cNvSpPr>
+          <p:nvPr>
+            <p:ph type="dt" idx="3"/>
+          </p:nvPr>
+        </p:nvSpPr>
+        <p:spPr/>
+        <p:txBody>
+          <a:bodyPr/>
+          <a:p>
+            <a:r>
+              <a:rPr lang="pt-BR"/>
+              <a:t/>
+            </a:r>
+          </a:p>
+        </p:txBody>
+      </p:sp>
+    </p:spTree>
+  </p:cSld>
+</p:sldLayout>
+</file>
+
+<file path=ppt/slideLayouts/slideLayout11.xml><?xml version="1.0" encoding="utf-8"?>
+<p:sldLayout xmlns:a="http://schemas.openxmlformats.org/drawingml/2006/main" xmlns:p="http://schemas.openxmlformats.org/presentationml/2006/main" xmlns:r="http://schemas.openxmlformats.org/officeDocument/2006/relationships" xmlns:p14="http://schemas.microsoft.com/office/powerpoint/2010/main" xmlns:p15="http://schemas.microsoft.com/office/powerpoint/2012/main" xmlns:mc="http://schemas.openxmlformats.org/markup-compatibility/2006" type="fourObj" preserve="1">
+  <p:cSld name="Title, 4 Content">
+    <p:spTree>
+      <p:nvGrpSpPr>
+        <p:cNvPr id="1" name=""/>
+        <p:cNvGrpSpPr/>
+        <p:nvPr/>
+      </p:nvGrpSpPr>
+      <p:grpSpPr>
+        <a:xfrm>
+          <a:off x="0" y="0"/>
+          <a:ext cx="0" cy="0"/>
+          <a:chOff x="0" y="0"/>
+          <a:chExt cx="0" cy="0"/>
+        </a:xfrm>
+      </p:grpSpPr>
+      <p:sp>
+        <p:nvSpPr>
+          <p:cNvPr id="29" name="PlaceHolder 1"/>
+          <p:cNvSpPr>
+            <a:spLocks noGrp="1"/>
+          </p:cNvSpPr>
+          <p:nvPr>
+            <p:ph type="title"/>
+          </p:nvPr>
+        </p:nvSpPr>
+        <p:spPr>
+          <a:xfrm>
+            <a:off x="640080" y="5760"/>
+            <a:ext cx="10698120" cy="1052280"/>
+          </a:xfrm>
+          <a:prstGeom prst="rect">
+            <a:avLst/>
+          </a:prstGeom>
+          <a:noFill/>
+          <a:ln w="0">
+            <a:noFill/>
+          </a:ln>
+        </p:spPr>
+        <p:txBody>
+          <a:bodyPr lIns="0" rIns="0" tIns="0" bIns="0" anchor="ctr">
+            <a:noAutofit/>
+          </a:bodyPr>
+          <a:p>
+            <a:pPr indent="0" algn="ctr">
+              <a:buNone/>
+            </a:pPr>
+            <a:endParaRPr b="0" lang="pt-BR" sz="4400" spc="-1" strike="noStrike">
+              <a:solidFill>
+                <a:srgbClr val="000000"/>
+              </a:solidFill>
+              <a:latin typeface="Arial"/>
+            </a:endParaRPr>
+          </a:p>
+        </p:txBody>
+      </p:sp>
+      <p:sp>
+        <p:nvSpPr>
+          <p:cNvPr id="30" name="PlaceHolder 2"/>
+          <p:cNvSpPr>
+            <a:spLocks noGrp="1"/>
+          </p:cNvSpPr>
+          <p:nvPr>
+            <p:ph/>
+          </p:nvPr>
+        </p:nvSpPr>
+        <p:spPr>
+          <a:xfrm>
+            <a:off x="182880" y="1188720"/>
+            <a:ext cx="5755320" cy="1896480"/>
+          </a:xfrm>
+          <a:prstGeom prst="rect">
+            <a:avLst/>
+          </a:prstGeom>
+          <a:noFill/>
+          <a:ln w="0">
+            <a:noFill/>
+          </a:ln>
+        </p:spPr>
+        <p:txBody>
+          <a:bodyPr lIns="0" rIns="0" tIns="0" bIns="0" anchor="t">
+            <a:normAutofit/>
+          </a:bodyPr>
+          <a:p>
+            <a:pPr indent="0">
+              <a:spcBef>
+                <a:spcPts val="1417"/>
+              </a:spcBef>
+              <a:buNone/>
+            </a:pPr>
+            <a:endParaRPr b="0" lang="pt-BR" sz="3200" spc="-1" strike="noStrike">
+              <a:solidFill>
+                <a:srgbClr val="000000"/>
+              </a:solidFill>
+              <a:latin typeface="Arial"/>
+            </a:endParaRPr>
+          </a:p>
+        </p:txBody>
+      </p:sp>
+      <p:sp>
+        <p:nvSpPr>
+          <p:cNvPr id="31" name="PlaceHolder 3"/>
+          <p:cNvSpPr>
+            <a:spLocks noGrp="1"/>
+          </p:cNvSpPr>
+          <p:nvPr>
+            <p:ph/>
+          </p:nvPr>
+        </p:nvSpPr>
+        <p:spPr>
+          <a:xfrm>
+            <a:off x="6226200" y="1188720"/>
+            <a:ext cx="5755320" cy="1896480"/>
+          </a:xfrm>
+          <a:prstGeom prst="rect">
+            <a:avLst/>
+          </a:prstGeom>
+          <a:noFill/>
+          <a:ln w="0">
+            <a:noFill/>
+          </a:ln>
+        </p:spPr>
+        <p:txBody>
+          <a:bodyPr lIns="0" rIns="0" tIns="0" bIns="0" anchor="t">
+            <a:normAutofit/>
+          </a:bodyPr>
+          <a:p>
+            <a:pPr indent="0">
+              <a:spcBef>
+                <a:spcPts val="1417"/>
+              </a:spcBef>
+              <a:buNone/>
+            </a:pPr>
+            <a:endParaRPr b="0" lang="pt-BR" sz="3200" spc="-1" strike="noStrike">
+              <a:solidFill>
+                <a:srgbClr val="000000"/>
+              </a:solidFill>
+              <a:latin typeface="Arial"/>
+            </a:endParaRPr>
+          </a:p>
+        </p:txBody>
+      </p:sp>
+      <p:sp>
+        <p:nvSpPr>
+          <p:cNvPr id="32" name="PlaceHolder 4"/>
+          <p:cNvSpPr>
+            <a:spLocks noGrp="1"/>
+          </p:cNvSpPr>
+          <p:nvPr>
+            <p:ph/>
+          </p:nvPr>
+        </p:nvSpPr>
+        <p:spPr>
+          <a:xfrm>
+            <a:off x="182880" y="3265920"/>
+            <a:ext cx="5755320" cy="1896480"/>
+          </a:xfrm>
+          <a:prstGeom prst="rect">
+            <a:avLst/>
+          </a:prstGeom>
+          <a:noFill/>
+          <a:ln w="0">
+            <a:noFill/>
+          </a:ln>
+        </p:spPr>
+        <p:txBody>
+          <a:bodyPr lIns="0" rIns="0" tIns="0" bIns="0" anchor="t">
+            <a:normAutofit/>
+          </a:bodyPr>
+          <a:p>
+            <a:pPr indent="0">
+              <a:spcBef>
+                <a:spcPts val="1417"/>
+              </a:spcBef>
+              <a:buNone/>
+            </a:pPr>
+            <a:endParaRPr b="0" lang="pt-BR" sz="3200" spc="-1" strike="noStrike">
+              <a:solidFill>
+                <a:srgbClr val="000000"/>
+              </a:solidFill>
+              <a:latin typeface="Arial"/>
+            </a:endParaRPr>
+          </a:p>
+        </p:txBody>
+      </p:sp>
+      <p:sp>
+        <p:nvSpPr>
+          <p:cNvPr id="33" name="PlaceHolder 5"/>
+          <p:cNvSpPr>
+            <a:spLocks noGrp="1"/>
+          </p:cNvSpPr>
+          <p:nvPr>
+            <p:ph/>
+          </p:nvPr>
+        </p:nvSpPr>
+        <p:spPr>
+          <a:xfrm>
+            <a:off x="6226200" y="3265920"/>
+            <a:ext cx="5755320" cy="1896480"/>
+          </a:xfrm>
+          <a:prstGeom prst="rect">
+            <a:avLst/>
+          </a:prstGeom>
+          <a:noFill/>
+          <a:ln w="0">
+            <a:noFill/>
+          </a:ln>
+        </p:spPr>
+        <p:txBody>
+          <a:bodyPr lIns="0" rIns="0" tIns="0" bIns="0" anchor="t">
+            <a:normAutofit/>
+          </a:bodyPr>
+          <a:p>
+            <a:pPr indent="0">
+              <a:spcBef>
+                <a:spcPts val="1417"/>
+              </a:spcBef>
+              <a:buNone/>
+            </a:pPr>
+            <a:endParaRPr b="0" lang="pt-BR" sz="3200" spc="-1" strike="noStrike">
+              <a:solidFill>
+                <a:srgbClr val="000000"/>
+              </a:solidFill>
+              <a:latin typeface="Arial"/>
+            </a:endParaRPr>
+          </a:p>
+        </p:txBody>
+      </p:sp>
+      <p:sp>
+        <p:nvSpPr>
+          <p:cNvPr id="7" name="PlaceHolder 6"/>
+          <p:cNvSpPr>
+            <a:spLocks noGrp="1"/>
+          </p:cNvSpPr>
+          <p:nvPr>
+            <p:ph type="ftr" idx="1"/>
+          </p:nvPr>
+        </p:nvSpPr>
+        <p:spPr/>
+        <p:txBody>
+          <a:bodyPr/>
+          <a:p>
+            <a:r>
+              <a:t>Footer</a:t>
+            </a:r>
+          </a:p>
+        </p:txBody>
+      </p:sp>
+      <p:sp>
+        <p:nvSpPr>
+          <p:cNvPr id="8" name="PlaceHolder 7"/>
+          <p:cNvSpPr>
+            <a:spLocks noGrp="1"/>
+          </p:cNvSpPr>
+          <p:nvPr>
+            <p:ph type="sldNum" idx="2"/>
+          </p:nvPr>
+        </p:nvSpPr>
+        <p:spPr/>
+        <p:txBody>
+          <a:bodyPr/>
+          <a:p>
+            <a:fld id="{899BCED5-717B-4549-8083-77B7F8E173AD}" type="slidenum">
+              <a:t>&lt;#&gt;</a:t>
+            </a:fld>
+          </a:p>
+        </p:txBody>
+      </p:sp>
+      <p:sp>
+        <p:nvSpPr>
+          <p:cNvPr id="9" name="PlaceHolder 8"/>
+          <p:cNvSpPr>
+            <a:spLocks noGrp="1"/>
+          </p:cNvSpPr>
+          <p:nvPr>
+            <p:ph type="dt" idx="3"/>
+          </p:nvPr>
+        </p:nvSpPr>
+        <p:spPr/>
+        <p:txBody>
+          <a:bodyPr/>
+          <a:p>
+            <a:r>
+              <a:rPr lang="pt-BR"/>
+              <a:t/>
+            </a:r>
+          </a:p>
+        </p:txBody>
+      </p:sp>
+    </p:spTree>
+  </p:cSld>
+</p:sldLayout>
+</file>
+
+<file path=ppt/slideLayouts/slideLayout12.xml><?xml version="1.0" encoding="utf-8"?>
+<p:sldLayout xmlns:a="http://schemas.openxmlformats.org/drawingml/2006/main" xmlns:p="http://schemas.openxmlformats.org/presentationml/2006/main" xmlns:r="http://schemas.openxmlformats.org/officeDocument/2006/relationships" xmlns:p14="http://schemas.microsoft.com/office/powerpoint/2010/main" xmlns:p15="http://schemas.microsoft.com/office/powerpoint/2012/main" xmlns:mc="http://schemas.openxmlformats.org/markup-compatibility/2006" type="blank" preserve="1">
+  <p:cSld name="Title, 6 Content">
+    <p:spTree>
+      <p:nvGrpSpPr>
+        <p:cNvPr id="1" name=""/>
+        <p:cNvGrpSpPr/>
+        <p:nvPr/>
+      </p:nvGrpSpPr>
+      <p:grpSpPr>
+        <a:xfrm>
+          <a:off x="0" y="0"/>
+          <a:ext cx="0" cy="0"/>
+          <a:chOff x="0" y="0"/>
+          <a:chExt cx="0" cy="0"/>
+        </a:xfrm>
+      </p:grpSpPr>
+      <p:sp>
+        <p:nvSpPr>
+          <p:cNvPr id="34" name="PlaceHolder 1"/>
+          <p:cNvSpPr>
+            <a:spLocks noGrp="1"/>
+          </p:cNvSpPr>
+          <p:nvPr>
+            <p:ph type="title"/>
+          </p:nvPr>
+        </p:nvSpPr>
+        <p:spPr>
+          <a:xfrm>
+            <a:off x="640080" y="5760"/>
+            <a:ext cx="10698120" cy="1052280"/>
+          </a:xfrm>
+          <a:prstGeom prst="rect">
+            <a:avLst/>
+          </a:prstGeom>
+          <a:noFill/>
+          <a:ln w="0">
+            <a:noFill/>
+          </a:ln>
+        </p:spPr>
+        <p:txBody>
+          <a:bodyPr lIns="0" rIns="0" tIns="0" bIns="0" anchor="ctr">
+            <a:noAutofit/>
+          </a:bodyPr>
+          <a:p>
+            <a:pPr indent="0" algn="ctr">
+              <a:buNone/>
+            </a:pPr>
+            <a:endParaRPr b="0" lang="pt-BR" sz="4400" spc="-1" strike="noStrike">
+              <a:solidFill>
+                <a:srgbClr val="000000"/>
+              </a:solidFill>
+              <a:latin typeface="Arial"/>
+            </a:endParaRPr>
+          </a:p>
+        </p:txBody>
+      </p:sp>
+      <p:sp>
+        <p:nvSpPr>
+          <p:cNvPr id="35" name="PlaceHolder 2"/>
+          <p:cNvSpPr>
+            <a:spLocks noGrp="1"/>
+          </p:cNvSpPr>
+          <p:nvPr>
+            <p:ph/>
+          </p:nvPr>
+        </p:nvSpPr>
+        <p:spPr>
+          <a:xfrm>
+            <a:off x="182880" y="1188720"/>
+            <a:ext cx="3797640" cy="1896480"/>
+          </a:xfrm>
+          <a:prstGeom prst="rect">
+            <a:avLst/>
+          </a:prstGeom>
+          <a:noFill/>
+          <a:ln w="0">
+            <a:noFill/>
+          </a:ln>
+        </p:spPr>
+        <p:txBody>
+          <a:bodyPr lIns="0" rIns="0" tIns="0" bIns="0" anchor="t">
+            <a:normAutofit/>
+          </a:bodyPr>
+          <a:p>
+            <a:pPr indent="0">
+              <a:spcBef>
+                <a:spcPts val="1417"/>
+              </a:spcBef>
+              <a:buNone/>
+            </a:pPr>
+            <a:endParaRPr b="0" lang="pt-BR" sz="3200" spc="-1" strike="noStrike">
+              <a:solidFill>
+                <a:srgbClr val="000000"/>
+              </a:solidFill>
+              <a:latin typeface="Arial"/>
+            </a:endParaRPr>
+          </a:p>
+        </p:txBody>
+      </p:sp>
+      <p:sp>
+        <p:nvSpPr>
+          <p:cNvPr id="36" name="PlaceHolder 3"/>
+          <p:cNvSpPr>
+            <a:spLocks noGrp="1"/>
+          </p:cNvSpPr>
+          <p:nvPr>
+            <p:ph/>
+          </p:nvPr>
+        </p:nvSpPr>
+        <p:spPr>
+          <a:xfrm>
+            <a:off x="4170960" y="1188720"/>
+            <a:ext cx="3797640" cy="1896480"/>
+          </a:xfrm>
+          <a:prstGeom prst="rect">
+            <a:avLst/>
+          </a:prstGeom>
+          <a:noFill/>
+          <a:ln w="0">
+            <a:noFill/>
+          </a:ln>
+        </p:spPr>
+        <p:txBody>
+          <a:bodyPr lIns="0" rIns="0" tIns="0" bIns="0" anchor="t">
+            <a:normAutofit/>
+          </a:bodyPr>
+          <a:p>
+            <a:pPr indent="0">
+              <a:spcBef>
+                <a:spcPts val="1417"/>
+              </a:spcBef>
+              <a:buNone/>
+            </a:pPr>
+            <a:endParaRPr b="0" lang="pt-BR" sz="3200" spc="-1" strike="noStrike">
+              <a:solidFill>
+                <a:srgbClr val="000000"/>
+              </a:solidFill>
+              <a:latin typeface="Arial"/>
+            </a:endParaRPr>
+          </a:p>
+        </p:txBody>
+      </p:sp>
+      <p:sp>
+        <p:nvSpPr>
+          <p:cNvPr id="37" name="PlaceHolder 4"/>
+          <p:cNvSpPr>
+            <a:spLocks noGrp="1"/>
+          </p:cNvSpPr>
+          <p:nvPr>
+            <p:ph/>
+          </p:nvPr>
+        </p:nvSpPr>
+        <p:spPr>
+          <a:xfrm>
+            <a:off x="8158680" y="1188720"/>
+            <a:ext cx="3797640" cy="1896480"/>
+          </a:xfrm>
+          <a:prstGeom prst="rect">
+            <a:avLst/>
+          </a:prstGeom>
+          <a:noFill/>
+          <a:ln w="0">
+            <a:noFill/>
+          </a:ln>
+        </p:spPr>
+        <p:txBody>
+          <a:bodyPr lIns="0" rIns="0" tIns="0" bIns="0" anchor="t">
+            <a:normAutofit/>
+          </a:bodyPr>
+          <a:p>
+            <a:pPr indent="0">
+              <a:spcBef>
+                <a:spcPts val="1417"/>
+              </a:spcBef>
+              <a:buNone/>
+            </a:pPr>
+            <a:endParaRPr b="0" lang="pt-BR" sz="3200" spc="-1" strike="noStrike">
+              <a:solidFill>
+                <a:srgbClr val="000000"/>
+              </a:solidFill>
+              <a:latin typeface="Arial"/>
+            </a:endParaRPr>
+          </a:p>
+        </p:txBody>
+      </p:sp>
+      <p:sp>
+        <p:nvSpPr>
+          <p:cNvPr id="38" name="PlaceHolder 5"/>
+          <p:cNvSpPr>
+            <a:spLocks noGrp="1"/>
+          </p:cNvSpPr>
+          <p:nvPr>
+            <p:ph/>
+          </p:nvPr>
+        </p:nvSpPr>
+        <p:spPr>
+          <a:xfrm>
+            <a:off x="182880" y="3265920"/>
+            <a:ext cx="3797640" cy="1896480"/>
+          </a:xfrm>
+          <a:prstGeom prst="rect">
+            <a:avLst/>
+          </a:prstGeom>
+          <a:noFill/>
+          <a:ln w="0">
+            <a:noFill/>
+          </a:ln>
+        </p:spPr>
+        <p:txBody>
+          <a:bodyPr lIns="0" rIns="0" tIns="0" bIns="0" anchor="t">
+            <a:normAutofit/>
+          </a:bodyPr>
+          <a:p>
+            <a:pPr indent="0">
+              <a:spcBef>
+                <a:spcPts val="1417"/>
+              </a:spcBef>
+              <a:buNone/>
+            </a:pPr>
+            <a:endParaRPr b="0" lang="pt-BR" sz="3200" spc="-1" strike="noStrike">
+              <a:solidFill>
+                <a:srgbClr val="000000"/>
+              </a:solidFill>
+              <a:latin typeface="Arial"/>
+            </a:endParaRPr>
+          </a:p>
+        </p:txBody>
+      </p:sp>
+      <p:sp>
+        <p:nvSpPr>
+          <p:cNvPr id="39" name="PlaceHolder 6"/>
+          <p:cNvSpPr>
+            <a:spLocks noGrp="1"/>
+          </p:cNvSpPr>
+          <p:nvPr>
+            <p:ph/>
+          </p:nvPr>
+        </p:nvSpPr>
+        <p:spPr>
+          <a:xfrm>
+            <a:off x="4170960" y="3265920"/>
+            <a:ext cx="3797640" cy="1896480"/>
+          </a:xfrm>
+          <a:prstGeom prst="rect">
+            <a:avLst/>
+          </a:prstGeom>
+          <a:noFill/>
+          <a:ln w="0">
+            <a:noFill/>
+          </a:ln>
+        </p:spPr>
+        <p:txBody>
+          <a:bodyPr lIns="0" rIns="0" tIns="0" bIns="0" anchor="t">
+            <a:normAutofit/>
+          </a:bodyPr>
+          <a:p>
+            <a:pPr indent="0">
+              <a:spcBef>
+                <a:spcPts val="1417"/>
+              </a:spcBef>
+              <a:buNone/>
+            </a:pPr>
+            <a:endParaRPr b="0" lang="pt-BR" sz="3200" spc="-1" strike="noStrike">
+              <a:solidFill>
+                <a:srgbClr val="000000"/>
+              </a:solidFill>
+              <a:latin typeface="Arial"/>
+            </a:endParaRPr>
+          </a:p>
+        </p:txBody>
+      </p:sp>
+      <p:sp>
+        <p:nvSpPr>
+          <p:cNvPr id="40" name="PlaceHolder 7"/>
+          <p:cNvSpPr>
+            <a:spLocks noGrp="1"/>
+          </p:cNvSpPr>
+          <p:nvPr>
+            <p:ph/>
+          </p:nvPr>
+        </p:nvSpPr>
+        <p:spPr>
+          <a:xfrm>
+            <a:off x="8158680" y="3265920"/>
+            <a:ext cx="3797640" cy="1896480"/>
+          </a:xfrm>
+          <a:prstGeom prst="rect">
+            <a:avLst/>
+          </a:prstGeom>
+          <a:noFill/>
+          <a:ln w="0">
+            <a:noFill/>
+          </a:ln>
+        </p:spPr>
+        <p:txBody>
+          <a:bodyPr lIns="0" rIns="0" tIns="0" bIns="0" anchor="t">
+            <a:normAutofit/>
+          </a:bodyPr>
+          <a:p>
+            <a:pPr indent="0">
+              <a:spcBef>
+                <a:spcPts val="1417"/>
+              </a:spcBef>
+              <a:buNone/>
+            </a:pPr>
+            <a:endParaRPr b="0" lang="pt-BR" sz="3200" spc="-1" strike="noStrike">
+              <a:solidFill>
+                <a:srgbClr val="000000"/>
+              </a:solidFill>
+              <a:latin typeface="Arial"/>
+            </a:endParaRPr>
+          </a:p>
+        </p:txBody>
+      </p:sp>
+      <p:sp>
+        <p:nvSpPr>
+          <p:cNvPr id="9" name="PlaceHolder 8"/>
+          <p:cNvSpPr>
+            <a:spLocks noGrp="1"/>
+          </p:cNvSpPr>
+          <p:nvPr>
+            <p:ph type="ftr" idx="1"/>
+          </p:nvPr>
+        </p:nvSpPr>
+        <p:spPr/>
+        <p:txBody>
+          <a:bodyPr/>
+          <a:p>
+            <a:r>
+              <a:t>Footer</a:t>
+            </a:r>
+          </a:p>
+        </p:txBody>
+      </p:sp>
+      <p:sp>
+        <p:nvSpPr>
+          <p:cNvPr id="10" name="PlaceHolder 9"/>
+          <p:cNvSpPr>
+            <a:spLocks noGrp="1"/>
+          </p:cNvSpPr>
+          <p:nvPr>
+            <p:ph type="sldNum" idx="2"/>
+          </p:nvPr>
+        </p:nvSpPr>
+        <p:spPr/>
+        <p:txBody>
+          <a:bodyPr/>
+          <a:p>
+            <a:fld id="{8677B328-850C-48FE-844B-5D3A85CBDAA5}" type="slidenum">
+              <a:t>&lt;#&gt;</a:t>
+            </a:fld>
+          </a:p>
+        </p:txBody>
+      </p:sp>
+      <p:sp>
+        <p:nvSpPr>
+          <p:cNvPr id="11" name="PlaceHolder 10"/>
+          <p:cNvSpPr>
+            <a:spLocks noGrp="1"/>
+          </p:cNvSpPr>
+          <p:nvPr>
+            <p:ph type="dt" idx="3"/>
+          </p:nvPr>
+        </p:nvSpPr>
+        <p:spPr/>
+        <p:txBody>
+          <a:bodyPr/>
+          <a:p>
+            <a:r>
+              <a:rPr lang="pt-BR"/>
+              <a:t/>
+            </a:r>
+          </a:p>
+        </p:txBody>
+      </p:sp>
+    </p:spTree>
+  </p:cSld>
+</p:sldLayout>
+</file>
+
+<file path=ppt/slideLayouts/slideLayout13.xml><?xml version="1.0" encoding="utf-8"?>
+<p:sldLayout xmlns:a="http://schemas.openxmlformats.org/drawingml/2006/main" xmlns:p="http://schemas.openxmlformats.org/presentationml/2006/main" xmlns:r="http://schemas.openxmlformats.org/officeDocument/2006/relationships" xmlns:p14="http://schemas.microsoft.com/office/powerpoint/2010/main" xmlns:p15="http://schemas.microsoft.com/office/powerpoint/2012/main" xmlns:mc="http://schemas.openxmlformats.org/markup-compatibility/2006" type="blank" preserve="1">
+  <p:cSld name="Blank Slide">
+    <p:spTree>
+      <p:nvGrpSpPr>
+        <p:cNvPr id="1" name=""/>
+        <p:cNvGrpSpPr/>
+        <p:nvPr/>
+      </p:nvGrpSpPr>
+      <p:grpSpPr>
+        <a:xfrm>
+          <a:off x="0" y="0"/>
+          <a:ext cx="0" cy="0"/>
+          <a:chOff x="0" y="0"/>
+          <a:chExt cx="0" cy="0"/>
+        </a:xfrm>
+      </p:grpSpPr>
+      <p:sp>
+        <p:nvSpPr>
+          <p:cNvPr id="2" name="PlaceHolder 1"/>
+          <p:cNvSpPr>
+            <a:spLocks noGrp="1"/>
+          </p:cNvSpPr>
+          <p:nvPr>
+            <p:ph type="ftr" idx="4"/>
+          </p:nvPr>
+        </p:nvSpPr>
+        <p:spPr/>
+        <p:txBody>
+          <a:bodyPr/>
+          <a:p>
+            <a:r>
+              <a:t>Footer</a:t>
+            </a:r>
+          </a:p>
+        </p:txBody>
+      </p:sp>
+      <p:sp>
+        <p:nvSpPr>
+          <p:cNvPr id="3" name="PlaceHolder 2"/>
+          <p:cNvSpPr>
+            <a:spLocks noGrp="1"/>
+          </p:cNvSpPr>
+          <p:nvPr>
+            <p:ph type="sldNum" idx="5"/>
+          </p:nvPr>
+        </p:nvSpPr>
+        <p:spPr/>
+        <p:txBody>
+          <a:bodyPr/>
+          <a:p>
+            <a:fld id="{027FA51F-AA9C-408B-A48E-ECA2D5F3C3B2}" type="slidenum">
+              <a:t>&lt;#&gt;</a:t>
+            </a:fld>
+          </a:p>
+        </p:txBody>
+      </p:sp>
+      <p:sp>
+        <p:nvSpPr>
+          <p:cNvPr id="4" name="PlaceHolder 3"/>
+          <p:cNvSpPr>
+            <a:spLocks noGrp="1"/>
+          </p:cNvSpPr>
+          <p:nvPr>
+            <p:ph type="dt" idx="6"/>
+          </p:nvPr>
+        </p:nvSpPr>
+        <p:spPr/>
+        <p:txBody>
+          <a:bodyPr/>
+          <a:p>
+            <a:r>
+              <a:rPr lang="pt-BR"/>
+              <a:t/>
+            </a:r>
+          </a:p>
+        </p:txBody>
+      </p:sp>
+    </p:spTree>
+  </p:cSld>
+</p:sldLayout>
+</file>
+
+<file path=ppt/slideLayouts/slideLayout14.xml><?xml version="1.0" encoding="utf-8"?>
+<p:sldLayout xmlns:a="http://schemas.openxmlformats.org/drawingml/2006/main" xmlns:p="http://schemas.openxmlformats.org/presentationml/2006/main" xmlns:r="http://schemas.openxmlformats.org/officeDocument/2006/relationships" xmlns:p14="http://schemas.microsoft.com/office/powerpoint/2010/main" xmlns:p15="http://schemas.microsoft.com/office/powerpoint/2012/main" xmlns:mc="http://schemas.openxmlformats.org/markup-compatibility/2006" type="tx" preserve="1">
+  <p:cSld name="Title Slide">
+    <p:spTree>
+      <p:nvGrpSpPr>
+        <p:cNvPr id="1" name=""/>
+        <p:cNvGrpSpPr/>
+        <p:nvPr/>
+      </p:nvGrpSpPr>
+      <p:grpSpPr>
+        <a:xfrm>
+          <a:off x="0" y="0"/>
+          <a:ext cx="0" cy="0"/>
+          <a:chOff x="0" y="0"/>
+          <a:chExt cx="0" cy="0"/>
+        </a:xfrm>
+      </p:grpSpPr>
+      <p:sp>
+        <p:nvSpPr>
+          <p:cNvPr id="51" name="PlaceHolder 1"/>
+          <p:cNvSpPr>
+            <a:spLocks noGrp="1"/>
+          </p:cNvSpPr>
+          <p:nvPr>
+            <p:ph type="title"/>
+          </p:nvPr>
+        </p:nvSpPr>
+        <p:spPr>
+          <a:xfrm>
+            <a:off x="640080" y="5760"/>
+            <a:ext cx="10698120" cy="1052280"/>
+          </a:xfrm>
+          <a:prstGeom prst="rect">
+            <a:avLst/>
+          </a:prstGeom>
+          <a:noFill/>
+          <a:ln w="0">
+            <a:noFill/>
+          </a:ln>
+        </p:spPr>
+        <p:txBody>
+          <a:bodyPr lIns="0" rIns="0" tIns="0" bIns="0" anchor="ctr">
+            <a:noAutofit/>
+          </a:bodyPr>
+          <a:p>
+            <a:pPr indent="0" algn="ctr">
+              <a:buNone/>
+            </a:pPr>
+            <a:endParaRPr b="0" lang="pt-BR" sz="4400" spc="-1" strike="noStrike">
+              <a:solidFill>
+                <a:srgbClr val="000000"/>
+              </a:solidFill>
+              <a:latin typeface="Arial"/>
+            </a:endParaRPr>
+          </a:p>
+        </p:txBody>
+      </p:sp>
+      <p:sp>
+        <p:nvSpPr>
+          <p:cNvPr id="52" name="PlaceHolder 2"/>
+          <p:cNvSpPr>
+            <a:spLocks noGrp="1"/>
+          </p:cNvSpPr>
+          <p:nvPr>
+            <p:ph type="subTitle"/>
+          </p:nvPr>
+        </p:nvSpPr>
+        <p:spPr>
+          <a:xfrm>
+            <a:off x="182880" y="1188720"/>
+            <a:ext cx="11794320" cy="3976200"/>
+          </a:xfrm>
+          <a:prstGeom prst="rect">
+            <a:avLst/>
+          </a:prstGeom>
+          <a:noFill/>
+          <a:ln w="0">
+            <a:noFill/>
+          </a:ln>
+        </p:spPr>
+        <p:txBody>
+          <a:bodyPr lIns="0" rIns="0" tIns="0" bIns="0" anchor="ctr">
+            <a:noAutofit/>
+          </a:bodyPr>
+          <a:p>
+            <a:pPr indent="0" algn="ctr">
+              <a:buNone/>
+            </a:pPr>
+            <a:endParaRPr b="0" lang="pt-BR" sz="3200" spc="-1" strike="noStrike">
+              <a:solidFill>
+                <a:srgbClr val="000000"/>
+              </a:solidFill>
+              <a:latin typeface="Arial"/>
+            </a:endParaRPr>
+          </a:p>
+        </p:txBody>
+      </p:sp>
+      <p:sp>
+        <p:nvSpPr>
+          <p:cNvPr id="4" name="PlaceHolder 3"/>
+          <p:cNvSpPr>
+            <a:spLocks noGrp="1"/>
+          </p:cNvSpPr>
+          <p:nvPr>
+            <p:ph type="ftr" idx="4"/>
+          </p:nvPr>
+        </p:nvSpPr>
+        <p:spPr/>
+        <p:txBody>
+          <a:bodyPr/>
+          <a:p>
+            <a:r>
+              <a:t>Footer</a:t>
+            </a:r>
+          </a:p>
+        </p:txBody>
+      </p:sp>
+      <p:sp>
+        <p:nvSpPr>
+          <p:cNvPr id="5" name="PlaceHolder 4"/>
+          <p:cNvSpPr>
+            <a:spLocks noGrp="1"/>
+          </p:cNvSpPr>
+          <p:nvPr>
+            <p:ph type="sldNum" idx="5"/>
+          </p:nvPr>
+        </p:nvSpPr>
+        <p:spPr/>
+        <p:txBody>
+          <a:bodyPr/>
+          <a:p>
+            <a:fld id="{A5D04DF4-04A5-4973-BAD0-3F2AABDC547F}" type="slidenum">
+              <a:t>&lt;#&gt;</a:t>
+            </a:fld>
+          </a:p>
+        </p:txBody>
+      </p:sp>
+      <p:sp>
+        <p:nvSpPr>
           <p:cNvPr id="6" name="PlaceHolder 5"/>
           <p:cNvSpPr>
             <a:spLocks noGrp="1"/>
           </p:cNvSpPr>
           <p:nvPr>
             <p:ph type="dt" idx="6"/>
+          </p:nvPr>
+        </p:nvSpPr>
+        <p:spPr/>
+        <p:txBody>
+          <a:bodyPr/>
+          <a:p>
+            <a:r>
+              <a:rPr lang="pt-BR"/>
+              <a:t/>
+            </a:r>
+          </a:p>
+        </p:txBody>
+      </p:sp>
+    </p:spTree>
+  </p:cSld>
+</p:sldLayout>
+</file>
+
+<file path=ppt/slideLayouts/slideLayout15.xml><?xml version="1.0" encoding="utf-8"?>
+<p:sldLayout xmlns:a="http://schemas.openxmlformats.org/drawingml/2006/main" xmlns:p="http://schemas.openxmlformats.org/presentationml/2006/main" xmlns:r="http://schemas.openxmlformats.org/officeDocument/2006/relationships" xmlns:p14="http://schemas.microsoft.com/office/powerpoint/2010/main" xmlns:p15="http://schemas.microsoft.com/office/powerpoint/2012/main" xmlns:mc="http://schemas.openxmlformats.org/markup-compatibility/2006" type="obj" preserve="1">
+  <p:cSld name="Title, Content">
+    <p:spTree>
+      <p:nvGrpSpPr>
+        <p:cNvPr id="1" name=""/>
+        <p:cNvGrpSpPr/>
+        <p:nvPr/>
+      </p:nvGrpSpPr>
+      <p:grpSpPr>
+        <a:xfrm>
+          <a:off x="0" y="0"/>
+          <a:ext cx="0" cy="0"/>
+          <a:chOff x="0" y="0"/>
+          <a:chExt cx="0" cy="0"/>
+        </a:xfrm>
+      </p:grpSpPr>
+      <p:sp>
+        <p:nvSpPr>
+          <p:cNvPr id="53" name="PlaceHolder 1"/>
+          <p:cNvSpPr>
+            <a:spLocks noGrp="1"/>
+          </p:cNvSpPr>
+          <p:nvPr>
+            <p:ph type="title"/>
+          </p:nvPr>
+        </p:nvSpPr>
+        <p:spPr>
+          <a:xfrm>
+            <a:off x="640080" y="5760"/>
+            <a:ext cx="10698120" cy="1052280"/>
+          </a:xfrm>
+          <a:prstGeom prst="rect">
+            <a:avLst/>
+          </a:prstGeom>
+          <a:noFill/>
+          <a:ln w="0">
+            <a:noFill/>
+          </a:ln>
+        </p:spPr>
+        <p:txBody>
+          <a:bodyPr lIns="0" rIns="0" tIns="0" bIns="0" anchor="ctr">
+            <a:noAutofit/>
+          </a:bodyPr>
+          <a:p>
+            <a:pPr indent="0" algn="ctr">
+              <a:buNone/>
+            </a:pPr>
+            <a:endParaRPr b="0" lang="pt-BR" sz="4400" spc="-1" strike="noStrike">
+              <a:solidFill>
+                <a:srgbClr val="000000"/>
+              </a:solidFill>
+              <a:latin typeface="Arial"/>
+            </a:endParaRPr>
+          </a:p>
+        </p:txBody>
+      </p:sp>
+      <p:sp>
+        <p:nvSpPr>
+          <p:cNvPr id="54" name="PlaceHolder 2"/>
+          <p:cNvSpPr>
+            <a:spLocks noGrp="1"/>
+          </p:cNvSpPr>
+          <p:nvPr>
+            <p:ph/>
+          </p:nvPr>
+        </p:nvSpPr>
+        <p:spPr>
+          <a:xfrm>
+            <a:off x="182880" y="1188720"/>
+            <a:ext cx="11794320" cy="3976200"/>
+          </a:xfrm>
+          <a:prstGeom prst="rect">
+            <a:avLst/>
+          </a:prstGeom>
+          <a:noFill/>
+          <a:ln w="0">
+            <a:noFill/>
+          </a:ln>
+        </p:spPr>
+        <p:txBody>
+          <a:bodyPr lIns="0" rIns="0" tIns="0" bIns="0" anchor="t">
+            <a:normAutofit/>
+          </a:bodyPr>
+          <a:p>
+            <a:pPr indent="0">
+              <a:spcBef>
+                <a:spcPts val="1417"/>
+              </a:spcBef>
+              <a:buNone/>
+            </a:pPr>
+            <a:endParaRPr b="0" lang="pt-BR" sz="3200" spc="-1" strike="noStrike">
+              <a:solidFill>
+                <a:srgbClr val="000000"/>
+              </a:solidFill>
+              <a:latin typeface="Arial"/>
+            </a:endParaRPr>
+          </a:p>
+        </p:txBody>
+      </p:sp>
+      <p:sp>
+        <p:nvSpPr>
+          <p:cNvPr id="4" name="PlaceHolder 3"/>
+          <p:cNvSpPr>
+            <a:spLocks noGrp="1"/>
+          </p:cNvSpPr>
+          <p:nvPr>
+            <p:ph type="ftr" idx="4"/>
+          </p:nvPr>
+        </p:nvSpPr>
+        <p:spPr/>
+        <p:txBody>
+          <a:bodyPr/>
+          <a:p>
+            <a:r>
+              <a:t>Footer</a:t>
+            </a:r>
+          </a:p>
+        </p:txBody>
+      </p:sp>
+      <p:sp>
+        <p:nvSpPr>
+          <p:cNvPr id="5" name="PlaceHolder 4"/>
+          <p:cNvSpPr>
+            <a:spLocks noGrp="1"/>
+          </p:cNvSpPr>
+          <p:nvPr>
+            <p:ph type="sldNum" idx="5"/>
+          </p:nvPr>
+        </p:nvSpPr>
+        <p:spPr/>
+        <p:txBody>
+          <a:bodyPr/>
+          <a:p>
+            <a:fld id="{A38A9F7B-1C1A-4667-B06B-39DBD539704A}" type="slidenum">
+              <a:t>&lt;#&gt;</a:t>
+            </a:fld>
+          </a:p>
+        </p:txBody>
+      </p:sp>
+      <p:sp>
+        <p:nvSpPr>
+          <p:cNvPr id="6" name="PlaceHolder 5"/>
+          <p:cNvSpPr>
+            <a:spLocks noGrp="1"/>
+          </p:cNvSpPr>
+          <p:nvPr>
+            <p:ph type="dt" idx="6"/>
+          </p:nvPr>
+        </p:nvSpPr>
+        <p:spPr/>
+        <p:txBody>
+          <a:bodyPr/>
+          <a:p>
+            <a:r>
+              <a:rPr lang="pt-BR"/>
+              <a:t/>
+            </a:r>
+          </a:p>
+        </p:txBody>
+      </p:sp>
+    </p:spTree>
+  </p:cSld>
+</p:sldLayout>
+</file>
+
+<file path=ppt/slideLayouts/slideLayout16.xml><?xml version="1.0" encoding="utf-8"?>
+<p:sldLayout xmlns:a="http://schemas.openxmlformats.org/drawingml/2006/main" xmlns:p="http://schemas.openxmlformats.org/presentationml/2006/main" xmlns:r="http://schemas.openxmlformats.org/officeDocument/2006/relationships" xmlns:p14="http://schemas.microsoft.com/office/powerpoint/2010/main" xmlns:p15="http://schemas.microsoft.com/office/powerpoint/2012/main" xmlns:mc="http://schemas.openxmlformats.org/markup-compatibility/2006" type="twoObj" preserve="1">
+  <p:cSld name="Title, 2 Content">
+    <p:spTree>
+      <p:nvGrpSpPr>
+        <p:cNvPr id="1" name=""/>
+        <p:cNvGrpSpPr/>
+        <p:nvPr/>
+      </p:nvGrpSpPr>
+      <p:grpSpPr>
+        <a:xfrm>
+          <a:off x="0" y="0"/>
+          <a:ext cx="0" cy="0"/>
+          <a:chOff x="0" y="0"/>
+          <a:chExt cx="0" cy="0"/>
+        </a:xfrm>
+      </p:grpSpPr>
+      <p:sp>
+        <p:nvSpPr>
+          <p:cNvPr id="55" name="PlaceHolder 1"/>
+          <p:cNvSpPr>
+            <a:spLocks noGrp="1"/>
+          </p:cNvSpPr>
+          <p:nvPr>
+            <p:ph type="title"/>
+          </p:nvPr>
+        </p:nvSpPr>
+        <p:spPr>
+          <a:xfrm>
+            <a:off x="640080" y="5760"/>
+            <a:ext cx="10698120" cy="1052280"/>
+          </a:xfrm>
+          <a:prstGeom prst="rect">
+            <a:avLst/>
+          </a:prstGeom>
+          <a:noFill/>
+          <a:ln w="0">
+            <a:noFill/>
+          </a:ln>
+        </p:spPr>
+        <p:txBody>
+          <a:bodyPr lIns="0" rIns="0" tIns="0" bIns="0" anchor="ctr">
+            <a:noAutofit/>
+          </a:bodyPr>
+          <a:p>
+            <a:pPr indent="0" algn="ctr">
+              <a:buNone/>
+            </a:pPr>
+            <a:endParaRPr b="0" lang="pt-BR" sz="4400" spc="-1" strike="noStrike">
+              <a:solidFill>
+                <a:srgbClr val="000000"/>
+              </a:solidFill>
+              <a:latin typeface="Arial"/>
+            </a:endParaRPr>
+          </a:p>
+        </p:txBody>
+      </p:sp>
+      <p:sp>
+        <p:nvSpPr>
+          <p:cNvPr id="56" name="PlaceHolder 2"/>
+          <p:cNvSpPr>
+            <a:spLocks noGrp="1"/>
+          </p:cNvSpPr>
+          <p:nvPr>
+            <p:ph/>
+          </p:nvPr>
+        </p:nvSpPr>
+        <p:spPr>
+          <a:xfrm>
+            <a:off x="182880" y="1188720"/>
+            <a:ext cx="5755320" cy="3976200"/>
+          </a:xfrm>
+          <a:prstGeom prst="rect">
+            <a:avLst/>
+          </a:prstGeom>
+          <a:noFill/>
+          <a:ln w="0">
+            <a:noFill/>
+          </a:ln>
+        </p:spPr>
+        <p:txBody>
+          <a:bodyPr lIns="0" rIns="0" tIns="0" bIns="0" anchor="t">
+            <a:normAutofit/>
+          </a:bodyPr>
+          <a:p>
+            <a:pPr indent="0">
+              <a:spcBef>
+                <a:spcPts val="1417"/>
+              </a:spcBef>
+              <a:buNone/>
+            </a:pPr>
+            <a:endParaRPr b="0" lang="pt-BR" sz="3200" spc="-1" strike="noStrike">
+              <a:solidFill>
+                <a:srgbClr val="000000"/>
+              </a:solidFill>
+              <a:latin typeface="Arial"/>
+            </a:endParaRPr>
+          </a:p>
+        </p:txBody>
+      </p:sp>
+      <p:sp>
+        <p:nvSpPr>
+          <p:cNvPr id="57" name="PlaceHolder 3"/>
+          <p:cNvSpPr>
+            <a:spLocks noGrp="1"/>
+          </p:cNvSpPr>
+          <p:nvPr>
+            <p:ph/>
+          </p:nvPr>
+        </p:nvSpPr>
+        <p:spPr>
+          <a:xfrm>
+            <a:off x="6226200" y="1188720"/>
+            <a:ext cx="5755320" cy="3976200"/>
+          </a:xfrm>
+          <a:prstGeom prst="rect">
+            <a:avLst/>
+          </a:prstGeom>
+          <a:noFill/>
+          <a:ln w="0">
+            <a:noFill/>
+          </a:ln>
+        </p:spPr>
+        <p:txBody>
+          <a:bodyPr lIns="0" rIns="0" tIns="0" bIns="0" anchor="t">
+            <a:normAutofit/>
+          </a:bodyPr>
+          <a:p>
+            <a:pPr indent="0">
+              <a:spcBef>
+                <a:spcPts val="1417"/>
+              </a:spcBef>
+              <a:buNone/>
+            </a:pPr>
+            <a:endParaRPr b="0" lang="pt-BR" sz="3200" spc="-1" strike="noStrike">
+              <a:solidFill>
+                <a:srgbClr val="000000"/>
+              </a:solidFill>
+              <a:latin typeface="Arial"/>
+            </a:endParaRPr>
+          </a:p>
+        </p:txBody>
+      </p:sp>
+      <p:sp>
+        <p:nvSpPr>
+          <p:cNvPr id="5" name="PlaceHolder 4"/>
+          <p:cNvSpPr>
+            <a:spLocks noGrp="1"/>
+          </p:cNvSpPr>
+          <p:nvPr>
+            <p:ph type="ftr" idx="4"/>
+          </p:nvPr>
+        </p:nvSpPr>
+        <p:spPr/>
+        <p:txBody>
+          <a:bodyPr/>
+          <a:p>
+            <a:r>
+              <a:t>Footer</a:t>
+            </a:r>
+          </a:p>
+        </p:txBody>
+      </p:sp>
+      <p:sp>
+        <p:nvSpPr>
+          <p:cNvPr id="6" name="PlaceHolder 5"/>
+          <p:cNvSpPr>
+            <a:spLocks noGrp="1"/>
+          </p:cNvSpPr>
+          <p:nvPr>
+            <p:ph type="sldNum" idx="5"/>
+          </p:nvPr>
+        </p:nvSpPr>
+        <p:spPr/>
+        <p:txBody>
+          <a:bodyPr/>
+          <a:p>
+            <a:fld id="{2B953945-CC4E-48E1-8C9D-156D37238569}" type="slidenum">
+              <a:t>&lt;#&gt;</a:t>
+            </a:fld>
+          </a:p>
+        </p:txBody>
+      </p:sp>
+      <p:sp>
+        <p:nvSpPr>
+          <p:cNvPr id="7" name="PlaceHolder 6"/>
+          <p:cNvSpPr>
+            <a:spLocks noGrp="1"/>
+          </p:cNvSpPr>
+          <p:nvPr>
+            <p:ph type="dt" idx="6"/>
+          </p:nvPr>
+        </p:nvSpPr>
+        <p:spPr/>
+        <p:txBody>
+          <a:bodyPr/>
+          <a:p>
+            <a:r>
+              <a:rPr lang="pt-BR"/>
+              <a:t/>
+            </a:r>
+          </a:p>
+        </p:txBody>
+      </p:sp>
+    </p:spTree>
+  </p:cSld>
+</p:sldLayout>
+</file>
+
+<file path=ppt/slideLayouts/slideLayout17.xml><?xml version="1.0" encoding="utf-8"?>
+<p:sldLayout xmlns:a="http://schemas.openxmlformats.org/drawingml/2006/main" xmlns:p="http://schemas.openxmlformats.org/presentationml/2006/main" xmlns:r="http://schemas.openxmlformats.org/officeDocument/2006/relationships" xmlns:p14="http://schemas.microsoft.com/office/powerpoint/2010/main" xmlns:p15="http://schemas.microsoft.com/office/powerpoint/2012/main" xmlns:mc="http://schemas.openxmlformats.org/markup-compatibility/2006" type="titleOnly" preserve="1">
+  <p:cSld name="Title Only">
+    <p:spTree>
+      <p:nvGrpSpPr>
+        <p:cNvPr id="1" name=""/>
+        <p:cNvGrpSpPr/>
+        <p:nvPr/>
+      </p:nvGrpSpPr>
+      <p:grpSpPr>
+        <a:xfrm>
+          <a:off x="0" y="0"/>
+          <a:ext cx="0" cy="0"/>
+          <a:chOff x="0" y="0"/>
+          <a:chExt cx="0" cy="0"/>
+        </a:xfrm>
+      </p:grpSpPr>
+      <p:sp>
+        <p:nvSpPr>
+          <p:cNvPr id="58" name="PlaceHolder 1"/>
+          <p:cNvSpPr>
+            <a:spLocks noGrp="1"/>
+          </p:cNvSpPr>
+          <p:nvPr>
+            <p:ph type="title"/>
+          </p:nvPr>
+        </p:nvSpPr>
+        <p:spPr>
+          <a:xfrm>
+            <a:off x="640080" y="5760"/>
+            <a:ext cx="10698120" cy="1052280"/>
+          </a:xfrm>
+          <a:prstGeom prst="rect">
+            <a:avLst/>
+          </a:prstGeom>
+          <a:noFill/>
+          <a:ln w="0">
+            <a:noFill/>
+          </a:ln>
+        </p:spPr>
+        <p:txBody>
+          <a:bodyPr lIns="0" rIns="0" tIns="0" bIns="0" anchor="ctr">
+            <a:noAutofit/>
+          </a:bodyPr>
+          <a:p>
+            <a:pPr indent="0" algn="ctr">
+              <a:buNone/>
+            </a:pPr>
+            <a:endParaRPr b="0" lang="pt-BR" sz="4400" spc="-1" strike="noStrike">
+              <a:solidFill>
+                <a:srgbClr val="000000"/>
+              </a:solidFill>
+              <a:latin typeface="Arial"/>
+            </a:endParaRPr>
+          </a:p>
+        </p:txBody>
+      </p:sp>
+      <p:sp>
+        <p:nvSpPr>
+          <p:cNvPr id="3" name="PlaceHolder 2"/>
+          <p:cNvSpPr>
+            <a:spLocks noGrp="1"/>
+          </p:cNvSpPr>
+          <p:nvPr>
+            <p:ph type="ftr" idx="4"/>
+          </p:nvPr>
+        </p:nvSpPr>
+        <p:spPr/>
+        <p:txBody>
+          <a:bodyPr/>
+          <a:p>
+            <a:r>
+              <a:t>Footer</a:t>
+            </a:r>
+          </a:p>
+        </p:txBody>
+      </p:sp>
+      <p:sp>
+        <p:nvSpPr>
+          <p:cNvPr id="4" name="PlaceHolder 3"/>
+          <p:cNvSpPr>
+            <a:spLocks noGrp="1"/>
+          </p:cNvSpPr>
+          <p:nvPr>
+            <p:ph type="sldNum" idx="5"/>
+          </p:nvPr>
+        </p:nvSpPr>
+        <p:spPr/>
+        <p:txBody>
+          <a:bodyPr/>
+          <a:p>
+            <a:fld id="{529B14DA-3D27-4B83-8A35-AC7CC94193DE}" type="slidenum">
+              <a:t>&lt;#&gt;</a:t>
+            </a:fld>
+          </a:p>
+        </p:txBody>
+      </p:sp>
+      <p:sp>
+        <p:nvSpPr>
+          <p:cNvPr id="5" name="PlaceHolder 4"/>
+          <p:cNvSpPr>
+            <a:spLocks noGrp="1"/>
+          </p:cNvSpPr>
+          <p:nvPr>
+            <p:ph type="dt" idx="6"/>
+          </p:nvPr>
+        </p:nvSpPr>
+        <p:spPr/>
+        <p:txBody>
+          <a:bodyPr/>
+          <a:p>
+            <a:r>
+              <a:rPr lang="pt-BR"/>
+              <a:t/>
+            </a:r>
+          </a:p>
+        </p:txBody>
+      </p:sp>
+    </p:spTree>
+  </p:cSld>
+</p:sldLayout>
+</file>
+
+<file path=ppt/slideLayouts/slideLayout18.xml><?xml version="1.0" encoding="utf-8"?>
+<p:sldLayout xmlns:a="http://schemas.openxmlformats.org/drawingml/2006/main" xmlns:p="http://schemas.openxmlformats.org/presentationml/2006/main" xmlns:r="http://schemas.openxmlformats.org/officeDocument/2006/relationships" xmlns:p14="http://schemas.microsoft.com/office/powerpoint/2010/main" xmlns:p15="http://schemas.microsoft.com/office/powerpoint/2012/main" xmlns:mc="http://schemas.openxmlformats.org/markup-compatibility/2006" type="objOnly" preserve="1">
+  <p:cSld name="Centered Text">
+    <p:spTree>
+      <p:nvGrpSpPr>
+        <p:cNvPr id="1" name=""/>
+        <p:cNvGrpSpPr/>
+        <p:nvPr/>
+      </p:nvGrpSpPr>
+      <p:grpSpPr>
+        <a:xfrm>
+          <a:off x="0" y="0"/>
+          <a:ext cx="0" cy="0"/>
+          <a:chOff x="0" y="0"/>
+          <a:chExt cx="0" cy="0"/>
+        </a:xfrm>
+      </p:grpSpPr>
+      <p:sp>
+        <p:nvSpPr>
+          <p:cNvPr id="59" name="PlaceHolder 1"/>
+          <p:cNvSpPr>
+            <a:spLocks noGrp="1"/>
+          </p:cNvSpPr>
+          <p:nvPr>
+            <p:ph type="subTitle"/>
+          </p:nvPr>
+        </p:nvSpPr>
+        <p:spPr>
+          <a:xfrm>
+            <a:off x="640080" y="5760"/>
+            <a:ext cx="10698120" cy="4879080"/>
+          </a:xfrm>
+          <a:prstGeom prst="rect">
+            <a:avLst/>
+          </a:prstGeom>
+          <a:noFill/>
+          <a:ln w="0">
+            <a:noFill/>
+          </a:ln>
+        </p:spPr>
+        <p:txBody>
+          <a:bodyPr lIns="0" rIns="0" tIns="0" bIns="0" anchor="ctr">
+            <a:noAutofit/>
+          </a:bodyPr>
+          <a:p>
+            <a:pPr algn="ctr"/>
+            <a:endParaRPr b="0" lang="pt-BR" sz="3200" spc="-1" strike="noStrike">
+              <a:solidFill>
+                <a:srgbClr val="000000"/>
+              </a:solidFill>
+              <a:latin typeface="Arial"/>
+            </a:endParaRPr>
+          </a:p>
+        </p:txBody>
+      </p:sp>
+      <p:sp>
+        <p:nvSpPr>
+          <p:cNvPr id="3" name="PlaceHolder 2"/>
+          <p:cNvSpPr>
+            <a:spLocks noGrp="1"/>
+          </p:cNvSpPr>
+          <p:nvPr>
+            <p:ph type="ftr" idx="4"/>
+          </p:nvPr>
+        </p:nvSpPr>
+        <p:spPr/>
+        <p:txBody>
+          <a:bodyPr/>
+          <a:p>
+            <a:r>
+              <a:t>Footer</a:t>
+            </a:r>
+          </a:p>
+        </p:txBody>
+      </p:sp>
+      <p:sp>
+        <p:nvSpPr>
+          <p:cNvPr id="4" name="PlaceHolder 3"/>
+          <p:cNvSpPr>
+            <a:spLocks noGrp="1"/>
+          </p:cNvSpPr>
+          <p:nvPr>
+            <p:ph type="sldNum" idx="5"/>
+          </p:nvPr>
+        </p:nvSpPr>
+        <p:spPr/>
+        <p:txBody>
+          <a:bodyPr/>
+          <a:p>
+            <a:fld id="{B02E0CAA-3BBE-4BF5-92AB-F60B8548F9CB}" type="slidenum">
+              <a:t>&lt;#&gt;</a:t>
+            </a:fld>
+          </a:p>
+        </p:txBody>
+      </p:sp>
+      <p:sp>
+        <p:nvSpPr>
+          <p:cNvPr id="5" name="PlaceHolder 4"/>
+          <p:cNvSpPr>
+            <a:spLocks noGrp="1"/>
+          </p:cNvSpPr>
+          <p:nvPr>
+            <p:ph type="dt" idx="6"/>
+          </p:nvPr>
+        </p:nvSpPr>
+        <p:spPr/>
+        <p:txBody>
+          <a:bodyPr/>
+          <a:p>
+            <a:r>
+              <a:rPr lang="pt-BR"/>
+              <a:t/>
+            </a:r>
+          </a:p>
+        </p:txBody>
+      </p:sp>
+    </p:spTree>
+  </p:cSld>
+</p:sldLayout>
+</file>
+
+<file path=ppt/slideLayouts/slideLayout19.xml><?xml version="1.0" encoding="utf-8"?>
+<p:sldLayout xmlns:a="http://schemas.openxmlformats.org/drawingml/2006/main" xmlns:p="http://schemas.openxmlformats.org/presentationml/2006/main" xmlns:r="http://schemas.openxmlformats.org/officeDocument/2006/relationships" xmlns:p14="http://schemas.microsoft.com/office/powerpoint/2010/main" xmlns:p15="http://schemas.microsoft.com/office/powerpoint/2012/main" xmlns:mc="http://schemas.openxmlformats.org/markup-compatibility/2006" type="twoObjAndObj" preserve="1">
+  <p:cSld name="Title, 2 Content and Content">
+    <p:spTree>
+      <p:nvGrpSpPr>
+        <p:cNvPr id="1" name=""/>
+        <p:cNvGrpSpPr/>
+        <p:nvPr/>
+      </p:nvGrpSpPr>
+      <p:grpSpPr>
+        <a:xfrm>
+          <a:off x="0" y="0"/>
+          <a:ext cx="0" cy="0"/>
+          <a:chOff x="0" y="0"/>
+          <a:chExt cx="0" cy="0"/>
+        </a:xfrm>
+      </p:grpSpPr>
+      <p:sp>
+        <p:nvSpPr>
+          <p:cNvPr id="60" name="PlaceHolder 1"/>
+          <p:cNvSpPr>
+            <a:spLocks noGrp="1"/>
+          </p:cNvSpPr>
+          <p:nvPr>
+            <p:ph type="title"/>
+          </p:nvPr>
+        </p:nvSpPr>
+        <p:spPr>
+          <a:xfrm>
+            <a:off x="640080" y="5760"/>
+            <a:ext cx="10698120" cy="1052280"/>
+          </a:xfrm>
+          <a:prstGeom prst="rect">
+            <a:avLst/>
+          </a:prstGeom>
+          <a:noFill/>
+          <a:ln w="0">
+            <a:noFill/>
+          </a:ln>
+        </p:spPr>
+        <p:txBody>
+          <a:bodyPr lIns="0" rIns="0" tIns="0" bIns="0" anchor="ctr">
+            <a:noAutofit/>
+          </a:bodyPr>
+          <a:p>
+            <a:pPr indent="0" algn="ctr">
+              <a:buNone/>
+            </a:pPr>
+            <a:endParaRPr b="0" lang="pt-BR" sz="4400" spc="-1" strike="noStrike">
+              <a:solidFill>
+                <a:srgbClr val="000000"/>
+              </a:solidFill>
+              <a:latin typeface="Arial"/>
+            </a:endParaRPr>
+          </a:p>
+        </p:txBody>
+      </p:sp>
+      <p:sp>
+        <p:nvSpPr>
+          <p:cNvPr id="61" name="PlaceHolder 2"/>
+          <p:cNvSpPr>
+            <a:spLocks noGrp="1"/>
+          </p:cNvSpPr>
+          <p:nvPr>
+            <p:ph/>
+          </p:nvPr>
+        </p:nvSpPr>
+        <p:spPr>
+          <a:xfrm>
+            <a:off x="182880" y="1188720"/>
+            <a:ext cx="5755320" cy="1896480"/>
+          </a:xfrm>
+          <a:prstGeom prst="rect">
+            <a:avLst/>
+          </a:prstGeom>
+          <a:noFill/>
+          <a:ln w="0">
+            <a:noFill/>
+          </a:ln>
+        </p:spPr>
+        <p:txBody>
+          <a:bodyPr lIns="0" rIns="0" tIns="0" bIns="0" anchor="t">
+            <a:normAutofit/>
+          </a:bodyPr>
+          <a:p>
+            <a:pPr indent="0">
+              <a:spcBef>
+                <a:spcPts val="1417"/>
+              </a:spcBef>
+              <a:buNone/>
+            </a:pPr>
+            <a:endParaRPr b="0" lang="pt-BR" sz="3200" spc="-1" strike="noStrike">
+              <a:solidFill>
+                <a:srgbClr val="000000"/>
+              </a:solidFill>
+              <a:latin typeface="Arial"/>
+            </a:endParaRPr>
+          </a:p>
+        </p:txBody>
+      </p:sp>
+      <p:sp>
+        <p:nvSpPr>
+          <p:cNvPr id="62" name="PlaceHolder 3"/>
+          <p:cNvSpPr>
+            <a:spLocks noGrp="1"/>
+          </p:cNvSpPr>
+          <p:nvPr>
+            <p:ph/>
+          </p:nvPr>
+        </p:nvSpPr>
+        <p:spPr>
+          <a:xfrm>
+            <a:off x="6226200" y="1188720"/>
+            <a:ext cx="5755320" cy="3976200"/>
+          </a:xfrm>
+          <a:prstGeom prst="rect">
+            <a:avLst/>
+          </a:prstGeom>
+          <a:noFill/>
+          <a:ln w="0">
+            <a:noFill/>
+          </a:ln>
+        </p:spPr>
+        <p:txBody>
+          <a:bodyPr lIns="0" rIns="0" tIns="0" bIns="0" anchor="t">
+            <a:normAutofit/>
+          </a:bodyPr>
+          <a:p>
+            <a:pPr indent="0">
+              <a:spcBef>
+                <a:spcPts val="1417"/>
+              </a:spcBef>
+              <a:buNone/>
+            </a:pPr>
+            <a:endParaRPr b="0" lang="pt-BR" sz="3200" spc="-1" strike="noStrike">
+              <a:solidFill>
+                <a:srgbClr val="000000"/>
+              </a:solidFill>
+              <a:latin typeface="Arial"/>
+            </a:endParaRPr>
+          </a:p>
+        </p:txBody>
+      </p:sp>
+      <p:sp>
+        <p:nvSpPr>
+          <p:cNvPr id="63" name="PlaceHolder 4"/>
+          <p:cNvSpPr>
+            <a:spLocks noGrp="1"/>
+          </p:cNvSpPr>
+          <p:nvPr>
+            <p:ph/>
+          </p:nvPr>
+        </p:nvSpPr>
+        <p:spPr>
+          <a:xfrm>
+            <a:off x="182880" y="3265920"/>
+            <a:ext cx="5755320" cy="1896480"/>
+          </a:xfrm>
+          <a:prstGeom prst="rect">
+            <a:avLst/>
+          </a:prstGeom>
+          <a:noFill/>
+          <a:ln w="0">
+            <a:noFill/>
+          </a:ln>
+        </p:spPr>
+        <p:txBody>
+          <a:bodyPr lIns="0" rIns="0" tIns="0" bIns="0" anchor="t">
+            <a:normAutofit/>
+          </a:bodyPr>
+          <a:p>
+            <a:pPr indent="0">
+              <a:spcBef>
+                <a:spcPts val="1417"/>
+              </a:spcBef>
+              <a:buNone/>
+            </a:pPr>
+            <a:endParaRPr b="0" lang="pt-BR" sz="3200" spc="-1" strike="noStrike">
+              <a:solidFill>
+                <a:srgbClr val="000000"/>
+              </a:solidFill>
+              <a:latin typeface="Arial"/>
+            </a:endParaRPr>
+          </a:p>
+        </p:txBody>
+      </p:sp>
+      <p:sp>
+        <p:nvSpPr>
+          <p:cNvPr id="6" name="PlaceHolder 5"/>
+          <p:cNvSpPr>
+            <a:spLocks noGrp="1"/>
+          </p:cNvSpPr>
+          <p:nvPr>
+            <p:ph type="ftr" idx="4"/>
+          </p:nvPr>
+        </p:nvSpPr>
+        <p:spPr/>
+        <p:txBody>
+          <a:bodyPr/>
+          <a:p>
+            <a:r>
+              <a:t>Footer</a:t>
+            </a:r>
+          </a:p>
+        </p:txBody>
+      </p:sp>
+      <p:sp>
+        <p:nvSpPr>
+          <p:cNvPr id="7" name="PlaceHolder 6"/>
+          <p:cNvSpPr>
+            <a:spLocks noGrp="1"/>
+          </p:cNvSpPr>
+          <p:nvPr>
+            <p:ph type="sldNum" idx="5"/>
+          </p:nvPr>
+        </p:nvSpPr>
+        <p:spPr/>
+        <p:txBody>
+          <a:bodyPr/>
+          <a:p>
+            <a:fld id="{AD36A830-6568-4BA9-B2E1-8AF80A10D413}" type="slidenum">
+              <a:t>&lt;#&gt;</a:t>
+            </a:fld>
+          </a:p>
+        </p:txBody>
+      </p:sp>
+      <p:sp>
+        <p:nvSpPr>
+          <p:cNvPr id="8" name="PlaceHolder 7"/>
+          <p:cNvSpPr>
+            <a:spLocks noGrp="1"/>
+          </p:cNvSpPr>
+          <p:nvPr>
+            <p:ph type="dt" idx="6"/>
+          </p:nvPr>
+        </p:nvSpPr>
+        <p:spPr/>
+        <p:txBody>
+          <a:bodyPr/>
+          <a:p>
+            <a:r>
+              <a:rPr lang="pt-BR"/>
+              <a:t/>
+            </a:r>
+          </a:p>
+        </p:txBody>
+      </p:sp>
+    </p:spTree>
+  </p:cSld>
+</p:sldLayout>
+</file>
+
+<file path=ppt/slideLayouts/slideLayout2.xml><?xml version="1.0" encoding="utf-8"?>
+<p:sldLayout xmlns:a="http://schemas.openxmlformats.org/drawingml/2006/main" xmlns:p="http://schemas.openxmlformats.org/presentationml/2006/main" xmlns:r="http://schemas.openxmlformats.org/officeDocument/2006/relationships" xmlns:p14="http://schemas.microsoft.com/office/powerpoint/2010/main" xmlns:p15="http://schemas.microsoft.com/office/powerpoint/2012/main" xmlns:mc="http://schemas.openxmlformats.org/markup-compatibility/2006" type="tx" preserve="1">
+  <p:cSld name="Title Slide">
+    <p:spTree>
+      <p:nvGrpSpPr>
+        <p:cNvPr id="1" name=""/>
+        <p:cNvGrpSpPr/>
+        <p:nvPr/>
+      </p:nvGrpSpPr>
+      <p:grpSpPr>
+        <a:xfrm>
+          <a:off x="0" y="0"/>
+          <a:ext cx="0" cy="0"/>
+          <a:chOff x="0" y="0"/>
+          <a:chExt cx="0" cy="0"/>
+        </a:xfrm>
+      </p:grpSpPr>
+      <p:sp>
+        <p:nvSpPr>
+          <p:cNvPr id="5" name="PlaceHolder 1"/>
+          <p:cNvSpPr>
+            <a:spLocks noGrp="1"/>
+          </p:cNvSpPr>
+          <p:nvPr>
+            <p:ph type="title"/>
+          </p:nvPr>
+        </p:nvSpPr>
+        <p:spPr>
+          <a:xfrm>
+            <a:off x="640080" y="5760"/>
+            <a:ext cx="10698120" cy="1052280"/>
+          </a:xfrm>
+          <a:prstGeom prst="rect">
+            <a:avLst/>
+          </a:prstGeom>
+          <a:noFill/>
+          <a:ln w="0">
+            <a:noFill/>
+          </a:ln>
+        </p:spPr>
+        <p:txBody>
+          <a:bodyPr lIns="0" rIns="0" tIns="0" bIns="0" anchor="ctr">
+            <a:noAutofit/>
+          </a:bodyPr>
+          <a:p>
+            <a:pPr indent="0" algn="ctr">
+              <a:buNone/>
+            </a:pPr>
+            <a:endParaRPr b="0" lang="pt-BR" sz="4400" spc="-1" strike="noStrike">
+              <a:solidFill>
+                <a:srgbClr val="000000"/>
+              </a:solidFill>
+              <a:latin typeface="Arial"/>
+            </a:endParaRPr>
+          </a:p>
+        </p:txBody>
+      </p:sp>
+      <p:sp>
+        <p:nvSpPr>
+          <p:cNvPr id="6" name="PlaceHolder 2"/>
+          <p:cNvSpPr>
+            <a:spLocks noGrp="1"/>
+          </p:cNvSpPr>
+          <p:nvPr>
+            <p:ph type="subTitle"/>
+          </p:nvPr>
+        </p:nvSpPr>
+        <p:spPr>
+          <a:xfrm>
+            <a:off x="182880" y="1188720"/>
+            <a:ext cx="11794320" cy="3976200"/>
+          </a:xfrm>
+          <a:prstGeom prst="rect">
+            <a:avLst/>
+          </a:prstGeom>
+          <a:noFill/>
+          <a:ln w="0">
+            <a:noFill/>
+          </a:ln>
+        </p:spPr>
+        <p:txBody>
+          <a:bodyPr lIns="0" rIns="0" tIns="0" bIns="0" anchor="ctr">
+            <a:noAutofit/>
+          </a:bodyPr>
+          <a:p>
+            <a:pPr indent="0" algn="ctr">
+              <a:buNone/>
+            </a:pPr>
+            <a:endParaRPr b="0" lang="pt-BR" sz="3200" spc="-1" strike="noStrike">
+              <a:solidFill>
+                <a:srgbClr val="000000"/>
+              </a:solidFill>
+              <a:latin typeface="Arial"/>
+            </a:endParaRPr>
+          </a:p>
+        </p:txBody>
+      </p:sp>
+      <p:sp>
+        <p:nvSpPr>
+          <p:cNvPr id="4" name="PlaceHolder 3"/>
+          <p:cNvSpPr>
+            <a:spLocks noGrp="1"/>
+          </p:cNvSpPr>
+          <p:nvPr>
+            <p:ph type="ftr" idx="1"/>
+          </p:nvPr>
+        </p:nvSpPr>
+        <p:spPr/>
+        <p:txBody>
+          <a:bodyPr/>
+          <a:p>
+            <a:r>
+              <a:t>Footer</a:t>
+            </a:r>
+          </a:p>
+        </p:txBody>
+      </p:sp>
+      <p:sp>
+        <p:nvSpPr>
+          <p:cNvPr id="5" name="PlaceHolder 4"/>
+          <p:cNvSpPr>
+            <a:spLocks noGrp="1"/>
+          </p:cNvSpPr>
+          <p:nvPr>
+            <p:ph type="sldNum" idx="2"/>
+          </p:nvPr>
+        </p:nvSpPr>
+        <p:spPr/>
+        <p:txBody>
+          <a:bodyPr/>
+          <a:p>
+            <a:fld id="{F9F1BC0C-8F46-47F5-9990-362DB253C859}" type="slidenum">
+              <a:t>&lt;#&gt;</a:t>
+            </a:fld>
+          </a:p>
+        </p:txBody>
+      </p:sp>
+      <p:sp>
+        <p:nvSpPr>
+          <p:cNvPr id="6" name="PlaceHolder 5"/>
+          <p:cNvSpPr>
+            <a:spLocks noGrp="1"/>
+          </p:cNvSpPr>
+          <p:nvPr>
+            <p:ph type="dt" idx="3"/>
+          </p:nvPr>
+        </p:nvSpPr>
+        <p:spPr/>
+        <p:txBody>
+          <a:bodyPr/>
+          <a:p>
+            <a:r>
+              <a:rPr lang="pt-BR"/>
+              <a:t/>
+            </a:r>
+          </a:p>
+        </p:txBody>
+      </p:sp>
+    </p:spTree>
+  </p:cSld>
+</p:sldLayout>
+</file>
+
+<file path=ppt/slideLayouts/slideLayout20.xml><?xml version="1.0" encoding="utf-8"?>
+<p:sldLayout xmlns:a="http://schemas.openxmlformats.org/drawingml/2006/main" xmlns:p="http://schemas.openxmlformats.org/presentationml/2006/main" xmlns:r="http://schemas.openxmlformats.org/officeDocument/2006/relationships" xmlns:p14="http://schemas.microsoft.com/office/powerpoint/2010/main" xmlns:p15="http://schemas.microsoft.com/office/powerpoint/2012/main" xmlns:mc="http://schemas.openxmlformats.org/markup-compatibility/2006" type="objAndTwoObj" preserve="1">
+  <p:cSld name="Title Content and 2 Content">
+    <p:spTree>
+      <p:nvGrpSpPr>
+        <p:cNvPr id="1" name=""/>
+        <p:cNvGrpSpPr/>
+        <p:nvPr/>
+      </p:nvGrpSpPr>
+      <p:grpSpPr>
+        <a:xfrm>
+          <a:off x="0" y="0"/>
+          <a:ext cx="0" cy="0"/>
+          <a:chOff x="0" y="0"/>
+          <a:chExt cx="0" cy="0"/>
+        </a:xfrm>
+      </p:grpSpPr>
+      <p:sp>
+        <p:nvSpPr>
+          <p:cNvPr id="64" name="PlaceHolder 1"/>
+          <p:cNvSpPr>
+            <a:spLocks noGrp="1"/>
+          </p:cNvSpPr>
+          <p:nvPr>
+            <p:ph type="title"/>
+          </p:nvPr>
+        </p:nvSpPr>
+        <p:spPr>
+          <a:xfrm>
+            <a:off x="640080" y="5760"/>
+            <a:ext cx="10698120" cy="1052280"/>
+          </a:xfrm>
+          <a:prstGeom prst="rect">
+            <a:avLst/>
+          </a:prstGeom>
+          <a:noFill/>
+          <a:ln w="0">
+            <a:noFill/>
+          </a:ln>
+        </p:spPr>
+        <p:txBody>
+          <a:bodyPr lIns="0" rIns="0" tIns="0" bIns="0" anchor="ctr">
+            <a:noAutofit/>
+          </a:bodyPr>
+          <a:p>
+            <a:pPr indent="0" algn="ctr">
+              <a:buNone/>
+            </a:pPr>
+            <a:endParaRPr b="0" lang="pt-BR" sz="4400" spc="-1" strike="noStrike">
+              <a:solidFill>
+                <a:srgbClr val="000000"/>
+              </a:solidFill>
+              <a:latin typeface="Arial"/>
+            </a:endParaRPr>
+          </a:p>
+        </p:txBody>
+      </p:sp>
+      <p:sp>
+        <p:nvSpPr>
+          <p:cNvPr id="65" name="PlaceHolder 2"/>
+          <p:cNvSpPr>
+            <a:spLocks noGrp="1"/>
+          </p:cNvSpPr>
+          <p:nvPr>
+            <p:ph/>
+          </p:nvPr>
+        </p:nvSpPr>
+        <p:spPr>
+          <a:xfrm>
+            <a:off x="182880" y="1188720"/>
+            <a:ext cx="5755320" cy="3976200"/>
+          </a:xfrm>
+          <a:prstGeom prst="rect">
+            <a:avLst/>
+          </a:prstGeom>
+          <a:noFill/>
+          <a:ln w="0">
+            <a:noFill/>
+          </a:ln>
+        </p:spPr>
+        <p:txBody>
+          <a:bodyPr lIns="0" rIns="0" tIns="0" bIns="0" anchor="t">
+            <a:normAutofit/>
+          </a:bodyPr>
+          <a:p>
+            <a:pPr indent="0">
+              <a:spcBef>
+                <a:spcPts val="1417"/>
+              </a:spcBef>
+              <a:buNone/>
+            </a:pPr>
+            <a:endParaRPr b="0" lang="pt-BR" sz="3200" spc="-1" strike="noStrike">
+              <a:solidFill>
+                <a:srgbClr val="000000"/>
+              </a:solidFill>
+              <a:latin typeface="Arial"/>
+            </a:endParaRPr>
+          </a:p>
+        </p:txBody>
+      </p:sp>
+      <p:sp>
+        <p:nvSpPr>
+          <p:cNvPr id="66" name="PlaceHolder 3"/>
+          <p:cNvSpPr>
+            <a:spLocks noGrp="1"/>
+          </p:cNvSpPr>
+          <p:nvPr>
+            <p:ph/>
+          </p:nvPr>
+        </p:nvSpPr>
+        <p:spPr>
+          <a:xfrm>
+            <a:off x="6226200" y="1188720"/>
+            <a:ext cx="5755320" cy="1896480"/>
+          </a:xfrm>
+          <a:prstGeom prst="rect">
+            <a:avLst/>
+          </a:prstGeom>
+          <a:noFill/>
+          <a:ln w="0">
+            <a:noFill/>
+          </a:ln>
+        </p:spPr>
+        <p:txBody>
+          <a:bodyPr lIns="0" rIns="0" tIns="0" bIns="0" anchor="t">
+            <a:normAutofit/>
+          </a:bodyPr>
+          <a:p>
+            <a:pPr indent="0">
+              <a:spcBef>
+                <a:spcPts val="1417"/>
+              </a:spcBef>
+              <a:buNone/>
+            </a:pPr>
+            <a:endParaRPr b="0" lang="pt-BR" sz="3200" spc="-1" strike="noStrike">
+              <a:solidFill>
+                <a:srgbClr val="000000"/>
+              </a:solidFill>
+              <a:latin typeface="Arial"/>
+            </a:endParaRPr>
+          </a:p>
+        </p:txBody>
+      </p:sp>
+      <p:sp>
+        <p:nvSpPr>
+          <p:cNvPr id="67" name="PlaceHolder 4"/>
+          <p:cNvSpPr>
+            <a:spLocks noGrp="1"/>
+          </p:cNvSpPr>
+          <p:nvPr>
+            <p:ph/>
+          </p:nvPr>
+        </p:nvSpPr>
+        <p:spPr>
+          <a:xfrm>
+            <a:off x="6226200" y="3265920"/>
+            <a:ext cx="5755320" cy="1896480"/>
+          </a:xfrm>
+          <a:prstGeom prst="rect">
+            <a:avLst/>
+          </a:prstGeom>
+          <a:noFill/>
+          <a:ln w="0">
+            <a:noFill/>
+          </a:ln>
+        </p:spPr>
+        <p:txBody>
+          <a:bodyPr lIns="0" rIns="0" tIns="0" bIns="0" anchor="t">
+            <a:normAutofit/>
+          </a:bodyPr>
+          <a:p>
+            <a:pPr indent="0">
+              <a:spcBef>
+                <a:spcPts val="1417"/>
+              </a:spcBef>
+              <a:buNone/>
+            </a:pPr>
+            <a:endParaRPr b="0" lang="pt-BR" sz="3200" spc="-1" strike="noStrike">
+              <a:solidFill>
+                <a:srgbClr val="000000"/>
+              </a:solidFill>
+              <a:latin typeface="Arial"/>
+            </a:endParaRPr>
+          </a:p>
+        </p:txBody>
+      </p:sp>
+      <p:sp>
+        <p:nvSpPr>
+          <p:cNvPr id="6" name="PlaceHolder 5"/>
+          <p:cNvSpPr>
+            <a:spLocks noGrp="1"/>
+          </p:cNvSpPr>
+          <p:nvPr>
+            <p:ph type="ftr" idx="4"/>
+          </p:nvPr>
+        </p:nvSpPr>
+        <p:spPr/>
+        <p:txBody>
+          <a:bodyPr/>
+          <a:p>
+            <a:r>
+              <a:t>Footer</a:t>
+            </a:r>
+          </a:p>
+        </p:txBody>
+      </p:sp>
+      <p:sp>
+        <p:nvSpPr>
+          <p:cNvPr id="7" name="PlaceHolder 6"/>
+          <p:cNvSpPr>
+            <a:spLocks noGrp="1"/>
+          </p:cNvSpPr>
+          <p:nvPr>
+            <p:ph type="sldNum" idx="5"/>
+          </p:nvPr>
+        </p:nvSpPr>
+        <p:spPr/>
+        <p:txBody>
+          <a:bodyPr/>
+          <a:p>
+            <a:fld id="{0B17B9AD-FC9C-46E6-9556-2C1F9AD654D4}" type="slidenum">
+              <a:t>&lt;#&gt;</a:t>
+            </a:fld>
+          </a:p>
+        </p:txBody>
+      </p:sp>
+      <p:sp>
+        <p:nvSpPr>
+          <p:cNvPr id="8" name="PlaceHolder 7"/>
+          <p:cNvSpPr>
+            <a:spLocks noGrp="1"/>
+          </p:cNvSpPr>
+          <p:nvPr>
+            <p:ph type="dt" idx="6"/>
+          </p:nvPr>
+        </p:nvSpPr>
+        <p:spPr/>
+        <p:txBody>
+          <a:bodyPr/>
+          <a:p>
+            <a:r>
+              <a:rPr lang="pt-BR"/>
+              <a:t/>
+            </a:r>
+          </a:p>
+        </p:txBody>
+      </p:sp>
+    </p:spTree>
+  </p:cSld>
+</p:sldLayout>
+</file>
+
+<file path=ppt/slideLayouts/slideLayout21.xml><?xml version="1.0" encoding="utf-8"?>
+<p:sldLayout xmlns:a="http://schemas.openxmlformats.org/drawingml/2006/main" xmlns:p="http://schemas.openxmlformats.org/presentationml/2006/main" xmlns:r="http://schemas.openxmlformats.org/officeDocument/2006/relationships" xmlns:p14="http://schemas.microsoft.com/office/powerpoint/2010/main" xmlns:p15="http://schemas.microsoft.com/office/powerpoint/2012/main" xmlns:mc="http://schemas.openxmlformats.org/markup-compatibility/2006" type="twoObjOverTx" preserve="1">
+  <p:cSld name="Title, 2 Content over Content">
+    <p:spTree>
+      <p:nvGrpSpPr>
+        <p:cNvPr id="1" name=""/>
+        <p:cNvGrpSpPr/>
+        <p:nvPr/>
+      </p:nvGrpSpPr>
+      <p:grpSpPr>
+        <a:xfrm>
+          <a:off x="0" y="0"/>
+          <a:ext cx="0" cy="0"/>
+          <a:chOff x="0" y="0"/>
+          <a:chExt cx="0" cy="0"/>
+        </a:xfrm>
+      </p:grpSpPr>
+      <p:sp>
+        <p:nvSpPr>
+          <p:cNvPr id="68" name="PlaceHolder 1"/>
+          <p:cNvSpPr>
+            <a:spLocks noGrp="1"/>
+          </p:cNvSpPr>
+          <p:nvPr>
+            <p:ph type="title"/>
+          </p:nvPr>
+        </p:nvSpPr>
+        <p:spPr>
+          <a:xfrm>
+            <a:off x="640080" y="5760"/>
+            <a:ext cx="10698120" cy="1052280"/>
+          </a:xfrm>
+          <a:prstGeom prst="rect">
+            <a:avLst/>
+          </a:prstGeom>
+          <a:noFill/>
+          <a:ln w="0">
+            <a:noFill/>
+          </a:ln>
+        </p:spPr>
+        <p:txBody>
+          <a:bodyPr lIns="0" rIns="0" tIns="0" bIns="0" anchor="ctr">
+            <a:noAutofit/>
+          </a:bodyPr>
+          <a:p>
+            <a:pPr indent="0" algn="ctr">
+              <a:buNone/>
+            </a:pPr>
+            <a:endParaRPr b="0" lang="pt-BR" sz="4400" spc="-1" strike="noStrike">
+              <a:solidFill>
+                <a:srgbClr val="000000"/>
+              </a:solidFill>
+              <a:latin typeface="Arial"/>
+            </a:endParaRPr>
+          </a:p>
+        </p:txBody>
+      </p:sp>
+      <p:sp>
+        <p:nvSpPr>
+          <p:cNvPr id="69" name="PlaceHolder 2"/>
+          <p:cNvSpPr>
+            <a:spLocks noGrp="1"/>
+          </p:cNvSpPr>
+          <p:nvPr>
+            <p:ph/>
+          </p:nvPr>
+        </p:nvSpPr>
+        <p:spPr>
+          <a:xfrm>
+            <a:off x="182880" y="1188720"/>
+            <a:ext cx="5755320" cy="1896480"/>
+          </a:xfrm>
+          <a:prstGeom prst="rect">
+            <a:avLst/>
+          </a:prstGeom>
+          <a:noFill/>
+          <a:ln w="0">
+            <a:noFill/>
+          </a:ln>
+        </p:spPr>
+        <p:txBody>
+          <a:bodyPr lIns="0" rIns="0" tIns="0" bIns="0" anchor="t">
+            <a:normAutofit/>
+          </a:bodyPr>
+          <a:p>
+            <a:pPr indent="0">
+              <a:spcBef>
+                <a:spcPts val="1417"/>
+              </a:spcBef>
+              <a:buNone/>
+            </a:pPr>
+            <a:endParaRPr b="0" lang="pt-BR" sz="3200" spc="-1" strike="noStrike">
+              <a:solidFill>
+                <a:srgbClr val="000000"/>
+              </a:solidFill>
+              <a:latin typeface="Arial"/>
+            </a:endParaRPr>
+          </a:p>
+        </p:txBody>
+      </p:sp>
+      <p:sp>
+        <p:nvSpPr>
+          <p:cNvPr id="70" name="PlaceHolder 3"/>
+          <p:cNvSpPr>
+            <a:spLocks noGrp="1"/>
+          </p:cNvSpPr>
+          <p:nvPr>
+            <p:ph/>
+          </p:nvPr>
+        </p:nvSpPr>
+        <p:spPr>
+          <a:xfrm>
+            <a:off x="6226200" y="1188720"/>
+            <a:ext cx="5755320" cy="1896480"/>
+          </a:xfrm>
+          <a:prstGeom prst="rect">
+            <a:avLst/>
+          </a:prstGeom>
+          <a:noFill/>
+          <a:ln w="0">
+            <a:noFill/>
+          </a:ln>
+        </p:spPr>
+        <p:txBody>
+          <a:bodyPr lIns="0" rIns="0" tIns="0" bIns="0" anchor="t">
+            <a:normAutofit/>
+          </a:bodyPr>
+          <a:p>
+            <a:pPr indent="0">
+              <a:spcBef>
+                <a:spcPts val="1417"/>
+              </a:spcBef>
+              <a:buNone/>
+            </a:pPr>
+            <a:endParaRPr b="0" lang="pt-BR" sz="3200" spc="-1" strike="noStrike">
+              <a:solidFill>
+                <a:srgbClr val="000000"/>
+              </a:solidFill>
+              <a:latin typeface="Arial"/>
+            </a:endParaRPr>
+          </a:p>
+        </p:txBody>
+      </p:sp>
+      <p:sp>
+        <p:nvSpPr>
+          <p:cNvPr id="71" name="PlaceHolder 4"/>
+          <p:cNvSpPr>
+            <a:spLocks noGrp="1"/>
+          </p:cNvSpPr>
+          <p:nvPr>
+            <p:ph/>
+          </p:nvPr>
+        </p:nvSpPr>
+        <p:spPr>
+          <a:xfrm>
+            <a:off x="182880" y="3265920"/>
+            <a:ext cx="11794320" cy="1896480"/>
+          </a:xfrm>
+          <a:prstGeom prst="rect">
+            <a:avLst/>
+          </a:prstGeom>
+          <a:noFill/>
+          <a:ln w="0">
+            <a:noFill/>
+          </a:ln>
+        </p:spPr>
+        <p:txBody>
+          <a:bodyPr lIns="0" rIns="0" tIns="0" bIns="0" anchor="t">
+            <a:normAutofit/>
+          </a:bodyPr>
+          <a:p>
+            <a:pPr indent="0">
+              <a:spcBef>
+                <a:spcPts val="1417"/>
+              </a:spcBef>
+              <a:buNone/>
+            </a:pPr>
+            <a:endParaRPr b="0" lang="pt-BR" sz="3200" spc="-1" strike="noStrike">
+              <a:solidFill>
+                <a:srgbClr val="000000"/>
+              </a:solidFill>
+              <a:latin typeface="Arial"/>
+            </a:endParaRPr>
+          </a:p>
+        </p:txBody>
+      </p:sp>
+      <p:sp>
+        <p:nvSpPr>
+          <p:cNvPr id="6" name="PlaceHolder 5"/>
+          <p:cNvSpPr>
+            <a:spLocks noGrp="1"/>
+          </p:cNvSpPr>
+          <p:nvPr>
+            <p:ph type="ftr" idx="4"/>
+          </p:nvPr>
+        </p:nvSpPr>
+        <p:spPr/>
+        <p:txBody>
+          <a:bodyPr/>
+          <a:p>
+            <a:r>
+              <a:t>Footer</a:t>
+            </a:r>
+          </a:p>
+        </p:txBody>
+      </p:sp>
+      <p:sp>
+        <p:nvSpPr>
+          <p:cNvPr id="7" name="PlaceHolder 6"/>
+          <p:cNvSpPr>
+            <a:spLocks noGrp="1"/>
+          </p:cNvSpPr>
+          <p:nvPr>
+            <p:ph type="sldNum" idx="5"/>
+          </p:nvPr>
+        </p:nvSpPr>
+        <p:spPr/>
+        <p:txBody>
+          <a:bodyPr/>
+          <a:p>
+            <a:fld id="{1EE3A2E7-9D23-4102-92A2-AE5F10F74EE6}" type="slidenum">
+              <a:t>&lt;#&gt;</a:t>
+            </a:fld>
+          </a:p>
+        </p:txBody>
+      </p:sp>
+      <p:sp>
+        <p:nvSpPr>
+          <p:cNvPr id="8" name="PlaceHolder 7"/>
+          <p:cNvSpPr>
+            <a:spLocks noGrp="1"/>
+          </p:cNvSpPr>
+          <p:nvPr>
+            <p:ph type="dt" idx="6"/>
+          </p:nvPr>
+        </p:nvSpPr>
+        <p:spPr/>
+        <p:txBody>
+          <a:bodyPr/>
+          <a:p>
+            <a:r>
+              <a:rPr lang="pt-BR"/>
+              <a:t/>
+            </a:r>
+          </a:p>
+        </p:txBody>
+      </p:sp>
+    </p:spTree>
+  </p:cSld>
+</p:sldLayout>
+</file>
+
+<file path=ppt/slideLayouts/slideLayout22.xml><?xml version="1.0" encoding="utf-8"?>
+<p:sldLayout xmlns:a="http://schemas.openxmlformats.org/drawingml/2006/main" xmlns:p="http://schemas.openxmlformats.org/presentationml/2006/main" xmlns:r="http://schemas.openxmlformats.org/officeDocument/2006/relationships" xmlns:p14="http://schemas.microsoft.com/office/powerpoint/2010/main" xmlns:p15="http://schemas.microsoft.com/office/powerpoint/2012/main" xmlns:mc="http://schemas.openxmlformats.org/markup-compatibility/2006" type="objOverTx" preserve="1">
+  <p:cSld name="Title, Content over Content">
+    <p:spTree>
+      <p:nvGrpSpPr>
+        <p:cNvPr id="1" name=""/>
+        <p:cNvGrpSpPr/>
+        <p:nvPr/>
+      </p:nvGrpSpPr>
+      <p:grpSpPr>
+        <a:xfrm>
+          <a:off x="0" y="0"/>
+          <a:ext cx="0" cy="0"/>
+          <a:chOff x="0" y="0"/>
+          <a:chExt cx="0" cy="0"/>
+        </a:xfrm>
+      </p:grpSpPr>
+      <p:sp>
+        <p:nvSpPr>
+          <p:cNvPr id="72" name="PlaceHolder 1"/>
+          <p:cNvSpPr>
+            <a:spLocks noGrp="1"/>
+          </p:cNvSpPr>
+          <p:nvPr>
+            <p:ph type="title"/>
+          </p:nvPr>
+        </p:nvSpPr>
+        <p:spPr>
+          <a:xfrm>
+            <a:off x="640080" y="5760"/>
+            <a:ext cx="10698120" cy="1052280"/>
+          </a:xfrm>
+          <a:prstGeom prst="rect">
+            <a:avLst/>
+          </a:prstGeom>
+          <a:noFill/>
+          <a:ln w="0">
+            <a:noFill/>
+          </a:ln>
+        </p:spPr>
+        <p:txBody>
+          <a:bodyPr lIns="0" rIns="0" tIns="0" bIns="0" anchor="ctr">
+            <a:noAutofit/>
+          </a:bodyPr>
+          <a:p>
+            <a:pPr indent="0" algn="ctr">
+              <a:buNone/>
+            </a:pPr>
+            <a:endParaRPr b="0" lang="pt-BR" sz="4400" spc="-1" strike="noStrike">
+              <a:solidFill>
+                <a:srgbClr val="000000"/>
+              </a:solidFill>
+              <a:latin typeface="Arial"/>
+            </a:endParaRPr>
+          </a:p>
+        </p:txBody>
+      </p:sp>
+      <p:sp>
+        <p:nvSpPr>
+          <p:cNvPr id="73" name="PlaceHolder 2"/>
+          <p:cNvSpPr>
+            <a:spLocks noGrp="1"/>
+          </p:cNvSpPr>
+          <p:nvPr>
+            <p:ph/>
+          </p:nvPr>
+        </p:nvSpPr>
+        <p:spPr>
+          <a:xfrm>
+            <a:off x="182880" y="1188720"/>
+            <a:ext cx="11794320" cy="1896480"/>
+          </a:xfrm>
+          <a:prstGeom prst="rect">
+            <a:avLst/>
+          </a:prstGeom>
+          <a:noFill/>
+          <a:ln w="0">
+            <a:noFill/>
+          </a:ln>
+        </p:spPr>
+        <p:txBody>
+          <a:bodyPr lIns="0" rIns="0" tIns="0" bIns="0" anchor="t">
+            <a:normAutofit/>
+          </a:bodyPr>
+          <a:p>
+            <a:pPr indent="0">
+              <a:spcBef>
+                <a:spcPts val="1417"/>
+              </a:spcBef>
+              <a:buNone/>
+            </a:pPr>
+            <a:endParaRPr b="0" lang="pt-BR" sz="3200" spc="-1" strike="noStrike">
+              <a:solidFill>
+                <a:srgbClr val="000000"/>
+              </a:solidFill>
+              <a:latin typeface="Arial"/>
+            </a:endParaRPr>
+          </a:p>
+        </p:txBody>
+      </p:sp>
+      <p:sp>
+        <p:nvSpPr>
+          <p:cNvPr id="74" name="PlaceHolder 3"/>
+          <p:cNvSpPr>
+            <a:spLocks noGrp="1"/>
+          </p:cNvSpPr>
+          <p:nvPr>
+            <p:ph/>
+          </p:nvPr>
+        </p:nvSpPr>
+        <p:spPr>
+          <a:xfrm>
+            <a:off x="182880" y="3265920"/>
+            <a:ext cx="11794320" cy="1896480"/>
+          </a:xfrm>
+          <a:prstGeom prst="rect">
+            <a:avLst/>
+          </a:prstGeom>
+          <a:noFill/>
+          <a:ln w="0">
+            <a:noFill/>
+          </a:ln>
+        </p:spPr>
+        <p:txBody>
+          <a:bodyPr lIns="0" rIns="0" tIns="0" bIns="0" anchor="t">
+            <a:normAutofit/>
+          </a:bodyPr>
+          <a:p>
+            <a:pPr indent="0">
+              <a:spcBef>
+                <a:spcPts val="1417"/>
+              </a:spcBef>
+              <a:buNone/>
+            </a:pPr>
+            <a:endParaRPr b="0" lang="pt-BR" sz="3200" spc="-1" strike="noStrike">
+              <a:solidFill>
+                <a:srgbClr val="000000"/>
+              </a:solidFill>
+              <a:latin typeface="Arial"/>
+            </a:endParaRPr>
+          </a:p>
+        </p:txBody>
+      </p:sp>
+      <p:sp>
+        <p:nvSpPr>
+          <p:cNvPr id="5" name="PlaceHolder 4"/>
+          <p:cNvSpPr>
+            <a:spLocks noGrp="1"/>
+          </p:cNvSpPr>
+          <p:nvPr>
+            <p:ph type="ftr" idx="4"/>
+          </p:nvPr>
+        </p:nvSpPr>
+        <p:spPr/>
+        <p:txBody>
+          <a:bodyPr/>
+          <a:p>
+            <a:r>
+              <a:t>Footer</a:t>
+            </a:r>
+          </a:p>
+        </p:txBody>
+      </p:sp>
+      <p:sp>
+        <p:nvSpPr>
+          <p:cNvPr id="6" name="PlaceHolder 5"/>
+          <p:cNvSpPr>
+            <a:spLocks noGrp="1"/>
+          </p:cNvSpPr>
+          <p:nvPr>
+            <p:ph type="sldNum" idx="5"/>
+          </p:nvPr>
+        </p:nvSpPr>
+        <p:spPr/>
+        <p:txBody>
+          <a:bodyPr/>
+          <a:p>
+            <a:fld id="{9B2AF034-0482-46F7-B4A5-3E1735C43844}" type="slidenum">
+              <a:t>&lt;#&gt;</a:t>
+            </a:fld>
+          </a:p>
+        </p:txBody>
+      </p:sp>
+      <p:sp>
+        <p:nvSpPr>
+          <p:cNvPr id="7" name="PlaceHolder 6"/>
+          <p:cNvSpPr>
+            <a:spLocks noGrp="1"/>
+          </p:cNvSpPr>
+          <p:nvPr>
+            <p:ph type="dt" idx="6"/>
+          </p:nvPr>
+        </p:nvSpPr>
+        <p:spPr/>
+        <p:txBody>
+          <a:bodyPr/>
+          <a:p>
+            <a:r>
+              <a:rPr lang="pt-BR"/>
+              <a:t/>
+            </a:r>
+          </a:p>
+        </p:txBody>
+      </p:sp>
+    </p:spTree>
+  </p:cSld>
+</p:sldLayout>
+</file>
+
+<file path=ppt/slideLayouts/slideLayout23.xml><?xml version="1.0" encoding="utf-8"?>
+<p:sldLayout xmlns:a="http://schemas.openxmlformats.org/drawingml/2006/main" xmlns:p="http://schemas.openxmlformats.org/presentationml/2006/main" xmlns:r="http://schemas.openxmlformats.org/officeDocument/2006/relationships" xmlns:p14="http://schemas.microsoft.com/office/powerpoint/2010/main" xmlns:p15="http://schemas.microsoft.com/office/powerpoint/2012/main" xmlns:mc="http://schemas.openxmlformats.org/markup-compatibility/2006" type="fourObj" preserve="1">
+  <p:cSld name="Title, 4 Content">
+    <p:spTree>
+      <p:nvGrpSpPr>
+        <p:cNvPr id="1" name=""/>
+        <p:cNvGrpSpPr/>
+        <p:nvPr/>
+      </p:nvGrpSpPr>
+      <p:grpSpPr>
+        <a:xfrm>
+          <a:off x="0" y="0"/>
+          <a:ext cx="0" cy="0"/>
+          <a:chOff x="0" y="0"/>
+          <a:chExt cx="0" cy="0"/>
+        </a:xfrm>
+      </p:grpSpPr>
+      <p:sp>
+        <p:nvSpPr>
+          <p:cNvPr id="75" name="PlaceHolder 1"/>
+          <p:cNvSpPr>
+            <a:spLocks noGrp="1"/>
+          </p:cNvSpPr>
+          <p:nvPr>
+            <p:ph type="title"/>
+          </p:nvPr>
+        </p:nvSpPr>
+        <p:spPr>
+          <a:xfrm>
+            <a:off x="640080" y="5760"/>
+            <a:ext cx="10698120" cy="1052280"/>
+          </a:xfrm>
+          <a:prstGeom prst="rect">
+            <a:avLst/>
+          </a:prstGeom>
+          <a:noFill/>
+          <a:ln w="0">
+            <a:noFill/>
+          </a:ln>
+        </p:spPr>
+        <p:txBody>
+          <a:bodyPr lIns="0" rIns="0" tIns="0" bIns="0" anchor="ctr">
+            <a:noAutofit/>
+          </a:bodyPr>
+          <a:p>
+            <a:pPr indent="0" algn="ctr">
+              <a:buNone/>
+            </a:pPr>
+            <a:endParaRPr b="0" lang="pt-BR" sz="4400" spc="-1" strike="noStrike">
+              <a:solidFill>
+                <a:srgbClr val="000000"/>
+              </a:solidFill>
+              <a:latin typeface="Arial"/>
+            </a:endParaRPr>
+          </a:p>
+        </p:txBody>
+      </p:sp>
+      <p:sp>
+        <p:nvSpPr>
+          <p:cNvPr id="76" name="PlaceHolder 2"/>
+          <p:cNvSpPr>
+            <a:spLocks noGrp="1"/>
+          </p:cNvSpPr>
+          <p:nvPr>
+            <p:ph/>
+          </p:nvPr>
+        </p:nvSpPr>
+        <p:spPr>
+          <a:xfrm>
+            <a:off x="182880" y="1188720"/>
+            <a:ext cx="5755320" cy="1896480"/>
+          </a:xfrm>
+          <a:prstGeom prst="rect">
+            <a:avLst/>
+          </a:prstGeom>
+          <a:noFill/>
+          <a:ln w="0">
+            <a:noFill/>
+          </a:ln>
+        </p:spPr>
+        <p:txBody>
+          <a:bodyPr lIns="0" rIns="0" tIns="0" bIns="0" anchor="t">
+            <a:normAutofit/>
+          </a:bodyPr>
+          <a:p>
+            <a:pPr indent="0">
+              <a:spcBef>
+                <a:spcPts val="1417"/>
+              </a:spcBef>
+              <a:buNone/>
+            </a:pPr>
+            <a:endParaRPr b="0" lang="pt-BR" sz="3200" spc="-1" strike="noStrike">
+              <a:solidFill>
+                <a:srgbClr val="000000"/>
+              </a:solidFill>
+              <a:latin typeface="Arial"/>
+            </a:endParaRPr>
+          </a:p>
+        </p:txBody>
+      </p:sp>
+      <p:sp>
+        <p:nvSpPr>
+          <p:cNvPr id="77" name="PlaceHolder 3"/>
+          <p:cNvSpPr>
+            <a:spLocks noGrp="1"/>
+          </p:cNvSpPr>
+          <p:nvPr>
+            <p:ph/>
+          </p:nvPr>
+        </p:nvSpPr>
+        <p:spPr>
+          <a:xfrm>
+            <a:off x="6226200" y="1188720"/>
+            <a:ext cx="5755320" cy="1896480"/>
+          </a:xfrm>
+          <a:prstGeom prst="rect">
+            <a:avLst/>
+          </a:prstGeom>
+          <a:noFill/>
+          <a:ln w="0">
+            <a:noFill/>
+          </a:ln>
+        </p:spPr>
+        <p:txBody>
+          <a:bodyPr lIns="0" rIns="0" tIns="0" bIns="0" anchor="t">
+            <a:normAutofit/>
+          </a:bodyPr>
+          <a:p>
+            <a:pPr indent="0">
+              <a:spcBef>
+                <a:spcPts val="1417"/>
+              </a:spcBef>
+              <a:buNone/>
+            </a:pPr>
+            <a:endParaRPr b="0" lang="pt-BR" sz="3200" spc="-1" strike="noStrike">
+              <a:solidFill>
+                <a:srgbClr val="000000"/>
+              </a:solidFill>
+              <a:latin typeface="Arial"/>
+            </a:endParaRPr>
+          </a:p>
+        </p:txBody>
+      </p:sp>
+      <p:sp>
+        <p:nvSpPr>
+          <p:cNvPr id="78" name="PlaceHolder 4"/>
+          <p:cNvSpPr>
+            <a:spLocks noGrp="1"/>
+          </p:cNvSpPr>
+          <p:nvPr>
+            <p:ph/>
+          </p:nvPr>
+        </p:nvSpPr>
+        <p:spPr>
+          <a:xfrm>
+            <a:off x="182880" y="3265920"/>
+            <a:ext cx="5755320" cy="1896480"/>
+          </a:xfrm>
+          <a:prstGeom prst="rect">
+            <a:avLst/>
+          </a:prstGeom>
+          <a:noFill/>
+          <a:ln w="0">
+            <a:noFill/>
+          </a:ln>
+        </p:spPr>
+        <p:txBody>
+          <a:bodyPr lIns="0" rIns="0" tIns="0" bIns="0" anchor="t">
+            <a:normAutofit/>
+          </a:bodyPr>
+          <a:p>
+            <a:pPr indent="0">
+              <a:spcBef>
+                <a:spcPts val="1417"/>
+              </a:spcBef>
+              <a:buNone/>
+            </a:pPr>
+            <a:endParaRPr b="0" lang="pt-BR" sz="3200" spc="-1" strike="noStrike">
+              <a:solidFill>
+                <a:srgbClr val="000000"/>
+              </a:solidFill>
+              <a:latin typeface="Arial"/>
+            </a:endParaRPr>
+          </a:p>
+        </p:txBody>
+      </p:sp>
+      <p:sp>
+        <p:nvSpPr>
+          <p:cNvPr id="79" name="PlaceHolder 5"/>
+          <p:cNvSpPr>
+            <a:spLocks noGrp="1"/>
+          </p:cNvSpPr>
+          <p:nvPr>
+            <p:ph/>
+          </p:nvPr>
+        </p:nvSpPr>
+        <p:spPr>
+          <a:xfrm>
+            <a:off x="6226200" y="3265920"/>
+            <a:ext cx="5755320" cy="1896480"/>
+          </a:xfrm>
+          <a:prstGeom prst="rect">
+            <a:avLst/>
+          </a:prstGeom>
+          <a:noFill/>
+          <a:ln w="0">
+            <a:noFill/>
+          </a:ln>
+        </p:spPr>
+        <p:txBody>
+          <a:bodyPr lIns="0" rIns="0" tIns="0" bIns="0" anchor="t">
+            <a:normAutofit/>
+          </a:bodyPr>
+          <a:p>
+            <a:pPr indent="0">
+              <a:spcBef>
+                <a:spcPts val="1417"/>
+              </a:spcBef>
+              <a:buNone/>
+            </a:pPr>
+            <a:endParaRPr b="0" lang="pt-BR" sz="3200" spc="-1" strike="noStrike">
+              <a:solidFill>
+                <a:srgbClr val="000000"/>
+              </a:solidFill>
+              <a:latin typeface="Arial"/>
+            </a:endParaRPr>
+          </a:p>
+        </p:txBody>
+      </p:sp>
+      <p:sp>
+        <p:nvSpPr>
+          <p:cNvPr id="7" name="PlaceHolder 6"/>
+          <p:cNvSpPr>
+            <a:spLocks noGrp="1"/>
+          </p:cNvSpPr>
+          <p:nvPr>
+            <p:ph type="ftr" idx="4"/>
+          </p:nvPr>
+        </p:nvSpPr>
+        <p:spPr/>
+        <p:txBody>
+          <a:bodyPr/>
+          <a:p>
+            <a:r>
+              <a:t>Footer</a:t>
+            </a:r>
+          </a:p>
+        </p:txBody>
+      </p:sp>
+      <p:sp>
+        <p:nvSpPr>
+          <p:cNvPr id="8" name="PlaceHolder 7"/>
+          <p:cNvSpPr>
+            <a:spLocks noGrp="1"/>
+          </p:cNvSpPr>
+          <p:nvPr>
+            <p:ph type="sldNum" idx="5"/>
+          </p:nvPr>
+        </p:nvSpPr>
+        <p:spPr/>
+        <p:txBody>
+          <a:bodyPr/>
+          <a:p>
+            <a:fld id="{91D312D9-42C8-4DD0-9913-97CF467D1F9D}" type="slidenum">
+              <a:t>&lt;#&gt;</a:t>
+            </a:fld>
+          </a:p>
+        </p:txBody>
+      </p:sp>
+      <p:sp>
+        <p:nvSpPr>
+          <p:cNvPr id="9" name="PlaceHolder 8"/>
+          <p:cNvSpPr>
+            <a:spLocks noGrp="1"/>
+          </p:cNvSpPr>
+          <p:nvPr>
+            <p:ph type="dt" idx="6"/>
+          </p:nvPr>
+        </p:nvSpPr>
+        <p:spPr/>
+        <p:txBody>
+          <a:bodyPr/>
+          <a:p>
+            <a:r>
+              <a:rPr lang="pt-BR"/>
+              <a:t/>
+            </a:r>
+          </a:p>
+        </p:txBody>
+      </p:sp>
+    </p:spTree>
+  </p:cSld>
+</p:sldLayout>
+</file>
+
+<file path=ppt/slideLayouts/slideLayout24.xml><?xml version="1.0" encoding="utf-8"?>
+<p:sldLayout xmlns:a="http://schemas.openxmlformats.org/drawingml/2006/main" xmlns:p="http://schemas.openxmlformats.org/presentationml/2006/main" xmlns:r="http://schemas.openxmlformats.org/officeDocument/2006/relationships" xmlns:p14="http://schemas.microsoft.com/office/powerpoint/2010/main" xmlns:p15="http://schemas.microsoft.com/office/powerpoint/2012/main" xmlns:mc="http://schemas.openxmlformats.org/markup-compatibility/2006" type="blank" preserve="1">
+  <p:cSld name="Title, 6 Content">
+    <p:spTree>
+      <p:nvGrpSpPr>
+        <p:cNvPr id="1" name=""/>
+        <p:cNvGrpSpPr/>
+        <p:nvPr/>
+      </p:nvGrpSpPr>
+      <p:grpSpPr>
+        <a:xfrm>
+          <a:off x="0" y="0"/>
+          <a:ext cx="0" cy="0"/>
+          <a:chOff x="0" y="0"/>
+          <a:chExt cx="0" cy="0"/>
+        </a:xfrm>
+      </p:grpSpPr>
+      <p:sp>
+        <p:nvSpPr>
+          <p:cNvPr id="80" name="PlaceHolder 1"/>
+          <p:cNvSpPr>
+            <a:spLocks noGrp="1"/>
+          </p:cNvSpPr>
+          <p:nvPr>
+            <p:ph type="title"/>
+          </p:nvPr>
+        </p:nvSpPr>
+        <p:spPr>
+          <a:xfrm>
+            <a:off x="640080" y="5760"/>
+            <a:ext cx="10698120" cy="1052280"/>
+          </a:xfrm>
+          <a:prstGeom prst="rect">
+            <a:avLst/>
+          </a:prstGeom>
+          <a:noFill/>
+          <a:ln w="0">
+            <a:noFill/>
+          </a:ln>
+        </p:spPr>
+        <p:txBody>
+          <a:bodyPr lIns="0" rIns="0" tIns="0" bIns="0" anchor="ctr">
+            <a:noAutofit/>
+          </a:bodyPr>
+          <a:p>
+            <a:pPr indent="0" algn="ctr">
+              <a:buNone/>
+            </a:pPr>
+            <a:endParaRPr b="0" lang="pt-BR" sz="4400" spc="-1" strike="noStrike">
+              <a:solidFill>
+                <a:srgbClr val="000000"/>
+              </a:solidFill>
+              <a:latin typeface="Arial"/>
+            </a:endParaRPr>
+          </a:p>
+        </p:txBody>
+      </p:sp>
+      <p:sp>
+        <p:nvSpPr>
+          <p:cNvPr id="81" name="PlaceHolder 2"/>
+          <p:cNvSpPr>
+            <a:spLocks noGrp="1"/>
+          </p:cNvSpPr>
+          <p:nvPr>
+            <p:ph/>
+          </p:nvPr>
+        </p:nvSpPr>
+        <p:spPr>
+          <a:xfrm>
+            <a:off x="182880" y="1188720"/>
+            <a:ext cx="3797640" cy="1896480"/>
+          </a:xfrm>
+          <a:prstGeom prst="rect">
+            <a:avLst/>
+          </a:prstGeom>
+          <a:noFill/>
+          <a:ln w="0">
+            <a:noFill/>
+          </a:ln>
+        </p:spPr>
+        <p:txBody>
+          <a:bodyPr lIns="0" rIns="0" tIns="0" bIns="0" anchor="t">
+            <a:normAutofit/>
+          </a:bodyPr>
+          <a:p>
+            <a:pPr indent="0">
+              <a:spcBef>
+                <a:spcPts val="1417"/>
+              </a:spcBef>
+              <a:buNone/>
+            </a:pPr>
+            <a:endParaRPr b="0" lang="pt-BR" sz="3200" spc="-1" strike="noStrike">
+              <a:solidFill>
+                <a:srgbClr val="000000"/>
+              </a:solidFill>
+              <a:latin typeface="Arial"/>
+            </a:endParaRPr>
+          </a:p>
+        </p:txBody>
+      </p:sp>
+      <p:sp>
+        <p:nvSpPr>
+          <p:cNvPr id="82" name="PlaceHolder 3"/>
+          <p:cNvSpPr>
+            <a:spLocks noGrp="1"/>
+          </p:cNvSpPr>
+          <p:nvPr>
+            <p:ph/>
+          </p:nvPr>
+        </p:nvSpPr>
+        <p:spPr>
+          <a:xfrm>
+            <a:off x="4170960" y="1188720"/>
+            <a:ext cx="3797640" cy="1896480"/>
+          </a:xfrm>
+          <a:prstGeom prst="rect">
+            <a:avLst/>
+          </a:prstGeom>
+          <a:noFill/>
+          <a:ln w="0">
+            <a:noFill/>
+          </a:ln>
+        </p:spPr>
+        <p:txBody>
+          <a:bodyPr lIns="0" rIns="0" tIns="0" bIns="0" anchor="t">
+            <a:normAutofit/>
+          </a:bodyPr>
+          <a:p>
+            <a:pPr indent="0">
+              <a:spcBef>
+                <a:spcPts val="1417"/>
+              </a:spcBef>
+              <a:buNone/>
+            </a:pPr>
+            <a:endParaRPr b="0" lang="pt-BR" sz="3200" spc="-1" strike="noStrike">
+              <a:solidFill>
+                <a:srgbClr val="000000"/>
+              </a:solidFill>
+              <a:latin typeface="Arial"/>
+            </a:endParaRPr>
+          </a:p>
+        </p:txBody>
+      </p:sp>
+      <p:sp>
+        <p:nvSpPr>
+          <p:cNvPr id="83" name="PlaceHolder 4"/>
+          <p:cNvSpPr>
+            <a:spLocks noGrp="1"/>
+          </p:cNvSpPr>
+          <p:nvPr>
+            <p:ph/>
+          </p:nvPr>
+        </p:nvSpPr>
+        <p:spPr>
+          <a:xfrm>
+            <a:off x="8158680" y="1188720"/>
+            <a:ext cx="3797640" cy="1896480"/>
+          </a:xfrm>
+          <a:prstGeom prst="rect">
+            <a:avLst/>
+          </a:prstGeom>
+          <a:noFill/>
+          <a:ln w="0">
+            <a:noFill/>
+          </a:ln>
+        </p:spPr>
+        <p:txBody>
+          <a:bodyPr lIns="0" rIns="0" tIns="0" bIns="0" anchor="t">
+            <a:normAutofit/>
+          </a:bodyPr>
+          <a:p>
+            <a:pPr indent="0">
+              <a:spcBef>
+                <a:spcPts val="1417"/>
+              </a:spcBef>
+              <a:buNone/>
+            </a:pPr>
+            <a:endParaRPr b="0" lang="pt-BR" sz="3200" spc="-1" strike="noStrike">
+              <a:solidFill>
+                <a:srgbClr val="000000"/>
+              </a:solidFill>
+              <a:latin typeface="Arial"/>
+            </a:endParaRPr>
+          </a:p>
+        </p:txBody>
+      </p:sp>
+      <p:sp>
+        <p:nvSpPr>
+          <p:cNvPr id="84" name="PlaceHolder 5"/>
+          <p:cNvSpPr>
+            <a:spLocks noGrp="1"/>
+          </p:cNvSpPr>
+          <p:nvPr>
+            <p:ph/>
+          </p:nvPr>
+        </p:nvSpPr>
+        <p:spPr>
+          <a:xfrm>
+            <a:off x="182880" y="3265920"/>
+            <a:ext cx="3797640" cy="1896480"/>
+          </a:xfrm>
+          <a:prstGeom prst="rect">
+            <a:avLst/>
+          </a:prstGeom>
+          <a:noFill/>
+          <a:ln w="0">
+            <a:noFill/>
+          </a:ln>
+        </p:spPr>
+        <p:txBody>
+          <a:bodyPr lIns="0" rIns="0" tIns="0" bIns="0" anchor="t">
+            <a:normAutofit/>
+          </a:bodyPr>
+          <a:p>
+            <a:pPr indent="0">
+              <a:spcBef>
+                <a:spcPts val="1417"/>
+              </a:spcBef>
+              <a:buNone/>
+            </a:pPr>
+            <a:endParaRPr b="0" lang="pt-BR" sz="3200" spc="-1" strike="noStrike">
+              <a:solidFill>
+                <a:srgbClr val="000000"/>
+              </a:solidFill>
+              <a:latin typeface="Arial"/>
+            </a:endParaRPr>
+          </a:p>
+        </p:txBody>
+      </p:sp>
+      <p:sp>
+        <p:nvSpPr>
+          <p:cNvPr id="85" name="PlaceHolder 6"/>
+          <p:cNvSpPr>
+            <a:spLocks noGrp="1"/>
+          </p:cNvSpPr>
+          <p:nvPr>
+            <p:ph/>
+          </p:nvPr>
+        </p:nvSpPr>
+        <p:spPr>
+          <a:xfrm>
+            <a:off x="4170960" y="3265920"/>
+            <a:ext cx="3797640" cy="1896480"/>
+          </a:xfrm>
+          <a:prstGeom prst="rect">
+            <a:avLst/>
+          </a:prstGeom>
+          <a:noFill/>
+          <a:ln w="0">
+            <a:noFill/>
+          </a:ln>
+        </p:spPr>
+        <p:txBody>
+          <a:bodyPr lIns="0" rIns="0" tIns="0" bIns="0" anchor="t">
+            <a:normAutofit/>
+          </a:bodyPr>
+          <a:p>
+            <a:pPr indent="0">
+              <a:spcBef>
+                <a:spcPts val="1417"/>
+              </a:spcBef>
+              <a:buNone/>
+            </a:pPr>
+            <a:endParaRPr b="0" lang="pt-BR" sz="3200" spc="-1" strike="noStrike">
+              <a:solidFill>
+                <a:srgbClr val="000000"/>
+              </a:solidFill>
+              <a:latin typeface="Arial"/>
+            </a:endParaRPr>
+          </a:p>
+        </p:txBody>
+      </p:sp>
+      <p:sp>
+        <p:nvSpPr>
+          <p:cNvPr id="86" name="PlaceHolder 7"/>
+          <p:cNvSpPr>
+            <a:spLocks noGrp="1"/>
+          </p:cNvSpPr>
+          <p:nvPr>
+            <p:ph/>
+          </p:nvPr>
+        </p:nvSpPr>
+        <p:spPr>
+          <a:xfrm>
+            <a:off x="8158680" y="3265920"/>
+            <a:ext cx="3797640" cy="1896480"/>
+          </a:xfrm>
+          <a:prstGeom prst="rect">
+            <a:avLst/>
+          </a:prstGeom>
+          <a:noFill/>
+          <a:ln w="0">
+            <a:noFill/>
+          </a:ln>
+        </p:spPr>
+        <p:txBody>
+          <a:bodyPr lIns="0" rIns="0" tIns="0" bIns="0" anchor="t">
+            <a:normAutofit/>
+          </a:bodyPr>
+          <a:p>
+            <a:pPr indent="0">
+              <a:spcBef>
+                <a:spcPts val="1417"/>
+              </a:spcBef>
+              <a:buNone/>
+            </a:pPr>
+            <a:endParaRPr b="0" lang="pt-BR" sz="3200" spc="-1" strike="noStrike">
+              <a:solidFill>
+                <a:srgbClr val="000000"/>
+              </a:solidFill>
+              <a:latin typeface="Arial"/>
+            </a:endParaRPr>
+          </a:p>
+        </p:txBody>
+      </p:sp>
+      <p:sp>
+        <p:nvSpPr>
+          <p:cNvPr id="9" name="PlaceHolder 8"/>
+          <p:cNvSpPr>
+            <a:spLocks noGrp="1"/>
+          </p:cNvSpPr>
+          <p:nvPr>
+            <p:ph type="ftr" idx="4"/>
+          </p:nvPr>
+        </p:nvSpPr>
+        <p:spPr/>
+        <p:txBody>
+          <a:bodyPr/>
+          <a:p>
+            <a:r>
+              <a:t>Footer</a:t>
+            </a:r>
+          </a:p>
+        </p:txBody>
+      </p:sp>
+      <p:sp>
+        <p:nvSpPr>
+          <p:cNvPr id="10" name="PlaceHolder 9"/>
+          <p:cNvSpPr>
+            <a:spLocks noGrp="1"/>
+          </p:cNvSpPr>
+          <p:nvPr>
+            <p:ph type="sldNum" idx="5"/>
+          </p:nvPr>
+        </p:nvSpPr>
+        <p:spPr/>
+        <p:txBody>
+          <a:bodyPr/>
+          <a:p>
+            <a:fld id="{C538091D-D9F9-409F-AF44-A8305178CA47}" type="slidenum">
+              <a:t>&lt;#&gt;</a:t>
+            </a:fld>
+          </a:p>
+        </p:txBody>
+      </p:sp>
+      <p:sp>
+        <p:nvSpPr>
+          <p:cNvPr id="11" name="PlaceHolder 10"/>
+          <p:cNvSpPr>
+            <a:spLocks noGrp="1"/>
+          </p:cNvSpPr>
+          <p:nvPr>
+            <p:ph type="dt" idx="6"/>
+          </p:nvPr>
+        </p:nvSpPr>
+        <p:spPr/>
+        <p:txBody>
+          <a:bodyPr/>
+          <a:p>
+            <a:r>
+              <a:rPr lang="pt-BR"/>
+              <a:t/>
+            </a:r>
+          </a:p>
+        </p:txBody>
+      </p:sp>
+    </p:spTree>
+  </p:cSld>
+</p:sldLayout>
+</file>
+
+<file path=ppt/slideLayouts/slideLayout3.xml><?xml version="1.0" encoding="utf-8"?>
+<p:sldLayout xmlns:a="http://schemas.openxmlformats.org/drawingml/2006/main" xmlns:p="http://schemas.openxmlformats.org/presentationml/2006/main" xmlns:r="http://schemas.openxmlformats.org/officeDocument/2006/relationships" xmlns:p14="http://schemas.microsoft.com/office/powerpoint/2010/main" xmlns:p15="http://schemas.microsoft.com/office/powerpoint/2012/main" xmlns:mc="http://schemas.openxmlformats.org/markup-compatibility/2006" type="obj" preserve="1">
+  <p:cSld name="Title, Content">
+    <p:spTree>
+      <p:nvGrpSpPr>
+        <p:cNvPr id="1" name=""/>
+        <p:cNvGrpSpPr/>
+        <p:nvPr/>
+      </p:nvGrpSpPr>
+      <p:grpSpPr>
+        <a:xfrm>
+          <a:off x="0" y="0"/>
+          <a:ext cx="0" cy="0"/>
+          <a:chOff x="0" y="0"/>
+          <a:chExt cx="0" cy="0"/>
+        </a:xfrm>
+      </p:grpSpPr>
+      <p:sp>
+        <p:nvSpPr>
+          <p:cNvPr id="7" name="PlaceHolder 1"/>
+          <p:cNvSpPr>
+            <a:spLocks noGrp="1"/>
+          </p:cNvSpPr>
+          <p:nvPr>
+            <p:ph type="title"/>
+          </p:nvPr>
+        </p:nvSpPr>
+        <p:spPr>
+          <a:xfrm>
+            <a:off x="640080" y="5760"/>
+            <a:ext cx="10698120" cy="1052280"/>
+          </a:xfrm>
+          <a:prstGeom prst="rect">
+            <a:avLst/>
+          </a:prstGeom>
+          <a:noFill/>
+          <a:ln w="0">
+            <a:noFill/>
+          </a:ln>
+        </p:spPr>
+        <p:txBody>
+          <a:bodyPr lIns="0" rIns="0" tIns="0" bIns="0" anchor="ctr">
+            <a:noAutofit/>
+          </a:bodyPr>
+          <a:p>
+            <a:pPr indent="0" algn="ctr">
+              <a:buNone/>
+            </a:pPr>
+            <a:endParaRPr b="0" lang="pt-BR" sz="4400" spc="-1" strike="noStrike">
+              <a:solidFill>
+                <a:srgbClr val="000000"/>
+              </a:solidFill>
+              <a:latin typeface="Arial"/>
+            </a:endParaRPr>
+          </a:p>
+        </p:txBody>
+      </p:sp>
+      <p:sp>
+        <p:nvSpPr>
+          <p:cNvPr id="8" name="PlaceHolder 2"/>
+          <p:cNvSpPr>
+            <a:spLocks noGrp="1"/>
+          </p:cNvSpPr>
+          <p:nvPr>
+            <p:ph/>
+          </p:nvPr>
+        </p:nvSpPr>
+        <p:spPr>
+          <a:xfrm>
+            <a:off x="182880" y="1188720"/>
+            <a:ext cx="11794320" cy="3976200"/>
+          </a:xfrm>
+          <a:prstGeom prst="rect">
+            <a:avLst/>
+          </a:prstGeom>
+          <a:noFill/>
+          <a:ln w="0">
+            <a:noFill/>
+          </a:ln>
+        </p:spPr>
+        <p:txBody>
+          <a:bodyPr lIns="0" rIns="0" tIns="0" bIns="0" anchor="t">
+            <a:normAutofit/>
+          </a:bodyPr>
+          <a:p>
+            <a:pPr indent="0">
+              <a:spcBef>
+                <a:spcPts val="1417"/>
+              </a:spcBef>
+              <a:buNone/>
+            </a:pPr>
+            <a:endParaRPr b="0" lang="pt-BR" sz="3200" spc="-1" strike="noStrike">
+              <a:solidFill>
+                <a:srgbClr val="000000"/>
+              </a:solidFill>
+              <a:latin typeface="Arial"/>
+            </a:endParaRPr>
+          </a:p>
+        </p:txBody>
+      </p:sp>
+      <p:sp>
+        <p:nvSpPr>
+          <p:cNvPr id="4" name="PlaceHolder 3"/>
+          <p:cNvSpPr>
+            <a:spLocks noGrp="1"/>
+          </p:cNvSpPr>
+          <p:nvPr>
+            <p:ph type="ftr" idx="1"/>
+          </p:nvPr>
+        </p:nvSpPr>
+        <p:spPr/>
+        <p:txBody>
+          <a:bodyPr/>
+          <a:p>
+            <a:r>
+              <a:t>Footer</a:t>
+            </a:r>
+          </a:p>
+        </p:txBody>
+      </p:sp>
+      <p:sp>
+        <p:nvSpPr>
+          <p:cNvPr id="5" name="PlaceHolder 4"/>
+          <p:cNvSpPr>
+            <a:spLocks noGrp="1"/>
+          </p:cNvSpPr>
+          <p:nvPr>
+            <p:ph type="sldNum" idx="2"/>
+          </p:nvPr>
+        </p:nvSpPr>
+        <p:spPr/>
+        <p:txBody>
+          <a:bodyPr/>
+          <a:p>
+            <a:fld id="{97357E0D-C225-4C4C-AA9A-1B842A55835A}" type="slidenum">
+              <a:t>&lt;#&gt;</a:t>
+            </a:fld>
+          </a:p>
+        </p:txBody>
+      </p:sp>
+      <p:sp>
+        <p:nvSpPr>
+          <p:cNvPr id="6" name="PlaceHolder 5"/>
+          <p:cNvSpPr>
+            <a:spLocks noGrp="1"/>
+          </p:cNvSpPr>
+          <p:nvPr>
+            <p:ph type="dt" idx="3"/>
+          </p:nvPr>
+        </p:nvSpPr>
+        <p:spPr/>
+        <p:txBody>
+          <a:bodyPr/>
+          <a:p>
+            <a:r>
+              <a:rPr lang="pt-BR"/>
+              <a:t/>
+            </a:r>
+          </a:p>
+        </p:txBody>
+      </p:sp>
+    </p:spTree>
+  </p:cSld>
+</p:sldLayout>
+</file>
+
+<file path=ppt/slideLayouts/slideLayout4.xml><?xml version="1.0" encoding="utf-8"?>
+<p:sldLayout xmlns:a="http://schemas.openxmlformats.org/drawingml/2006/main" xmlns:p="http://schemas.openxmlformats.org/presentationml/2006/main" xmlns:r="http://schemas.openxmlformats.org/officeDocument/2006/relationships" xmlns:p14="http://schemas.microsoft.com/office/powerpoint/2010/main" xmlns:p15="http://schemas.microsoft.com/office/powerpoint/2012/main" xmlns:mc="http://schemas.openxmlformats.org/markup-compatibility/2006" type="twoObj" preserve="1">
+  <p:cSld name="Title, 2 Content">
+    <p:spTree>
+      <p:nvGrpSpPr>
+        <p:cNvPr id="1" name=""/>
+        <p:cNvGrpSpPr/>
+        <p:nvPr/>
+      </p:nvGrpSpPr>
+      <p:grpSpPr>
+        <a:xfrm>
+          <a:off x="0" y="0"/>
+          <a:ext cx="0" cy="0"/>
+          <a:chOff x="0" y="0"/>
+          <a:chExt cx="0" cy="0"/>
+        </a:xfrm>
+      </p:grpSpPr>
+      <p:sp>
+        <p:nvSpPr>
+          <p:cNvPr id="9" name="PlaceHolder 1"/>
+          <p:cNvSpPr>
+            <a:spLocks noGrp="1"/>
+          </p:cNvSpPr>
+          <p:nvPr>
+            <p:ph type="title"/>
+          </p:nvPr>
+        </p:nvSpPr>
+        <p:spPr>
+          <a:xfrm>
+            <a:off x="640080" y="5760"/>
+            <a:ext cx="10698120" cy="1052280"/>
+          </a:xfrm>
+          <a:prstGeom prst="rect">
+            <a:avLst/>
+          </a:prstGeom>
+          <a:noFill/>
+          <a:ln w="0">
+            <a:noFill/>
+          </a:ln>
+        </p:spPr>
+        <p:txBody>
+          <a:bodyPr lIns="0" rIns="0" tIns="0" bIns="0" anchor="ctr">
+            <a:noAutofit/>
+          </a:bodyPr>
+          <a:p>
+            <a:pPr indent="0" algn="ctr">
+              <a:buNone/>
+            </a:pPr>
+            <a:endParaRPr b="0" lang="pt-BR" sz="4400" spc="-1" strike="noStrike">
+              <a:solidFill>
+                <a:srgbClr val="000000"/>
+              </a:solidFill>
+              <a:latin typeface="Arial"/>
+            </a:endParaRPr>
+          </a:p>
+        </p:txBody>
+      </p:sp>
+      <p:sp>
+        <p:nvSpPr>
+          <p:cNvPr id="10" name="PlaceHolder 2"/>
+          <p:cNvSpPr>
+            <a:spLocks noGrp="1"/>
+          </p:cNvSpPr>
+          <p:nvPr>
+            <p:ph/>
+          </p:nvPr>
+        </p:nvSpPr>
+        <p:spPr>
+          <a:xfrm>
+            <a:off x="182880" y="1188720"/>
+            <a:ext cx="5755320" cy="3976200"/>
+          </a:xfrm>
+          <a:prstGeom prst="rect">
+            <a:avLst/>
+          </a:prstGeom>
+          <a:noFill/>
+          <a:ln w="0">
+            <a:noFill/>
+          </a:ln>
+        </p:spPr>
+        <p:txBody>
+          <a:bodyPr lIns="0" rIns="0" tIns="0" bIns="0" anchor="t">
+            <a:normAutofit/>
+          </a:bodyPr>
+          <a:p>
+            <a:pPr indent="0">
+              <a:spcBef>
+                <a:spcPts val="1417"/>
+              </a:spcBef>
+              <a:buNone/>
+            </a:pPr>
+            <a:endParaRPr b="0" lang="pt-BR" sz="3200" spc="-1" strike="noStrike">
+              <a:solidFill>
+                <a:srgbClr val="000000"/>
+              </a:solidFill>
+              <a:latin typeface="Arial"/>
+            </a:endParaRPr>
+          </a:p>
+        </p:txBody>
+      </p:sp>
+      <p:sp>
+        <p:nvSpPr>
+          <p:cNvPr id="11" name="PlaceHolder 3"/>
+          <p:cNvSpPr>
+            <a:spLocks noGrp="1"/>
+          </p:cNvSpPr>
+          <p:nvPr>
+            <p:ph/>
+          </p:nvPr>
+        </p:nvSpPr>
+        <p:spPr>
+          <a:xfrm>
+            <a:off x="6226200" y="1188720"/>
+            <a:ext cx="5755320" cy="3976200"/>
+          </a:xfrm>
+          <a:prstGeom prst="rect">
+            <a:avLst/>
+          </a:prstGeom>
+          <a:noFill/>
+          <a:ln w="0">
+            <a:noFill/>
+          </a:ln>
+        </p:spPr>
+        <p:txBody>
+          <a:bodyPr lIns="0" rIns="0" tIns="0" bIns="0" anchor="t">
+            <a:normAutofit/>
+          </a:bodyPr>
+          <a:p>
+            <a:pPr indent="0">
+              <a:spcBef>
+                <a:spcPts val="1417"/>
+              </a:spcBef>
+              <a:buNone/>
+            </a:pPr>
+            <a:endParaRPr b="0" lang="pt-BR" sz="3200" spc="-1" strike="noStrike">
+              <a:solidFill>
+                <a:srgbClr val="000000"/>
+              </a:solidFill>
+              <a:latin typeface="Arial"/>
+            </a:endParaRPr>
+          </a:p>
+        </p:txBody>
+      </p:sp>
+      <p:sp>
+        <p:nvSpPr>
+          <p:cNvPr id="5" name="PlaceHolder 4"/>
+          <p:cNvSpPr>
+            <a:spLocks noGrp="1"/>
+          </p:cNvSpPr>
+          <p:nvPr>
+            <p:ph type="ftr" idx="1"/>
+          </p:nvPr>
+        </p:nvSpPr>
+        <p:spPr/>
+        <p:txBody>
+          <a:bodyPr/>
+          <a:p>
+            <a:r>
+              <a:t>Footer</a:t>
+            </a:r>
+          </a:p>
+        </p:txBody>
+      </p:sp>
+      <p:sp>
+        <p:nvSpPr>
+          <p:cNvPr id="6" name="PlaceHolder 5"/>
+          <p:cNvSpPr>
+            <a:spLocks noGrp="1"/>
+          </p:cNvSpPr>
+          <p:nvPr>
+            <p:ph type="sldNum" idx="2"/>
+          </p:nvPr>
+        </p:nvSpPr>
+        <p:spPr/>
+        <p:txBody>
+          <a:bodyPr/>
+          <a:p>
+            <a:fld id="{0477A53B-002F-48F3-8EA8-1D848E389727}" type="slidenum">
+              <a:t>&lt;#&gt;</a:t>
+            </a:fld>
+          </a:p>
+        </p:txBody>
+      </p:sp>
+      <p:sp>
+        <p:nvSpPr>
+          <p:cNvPr id="7" name="PlaceHolder 6"/>
+          <p:cNvSpPr>
+            <a:spLocks noGrp="1"/>
+          </p:cNvSpPr>
+          <p:nvPr>
+            <p:ph type="dt" idx="3"/>
+          </p:nvPr>
+        </p:nvSpPr>
+        <p:spPr/>
+        <p:txBody>
+          <a:bodyPr/>
+          <a:p>
+            <a:r>
+              <a:rPr lang="pt-BR"/>
+              <a:t/>
+            </a:r>
+          </a:p>
+        </p:txBody>
+      </p:sp>
+    </p:spTree>
+  </p:cSld>
+</p:sldLayout>
+</file>
+
+<file path=ppt/slideLayouts/slideLayout5.xml><?xml version="1.0" encoding="utf-8"?>
+<p:sldLayout xmlns:a="http://schemas.openxmlformats.org/drawingml/2006/main" xmlns:p="http://schemas.openxmlformats.org/presentationml/2006/main" xmlns:r="http://schemas.openxmlformats.org/officeDocument/2006/relationships" xmlns:p14="http://schemas.microsoft.com/office/powerpoint/2010/main" xmlns:p15="http://schemas.microsoft.com/office/powerpoint/2012/main" xmlns:mc="http://schemas.openxmlformats.org/markup-compatibility/2006" type="titleOnly" preserve="1">
+  <p:cSld name="Title Only">
+    <p:spTree>
+      <p:nvGrpSpPr>
+        <p:cNvPr id="1" name=""/>
+        <p:cNvGrpSpPr/>
+        <p:nvPr/>
+      </p:nvGrpSpPr>
+      <p:grpSpPr>
+        <a:xfrm>
+          <a:off x="0" y="0"/>
+          <a:ext cx="0" cy="0"/>
+          <a:chOff x="0" y="0"/>
+          <a:chExt cx="0" cy="0"/>
+        </a:xfrm>
+      </p:grpSpPr>
+      <p:sp>
+        <p:nvSpPr>
+          <p:cNvPr id="12" name="PlaceHolder 1"/>
+          <p:cNvSpPr>
+            <a:spLocks noGrp="1"/>
+          </p:cNvSpPr>
+          <p:nvPr>
+            <p:ph type="title"/>
+          </p:nvPr>
+        </p:nvSpPr>
+        <p:spPr>
+          <a:xfrm>
+            <a:off x="640080" y="5760"/>
+            <a:ext cx="10698120" cy="1052280"/>
+          </a:xfrm>
+          <a:prstGeom prst="rect">
+            <a:avLst/>
+          </a:prstGeom>
+          <a:noFill/>
+          <a:ln w="0">
+            <a:noFill/>
+          </a:ln>
+        </p:spPr>
+        <p:txBody>
+          <a:bodyPr lIns="0" rIns="0" tIns="0" bIns="0" anchor="ctr">
+            <a:noAutofit/>
+          </a:bodyPr>
+          <a:p>
+            <a:pPr indent="0" algn="ctr">
+              <a:buNone/>
+            </a:pPr>
+            <a:endParaRPr b="0" lang="pt-BR" sz="4400" spc="-1" strike="noStrike">
+              <a:solidFill>
+                <a:srgbClr val="000000"/>
+              </a:solidFill>
+              <a:latin typeface="Arial"/>
+            </a:endParaRPr>
+          </a:p>
+        </p:txBody>
+      </p:sp>
+      <p:sp>
+        <p:nvSpPr>
+          <p:cNvPr id="3" name="PlaceHolder 2"/>
+          <p:cNvSpPr>
+            <a:spLocks noGrp="1"/>
+          </p:cNvSpPr>
+          <p:nvPr>
+            <p:ph type="ftr" idx="1"/>
+          </p:nvPr>
+        </p:nvSpPr>
+        <p:spPr/>
+        <p:txBody>
+          <a:bodyPr/>
+          <a:p>
+            <a:r>
+              <a:t>Footer</a:t>
+            </a:r>
+          </a:p>
+        </p:txBody>
+      </p:sp>
+      <p:sp>
+        <p:nvSpPr>
+          <p:cNvPr id="4" name="PlaceHolder 3"/>
+          <p:cNvSpPr>
+            <a:spLocks noGrp="1"/>
+          </p:cNvSpPr>
+          <p:nvPr>
+            <p:ph type="sldNum" idx="2"/>
+          </p:nvPr>
+        </p:nvSpPr>
+        <p:spPr/>
+        <p:txBody>
+          <a:bodyPr/>
+          <a:p>
+            <a:fld id="{466EEEEA-4BB7-4A72-A1AD-2C489DCD0D20}" type="slidenum">
+              <a:t>&lt;#&gt;</a:t>
+            </a:fld>
+          </a:p>
+        </p:txBody>
+      </p:sp>
+      <p:sp>
+        <p:nvSpPr>
+          <p:cNvPr id="5" name="PlaceHolder 4"/>
+          <p:cNvSpPr>
+            <a:spLocks noGrp="1"/>
+          </p:cNvSpPr>
+          <p:nvPr>
+            <p:ph type="dt" idx="3"/>
+          </p:nvPr>
+        </p:nvSpPr>
+        <p:spPr/>
+        <p:txBody>
+          <a:bodyPr/>
+          <a:p>
+            <a:r>
+              <a:rPr lang="pt-BR"/>
+              <a:t/>
+            </a:r>
+          </a:p>
+        </p:txBody>
+      </p:sp>
+    </p:spTree>
+  </p:cSld>
+</p:sldLayout>
+</file>
+
+<file path=ppt/slideLayouts/slideLayout6.xml><?xml version="1.0" encoding="utf-8"?>
+<p:sldLayout xmlns:a="http://schemas.openxmlformats.org/drawingml/2006/main" xmlns:p="http://schemas.openxmlformats.org/presentationml/2006/main" xmlns:r="http://schemas.openxmlformats.org/officeDocument/2006/relationships" xmlns:p14="http://schemas.microsoft.com/office/powerpoint/2010/main" xmlns:p15="http://schemas.microsoft.com/office/powerpoint/2012/main" xmlns:mc="http://schemas.openxmlformats.org/markup-compatibility/2006" type="objOnly" preserve="1">
+  <p:cSld name="Centered Text">
+    <p:spTree>
+      <p:nvGrpSpPr>
+        <p:cNvPr id="1" name=""/>
+        <p:cNvGrpSpPr/>
+        <p:nvPr/>
+      </p:nvGrpSpPr>
+      <p:grpSpPr>
+        <a:xfrm>
+          <a:off x="0" y="0"/>
+          <a:ext cx="0" cy="0"/>
+          <a:chOff x="0" y="0"/>
+          <a:chExt cx="0" cy="0"/>
+        </a:xfrm>
+      </p:grpSpPr>
+      <p:sp>
+        <p:nvSpPr>
+          <p:cNvPr id="13" name="PlaceHolder 1"/>
+          <p:cNvSpPr>
+            <a:spLocks noGrp="1"/>
+          </p:cNvSpPr>
+          <p:nvPr>
+            <p:ph type="subTitle"/>
+          </p:nvPr>
+        </p:nvSpPr>
+        <p:spPr>
+          <a:xfrm>
+            <a:off x="640080" y="5760"/>
+            <a:ext cx="10698120" cy="4879080"/>
+          </a:xfrm>
+          <a:prstGeom prst="rect">
+            <a:avLst/>
+          </a:prstGeom>
+          <a:noFill/>
+          <a:ln w="0">
+            <a:noFill/>
+          </a:ln>
+        </p:spPr>
+        <p:txBody>
+          <a:bodyPr lIns="0" rIns="0" tIns="0" bIns="0" anchor="ctr">
+            <a:noAutofit/>
+          </a:bodyPr>
+          <a:p>
+            <a:pPr algn="ctr"/>
+            <a:endParaRPr b="0" lang="pt-BR" sz="3200" spc="-1" strike="noStrike">
+              <a:solidFill>
+                <a:srgbClr val="000000"/>
+              </a:solidFill>
+              <a:latin typeface="Arial"/>
+            </a:endParaRPr>
+          </a:p>
+        </p:txBody>
+      </p:sp>
+      <p:sp>
+        <p:nvSpPr>
+          <p:cNvPr id="3" name="PlaceHolder 2"/>
+          <p:cNvSpPr>
+            <a:spLocks noGrp="1"/>
+          </p:cNvSpPr>
+          <p:nvPr>
+            <p:ph type="ftr" idx="1"/>
+          </p:nvPr>
+        </p:nvSpPr>
+        <p:spPr/>
+        <p:txBody>
+          <a:bodyPr/>
+          <a:p>
+            <a:r>
+              <a:t>Footer</a:t>
+            </a:r>
+          </a:p>
+        </p:txBody>
+      </p:sp>
+      <p:sp>
+        <p:nvSpPr>
+          <p:cNvPr id="4" name="PlaceHolder 3"/>
+          <p:cNvSpPr>
+            <a:spLocks noGrp="1"/>
+          </p:cNvSpPr>
+          <p:nvPr>
+            <p:ph type="sldNum" idx="2"/>
+          </p:nvPr>
+        </p:nvSpPr>
+        <p:spPr/>
+        <p:txBody>
+          <a:bodyPr/>
+          <a:p>
+            <a:fld id="{80E9FC95-8EA5-4C80-978C-7EAF85F0E9D8}" type="slidenum">
+              <a:t>&lt;#&gt;</a:t>
+            </a:fld>
+          </a:p>
+        </p:txBody>
+      </p:sp>
+      <p:sp>
+        <p:nvSpPr>
+          <p:cNvPr id="5" name="PlaceHolder 4"/>
+          <p:cNvSpPr>
+            <a:spLocks noGrp="1"/>
+          </p:cNvSpPr>
+          <p:nvPr>
+            <p:ph type="dt" idx="3"/>
+          </p:nvPr>
+        </p:nvSpPr>
+        <p:spPr/>
+        <p:txBody>
+          <a:bodyPr/>
+          <a:p>
+            <a:r>
+              <a:rPr lang="pt-BR"/>
+              <a:t/>
+            </a:r>
+          </a:p>
+        </p:txBody>
+      </p:sp>
+    </p:spTree>
+  </p:cSld>
+</p:sldLayout>
+</file>
+
+<file path=ppt/slideLayouts/slideLayout7.xml><?xml version="1.0" encoding="utf-8"?>
+<p:sldLayout xmlns:a="http://schemas.openxmlformats.org/drawingml/2006/main" xmlns:p="http://schemas.openxmlformats.org/presentationml/2006/main" xmlns:r="http://schemas.openxmlformats.org/officeDocument/2006/relationships" xmlns:p14="http://schemas.microsoft.com/office/powerpoint/2010/main" xmlns:p15="http://schemas.microsoft.com/office/powerpoint/2012/main" xmlns:mc="http://schemas.openxmlformats.org/markup-compatibility/2006" type="twoObjAndObj" preserve="1">
+  <p:cSld name="Title, 2 Content and Content">
+    <p:spTree>
+      <p:nvGrpSpPr>
+        <p:cNvPr id="1" name=""/>
+        <p:cNvGrpSpPr/>
+        <p:nvPr/>
+      </p:nvGrpSpPr>
+      <p:grpSpPr>
+        <a:xfrm>
+          <a:off x="0" y="0"/>
+          <a:ext cx="0" cy="0"/>
+          <a:chOff x="0" y="0"/>
+          <a:chExt cx="0" cy="0"/>
+        </a:xfrm>
+      </p:grpSpPr>
+      <p:sp>
+        <p:nvSpPr>
+          <p:cNvPr id="14" name="PlaceHolder 1"/>
+          <p:cNvSpPr>
+            <a:spLocks noGrp="1"/>
+          </p:cNvSpPr>
+          <p:nvPr>
+            <p:ph type="title"/>
+          </p:nvPr>
+        </p:nvSpPr>
+        <p:spPr>
+          <a:xfrm>
+            <a:off x="640080" y="5760"/>
+            <a:ext cx="10698120" cy="1052280"/>
+          </a:xfrm>
+          <a:prstGeom prst="rect">
+            <a:avLst/>
+          </a:prstGeom>
+          <a:noFill/>
+          <a:ln w="0">
+            <a:noFill/>
+          </a:ln>
+        </p:spPr>
+        <p:txBody>
+          <a:bodyPr lIns="0" rIns="0" tIns="0" bIns="0" anchor="ctr">
+            <a:noAutofit/>
+          </a:bodyPr>
+          <a:p>
+            <a:pPr indent="0" algn="ctr">
+              <a:buNone/>
+            </a:pPr>
+            <a:endParaRPr b="0" lang="pt-BR" sz="4400" spc="-1" strike="noStrike">
+              <a:solidFill>
+                <a:srgbClr val="000000"/>
+              </a:solidFill>
+              <a:latin typeface="Arial"/>
+            </a:endParaRPr>
+          </a:p>
+        </p:txBody>
+      </p:sp>
+      <p:sp>
+        <p:nvSpPr>
+          <p:cNvPr id="15" name="PlaceHolder 2"/>
+          <p:cNvSpPr>
+            <a:spLocks noGrp="1"/>
+          </p:cNvSpPr>
+          <p:nvPr>
+            <p:ph/>
+          </p:nvPr>
+        </p:nvSpPr>
+        <p:spPr>
+          <a:xfrm>
+            <a:off x="182880" y="1188720"/>
+            <a:ext cx="5755320" cy="1896480"/>
+          </a:xfrm>
+          <a:prstGeom prst="rect">
+            <a:avLst/>
+          </a:prstGeom>
+          <a:noFill/>
+          <a:ln w="0">
+            <a:noFill/>
+          </a:ln>
+        </p:spPr>
+        <p:txBody>
+          <a:bodyPr lIns="0" rIns="0" tIns="0" bIns="0" anchor="t">
+            <a:normAutofit/>
+          </a:bodyPr>
+          <a:p>
+            <a:pPr indent="0">
+              <a:spcBef>
+                <a:spcPts val="1417"/>
+              </a:spcBef>
+              <a:buNone/>
+            </a:pPr>
+            <a:endParaRPr b="0" lang="pt-BR" sz="3200" spc="-1" strike="noStrike">
+              <a:solidFill>
+                <a:srgbClr val="000000"/>
+              </a:solidFill>
+              <a:latin typeface="Arial"/>
+            </a:endParaRPr>
+          </a:p>
+        </p:txBody>
+      </p:sp>
+      <p:sp>
+        <p:nvSpPr>
+          <p:cNvPr id="16" name="PlaceHolder 3"/>
+          <p:cNvSpPr>
+            <a:spLocks noGrp="1"/>
+          </p:cNvSpPr>
+          <p:nvPr>
+            <p:ph/>
+          </p:nvPr>
+        </p:nvSpPr>
+        <p:spPr>
+          <a:xfrm>
+            <a:off x="6226200" y="1188720"/>
+            <a:ext cx="5755320" cy="3976200"/>
+          </a:xfrm>
+          <a:prstGeom prst="rect">
+            <a:avLst/>
+          </a:prstGeom>
+          <a:noFill/>
+          <a:ln w="0">
+            <a:noFill/>
+          </a:ln>
+        </p:spPr>
+        <p:txBody>
+          <a:bodyPr lIns="0" rIns="0" tIns="0" bIns="0" anchor="t">
+            <a:normAutofit/>
+          </a:bodyPr>
+          <a:p>
+            <a:pPr indent="0">
+              <a:spcBef>
+                <a:spcPts val="1417"/>
+              </a:spcBef>
+              <a:buNone/>
+            </a:pPr>
+            <a:endParaRPr b="0" lang="pt-BR" sz="3200" spc="-1" strike="noStrike">
+              <a:solidFill>
+                <a:srgbClr val="000000"/>
+              </a:solidFill>
+              <a:latin typeface="Arial"/>
+            </a:endParaRPr>
+          </a:p>
+        </p:txBody>
+      </p:sp>
+      <p:sp>
+        <p:nvSpPr>
+          <p:cNvPr id="17" name="PlaceHolder 4"/>
+          <p:cNvSpPr>
+            <a:spLocks noGrp="1"/>
+          </p:cNvSpPr>
+          <p:nvPr>
+            <p:ph/>
+          </p:nvPr>
+        </p:nvSpPr>
+        <p:spPr>
+          <a:xfrm>
+            <a:off x="182880" y="3265920"/>
+            <a:ext cx="5755320" cy="1896480"/>
+          </a:xfrm>
+          <a:prstGeom prst="rect">
+            <a:avLst/>
+          </a:prstGeom>
+          <a:noFill/>
+          <a:ln w="0">
+            <a:noFill/>
+          </a:ln>
+        </p:spPr>
+        <p:txBody>
+          <a:bodyPr lIns="0" rIns="0" tIns="0" bIns="0" anchor="t">
+            <a:normAutofit/>
+          </a:bodyPr>
+          <a:p>
+            <a:pPr indent="0">
+              <a:spcBef>
+                <a:spcPts val="1417"/>
+              </a:spcBef>
+              <a:buNone/>
+            </a:pPr>
+            <a:endParaRPr b="0" lang="pt-BR" sz="3200" spc="-1" strike="noStrike">
+              <a:solidFill>
+                <a:srgbClr val="000000"/>
+              </a:solidFill>
+              <a:latin typeface="Arial"/>
+            </a:endParaRPr>
+          </a:p>
+        </p:txBody>
+      </p:sp>
+      <p:sp>
+        <p:nvSpPr>
+          <p:cNvPr id="6" name="PlaceHolder 5"/>
+          <p:cNvSpPr>
+            <a:spLocks noGrp="1"/>
+          </p:cNvSpPr>
+          <p:nvPr>
+            <p:ph type="ftr" idx="1"/>
+          </p:nvPr>
+        </p:nvSpPr>
+        <p:spPr/>
+        <p:txBody>
+          <a:bodyPr/>
+          <a:p>
+            <a:r>
+              <a:t>Footer</a:t>
+            </a:r>
+          </a:p>
+        </p:txBody>
+      </p:sp>
+      <p:sp>
+        <p:nvSpPr>
+          <p:cNvPr id="7" name="PlaceHolder 6"/>
+          <p:cNvSpPr>
+            <a:spLocks noGrp="1"/>
+          </p:cNvSpPr>
+          <p:nvPr>
+            <p:ph type="sldNum" idx="2"/>
+          </p:nvPr>
+        </p:nvSpPr>
+        <p:spPr/>
+        <p:txBody>
+          <a:bodyPr/>
+          <a:p>
+            <a:fld id="{729E177F-E6CE-470A-B32B-42C126E83A9C}" type="slidenum">
+              <a:t>&lt;#&gt;</a:t>
+            </a:fld>
+          </a:p>
+        </p:txBody>
+      </p:sp>
+      <p:sp>
+        <p:nvSpPr>
+          <p:cNvPr id="8" name="PlaceHolder 7"/>
+          <p:cNvSpPr>
+            <a:spLocks noGrp="1"/>
+          </p:cNvSpPr>
+          <p:nvPr>
+            <p:ph type="dt" idx="3"/>
+          </p:nvPr>
+        </p:nvSpPr>
+        <p:spPr/>
+        <p:txBody>
+          <a:bodyPr/>
+          <a:p>
+            <a:r>
+              <a:rPr lang="pt-BR"/>
+              <a:t/>
+            </a:r>
+          </a:p>
+        </p:txBody>
+      </p:sp>
+    </p:spTree>
+  </p:cSld>
+</p:sldLayout>
+</file>
+
+<file path=ppt/slideLayouts/slideLayout8.xml><?xml version="1.0" encoding="utf-8"?>
+<p:sldLayout xmlns:a="http://schemas.openxmlformats.org/drawingml/2006/main" xmlns:p="http://schemas.openxmlformats.org/presentationml/2006/main" xmlns:r="http://schemas.openxmlformats.org/officeDocument/2006/relationships" xmlns:p14="http://schemas.microsoft.com/office/powerpoint/2010/main" xmlns:p15="http://schemas.microsoft.com/office/powerpoint/2012/main" xmlns:mc="http://schemas.openxmlformats.org/markup-compatibility/2006" type="objAndTwoObj" preserve="1">
+  <p:cSld name="Title Content and 2 Content">
+    <p:spTree>
+      <p:nvGrpSpPr>
+        <p:cNvPr id="1" name=""/>
+        <p:cNvGrpSpPr/>
+        <p:nvPr/>
+      </p:nvGrpSpPr>
+      <p:grpSpPr>
+        <a:xfrm>
+          <a:off x="0" y="0"/>
+          <a:ext cx="0" cy="0"/>
+          <a:chOff x="0" y="0"/>
+          <a:chExt cx="0" cy="0"/>
+        </a:xfrm>
+      </p:grpSpPr>
+      <p:sp>
+        <p:nvSpPr>
+          <p:cNvPr id="18" name="PlaceHolder 1"/>
+          <p:cNvSpPr>
+            <a:spLocks noGrp="1"/>
+          </p:cNvSpPr>
+          <p:nvPr>
+            <p:ph type="title"/>
+          </p:nvPr>
+        </p:nvSpPr>
+        <p:spPr>
+          <a:xfrm>
+            <a:off x="640080" y="5760"/>
+            <a:ext cx="10698120" cy="1052280"/>
+          </a:xfrm>
+          <a:prstGeom prst="rect">
+            <a:avLst/>
+          </a:prstGeom>
+          <a:noFill/>
+          <a:ln w="0">
+            <a:noFill/>
+          </a:ln>
+        </p:spPr>
+        <p:txBody>
+          <a:bodyPr lIns="0" rIns="0" tIns="0" bIns="0" anchor="ctr">
+            <a:noAutofit/>
+          </a:bodyPr>
+          <a:p>
+            <a:pPr indent="0" algn="ctr">
+              <a:buNone/>
+            </a:pPr>
+            <a:endParaRPr b="0" lang="pt-BR" sz="4400" spc="-1" strike="noStrike">
+              <a:solidFill>
+                <a:srgbClr val="000000"/>
+              </a:solidFill>
+              <a:latin typeface="Arial"/>
+            </a:endParaRPr>
+          </a:p>
+        </p:txBody>
+      </p:sp>
+      <p:sp>
+        <p:nvSpPr>
+          <p:cNvPr id="19" name="PlaceHolder 2"/>
+          <p:cNvSpPr>
+            <a:spLocks noGrp="1"/>
+          </p:cNvSpPr>
+          <p:nvPr>
+            <p:ph/>
+          </p:nvPr>
+        </p:nvSpPr>
+        <p:spPr>
+          <a:xfrm>
+            <a:off x="182880" y="1188720"/>
+            <a:ext cx="5755320" cy="3976200"/>
+          </a:xfrm>
+          <a:prstGeom prst="rect">
+            <a:avLst/>
+          </a:prstGeom>
+          <a:noFill/>
+          <a:ln w="0">
+            <a:noFill/>
+          </a:ln>
+        </p:spPr>
+        <p:txBody>
+          <a:bodyPr lIns="0" rIns="0" tIns="0" bIns="0" anchor="t">
+            <a:normAutofit/>
+          </a:bodyPr>
+          <a:p>
+            <a:pPr indent="0">
+              <a:spcBef>
+                <a:spcPts val="1417"/>
+              </a:spcBef>
+              <a:buNone/>
+            </a:pPr>
+            <a:endParaRPr b="0" lang="pt-BR" sz="3200" spc="-1" strike="noStrike">
+              <a:solidFill>
+                <a:srgbClr val="000000"/>
+              </a:solidFill>
+              <a:latin typeface="Arial"/>
+            </a:endParaRPr>
+          </a:p>
+        </p:txBody>
+      </p:sp>
+      <p:sp>
+        <p:nvSpPr>
+          <p:cNvPr id="20" name="PlaceHolder 3"/>
+          <p:cNvSpPr>
+            <a:spLocks noGrp="1"/>
+          </p:cNvSpPr>
+          <p:nvPr>
+            <p:ph/>
+          </p:nvPr>
+        </p:nvSpPr>
+        <p:spPr>
+          <a:xfrm>
+            <a:off x="6226200" y="1188720"/>
+            <a:ext cx="5755320" cy="1896480"/>
+          </a:xfrm>
+          <a:prstGeom prst="rect">
+            <a:avLst/>
+          </a:prstGeom>
+          <a:noFill/>
+          <a:ln w="0">
+            <a:noFill/>
+          </a:ln>
+        </p:spPr>
+        <p:txBody>
+          <a:bodyPr lIns="0" rIns="0" tIns="0" bIns="0" anchor="t">
+            <a:normAutofit/>
+          </a:bodyPr>
+          <a:p>
+            <a:pPr indent="0">
+              <a:spcBef>
+                <a:spcPts val="1417"/>
+              </a:spcBef>
+              <a:buNone/>
+            </a:pPr>
+            <a:endParaRPr b="0" lang="pt-BR" sz="3200" spc="-1" strike="noStrike">
+              <a:solidFill>
+                <a:srgbClr val="000000"/>
+              </a:solidFill>
+              <a:latin typeface="Arial"/>
+            </a:endParaRPr>
+          </a:p>
+        </p:txBody>
+      </p:sp>
+      <p:sp>
+        <p:nvSpPr>
+          <p:cNvPr id="21" name="PlaceHolder 4"/>
+          <p:cNvSpPr>
+            <a:spLocks noGrp="1"/>
+          </p:cNvSpPr>
+          <p:nvPr>
+            <p:ph/>
+          </p:nvPr>
+        </p:nvSpPr>
+        <p:spPr>
+          <a:xfrm>
+            <a:off x="6226200" y="3265920"/>
+            <a:ext cx="5755320" cy="1896480"/>
+          </a:xfrm>
+          <a:prstGeom prst="rect">
+            <a:avLst/>
+          </a:prstGeom>
+          <a:noFill/>
+          <a:ln w="0">
+            <a:noFill/>
+          </a:ln>
+        </p:spPr>
+        <p:txBody>
+          <a:bodyPr lIns="0" rIns="0" tIns="0" bIns="0" anchor="t">
+            <a:normAutofit/>
+          </a:bodyPr>
+          <a:p>
+            <a:pPr indent="0">
+              <a:spcBef>
+                <a:spcPts val="1417"/>
+              </a:spcBef>
+              <a:buNone/>
+            </a:pPr>
+            <a:endParaRPr b="0" lang="pt-BR" sz="3200" spc="-1" strike="noStrike">
+              <a:solidFill>
+                <a:srgbClr val="000000"/>
+              </a:solidFill>
+              <a:latin typeface="Arial"/>
+            </a:endParaRPr>
+          </a:p>
+        </p:txBody>
+      </p:sp>
+      <p:sp>
+        <p:nvSpPr>
+          <p:cNvPr id="6" name="PlaceHolder 5"/>
+          <p:cNvSpPr>
+            <a:spLocks noGrp="1"/>
+          </p:cNvSpPr>
+          <p:nvPr>
+            <p:ph type="ftr" idx="1"/>
+          </p:nvPr>
+        </p:nvSpPr>
+        <p:spPr/>
+        <p:txBody>
+          <a:bodyPr/>
+          <a:p>
+            <a:r>
+              <a:t>Footer</a:t>
+            </a:r>
+          </a:p>
+        </p:txBody>
+      </p:sp>
+      <p:sp>
+        <p:nvSpPr>
+          <p:cNvPr id="7" name="PlaceHolder 6"/>
+          <p:cNvSpPr>
+            <a:spLocks noGrp="1"/>
+          </p:cNvSpPr>
+          <p:nvPr>
+            <p:ph type="sldNum" idx="2"/>
+          </p:nvPr>
+        </p:nvSpPr>
+        <p:spPr/>
+        <p:txBody>
+          <a:bodyPr/>
+          <a:p>
+            <a:fld id="{90572258-6984-4723-8D77-0C61153527E1}" type="slidenum">
+              <a:t>&lt;#&gt;</a:t>
+            </a:fld>
+          </a:p>
+        </p:txBody>
+      </p:sp>
+      <p:sp>
+        <p:nvSpPr>
+          <p:cNvPr id="8" name="PlaceHolder 7"/>
+          <p:cNvSpPr>
+            <a:spLocks noGrp="1"/>
+          </p:cNvSpPr>
+          <p:nvPr>
+            <p:ph type="dt" idx="3"/>
+          </p:nvPr>
+        </p:nvSpPr>
+        <p:spPr/>
+        <p:txBody>
+          <a:bodyPr/>
+          <a:p>
+            <a:r>
+              <a:rPr lang="pt-BR"/>
+              <a:t/>
+            </a:r>
+          </a:p>
+        </p:txBody>
+      </p:sp>
+    </p:spTree>
+  </p:cSld>
+</p:sldLayout>
+</file>
+
+<file path=ppt/slideLayouts/slideLayout9.xml><?xml version="1.0" encoding="utf-8"?>
+<p:sldLayout xmlns:a="http://schemas.openxmlformats.org/drawingml/2006/main" xmlns:p="http://schemas.openxmlformats.org/presentationml/2006/main" xmlns:r="http://schemas.openxmlformats.org/officeDocument/2006/relationships" xmlns:p14="http://schemas.microsoft.com/office/powerpoint/2010/main" xmlns:p15="http://schemas.microsoft.com/office/powerpoint/2012/main" xmlns:mc="http://schemas.openxmlformats.org/markup-compatibility/2006" type="twoObjOverTx" preserve="1">
+  <p:cSld name="Title, 2 Content over Content">
+    <p:spTree>
+      <p:nvGrpSpPr>
+        <p:cNvPr id="1" name=""/>
+        <p:cNvGrpSpPr/>
+        <p:nvPr/>
+      </p:nvGrpSpPr>
+      <p:grpSpPr>
+        <a:xfrm>
+          <a:off x="0" y="0"/>
+          <a:ext cx="0" cy="0"/>
+          <a:chOff x="0" y="0"/>
+          <a:chExt cx="0" cy="0"/>
+        </a:xfrm>
+      </p:grpSpPr>
+      <p:sp>
+        <p:nvSpPr>
+          <p:cNvPr id="22" name="PlaceHolder 1"/>
+          <p:cNvSpPr>
+            <a:spLocks noGrp="1"/>
+          </p:cNvSpPr>
+          <p:nvPr>
+            <p:ph type="title"/>
+          </p:nvPr>
+        </p:nvSpPr>
+        <p:spPr>
+          <a:xfrm>
+            <a:off x="640080" y="5760"/>
+            <a:ext cx="10698120" cy="1052280"/>
+          </a:xfrm>
+          <a:prstGeom prst="rect">
+            <a:avLst/>
+          </a:prstGeom>
+          <a:noFill/>
+          <a:ln w="0">
+            <a:noFill/>
+          </a:ln>
+        </p:spPr>
+        <p:txBody>
+          <a:bodyPr lIns="0" rIns="0" tIns="0" bIns="0" anchor="ctr">
+            <a:noAutofit/>
+          </a:bodyPr>
+          <a:p>
+            <a:pPr indent="0" algn="ctr">
+              <a:buNone/>
+            </a:pPr>
+            <a:endParaRPr b="0" lang="pt-BR" sz="4400" spc="-1" strike="noStrike">
+              <a:solidFill>
+                <a:srgbClr val="000000"/>
+              </a:solidFill>
+              <a:latin typeface="Arial"/>
+            </a:endParaRPr>
+          </a:p>
+        </p:txBody>
+      </p:sp>
+      <p:sp>
+        <p:nvSpPr>
+          <p:cNvPr id="23" name="PlaceHolder 2"/>
+          <p:cNvSpPr>
+            <a:spLocks noGrp="1"/>
+          </p:cNvSpPr>
+          <p:nvPr>
+            <p:ph/>
+          </p:nvPr>
+        </p:nvSpPr>
+        <p:spPr>
+          <a:xfrm>
+            <a:off x="182880" y="1188720"/>
+            <a:ext cx="5755320" cy="1896480"/>
+          </a:xfrm>
+          <a:prstGeom prst="rect">
+            <a:avLst/>
+          </a:prstGeom>
+          <a:noFill/>
+          <a:ln w="0">
+            <a:noFill/>
+          </a:ln>
+        </p:spPr>
+        <p:txBody>
+          <a:bodyPr lIns="0" rIns="0" tIns="0" bIns="0" anchor="t">
+            <a:normAutofit/>
+          </a:bodyPr>
+          <a:p>
+            <a:pPr indent="0">
+              <a:spcBef>
+                <a:spcPts val="1417"/>
+              </a:spcBef>
+              <a:buNone/>
+            </a:pPr>
+            <a:endParaRPr b="0" lang="pt-BR" sz="3200" spc="-1" strike="noStrike">
+              <a:solidFill>
+                <a:srgbClr val="000000"/>
+              </a:solidFill>
+              <a:latin typeface="Arial"/>
+            </a:endParaRPr>
+          </a:p>
+        </p:txBody>
+      </p:sp>
+      <p:sp>
+        <p:nvSpPr>
+          <p:cNvPr id="24" name="PlaceHolder 3"/>
+          <p:cNvSpPr>
+            <a:spLocks noGrp="1"/>
+          </p:cNvSpPr>
+          <p:nvPr>
+            <p:ph/>
+          </p:nvPr>
+        </p:nvSpPr>
+        <p:spPr>
+          <a:xfrm>
+            <a:off x="6226200" y="1188720"/>
+            <a:ext cx="5755320" cy="1896480"/>
+          </a:xfrm>
+          <a:prstGeom prst="rect">
+            <a:avLst/>
+          </a:prstGeom>
+          <a:noFill/>
+          <a:ln w="0">
+            <a:noFill/>
+          </a:ln>
+        </p:spPr>
+        <p:txBody>
+          <a:bodyPr lIns="0" rIns="0" tIns="0" bIns="0" anchor="t">
+            <a:normAutofit/>
+          </a:bodyPr>
+          <a:p>
+            <a:pPr indent="0">
+              <a:spcBef>
+                <a:spcPts val="1417"/>
+              </a:spcBef>
+              <a:buNone/>
+            </a:pPr>
+            <a:endParaRPr b="0" lang="pt-BR" sz="3200" spc="-1" strike="noStrike">
+              <a:solidFill>
+                <a:srgbClr val="000000"/>
+              </a:solidFill>
+              <a:latin typeface="Arial"/>
+            </a:endParaRPr>
+          </a:p>
+        </p:txBody>
+      </p:sp>
+      <p:sp>
+        <p:nvSpPr>
+          <p:cNvPr id="25" name="PlaceHolder 4"/>
+          <p:cNvSpPr>
+            <a:spLocks noGrp="1"/>
+          </p:cNvSpPr>
+          <p:nvPr>
+            <p:ph/>
+          </p:nvPr>
+        </p:nvSpPr>
+        <p:spPr>
+          <a:xfrm>
+            <a:off x="182880" y="3265920"/>
+            <a:ext cx="11794320" cy="1896480"/>
+          </a:xfrm>
+          <a:prstGeom prst="rect">
+            <a:avLst/>
+          </a:prstGeom>
+          <a:noFill/>
+          <a:ln w="0">
+            <a:noFill/>
+          </a:ln>
+        </p:spPr>
+        <p:txBody>
+          <a:bodyPr lIns="0" rIns="0" tIns="0" bIns="0" anchor="t">
+            <a:normAutofit/>
+          </a:bodyPr>
+          <a:p>
+            <a:pPr indent="0">
+              <a:spcBef>
+                <a:spcPts val="1417"/>
+              </a:spcBef>
+              <a:buNone/>
+            </a:pPr>
+            <a:endParaRPr b="0" lang="pt-BR" sz="3200" spc="-1" strike="noStrike">
+              <a:solidFill>
+                <a:srgbClr val="000000"/>
+              </a:solidFill>
+              <a:latin typeface="Arial"/>
+            </a:endParaRPr>
+          </a:p>
+        </p:txBody>
+      </p:sp>
+      <p:sp>
+        <p:nvSpPr>
+          <p:cNvPr id="6" name="PlaceHolder 5"/>
+          <p:cNvSpPr>
+            <a:spLocks noGrp="1"/>
+          </p:cNvSpPr>
+          <p:nvPr>
+            <p:ph type="ftr" idx="1"/>
+          </p:nvPr>
+        </p:nvSpPr>
+        <p:spPr/>
+        <p:txBody>
+          <a:bodyPr/>
+          <a:p>
+            <a:r>
+              <a:t>Footer</a:t>
+            </a:r>
+          </a:p>
+        </p:txBody>
+      </p:sp>
+      <p:sp>
+        <p:nvSpPr>
+          <p:cNvPr id="7" name="PlaceHolder 6"/>
+          <p:cNvSpPr>
+            <a:spLocks noGrp="1"/>
+          </p:cNvSpPr>
+          <p:nvPr>
+            <p:ph type="sldNum" idx="2"/>
+          </p:nvPr>
+        </p:nvSpPr>
+        <p:spPr/>
+        <p:txBody>
+          <a:bodyPr/>
+          <a:p>
+            <a:fld id="{13ED6D7D-6249-4CCD-A3CB-7DE6341C078B}" type="slidenum">
+              <a:t>&lt;#&gt;</a:t>
+            </a:fld>
+          </a:p>
+        </p:txBody>
+      </p:sp>
+      <p:sp>
+        <p:nvSpPr>
+          <p:cNvPr id="8" name="PlaceHolder 7"/>
+          <p:cNvSpPr>
+            <a:spLocks noGrp="1"/>
+          </p:cNvSpPr>
+          <p:nvPr>
+            <p:ph type="dt" idx="3"/>
           </p:nvPr>
         </p:nvSpPr>
         <p:spPr/>
@@ -381,14 +5061,12 @@
         <p:spPr>
           <a:xfrm>
             <a:off x="640080" y="5760"/>
-            <a:ext cx="10698480" cy="1052640"/>
-          </a:xfrm>
-          <a:prstGeom prst="rect">
-            <a:avLst/>
-          </a:prstGeom>
-          <a:solidFill>
-            <a:srgbClr val="99cc99"/>
-          </a:solidFill>
+            <a:ext cx="10698120" cy="1052280"/>
+          </a:xfrm>
+          <a:prstGeom prst="rect">
+            <a:avLst/>
+          </a:prstGeom>
+          <a:noFill/>
           <a:ln w="0">
             <a:noFill/>
           </a:ln>
@@ -408,7 +5086,7 @@
                 </a:solidFill>
                 <a:latin typeface="Arial"/>
               </a:rPr>
-              <a:t>Click to edit the title text format</a:t>
+              <a:t>Clique para editar o formato do texto do título</a:t>
             </a:r>
             <a:endParaRPr b="0" lang="pt-BR" sz="1800" spc="-1" strike="noStrike">
               <a:solidFill>
@@ -432,7 +5110,7 @@
         <p:spPr>
           <a:xfrm>
             <a:off x="182880" y="1188720"/>
-            <a:ext cx="11794680" cy="3976560"/>
+            <a:ext cx="11794320" cy="3976200"/>
           </a:xfrm>
           <a:prstGeom prst="rect">
             <a:avLst/>
@@ -465,7 +5143,7 @@
                 </a:solidFill>
                 <a:latin typeface="Arial"/>
               </a:rPr>
-              <a:t>Click to edit the outline text format</a:t>
+              <a:t>Clique para editar o formato de texto dos tópicos</a:t>
             </a:r>
             <a:endParaRPr b="0" lang="pt-BR" sz="1800" spc="-1" strike="noStrike">
               <a:solidFill>
@@ -493,7 +5171,7 @@
                 </a:solidFill>
                 <a:latin typeface="Arial"/>
               </a:rPr>
-              <a:t>Second Outline Level</a:t>
+              <a:t>2.º nível de tópicos</a:t>
             </a:r>
             <a:endParaRPr b="0" lang="pt-BR" sz="1800" spc="-1" strike="noStrike">
               <a:solidFill>
@@ -521,7 +5199,7 @@
                 </a:solidFill>
                 <a:latin typeface="Arial"/>
               </a:rPr>
-              <a:t>Third Outline Level</a:t>
+              <a:t>3.º nível de tópicos</a:t>
             </a:r>
             <a:endParaRPr b="0" lang="pt-BR" sz="1800" spc="-1" strike="noStrike">
               <a:solidFill>
@@ -549,7 +5227,7 @@
                 </a:solidFill>
                 <a:latin typeface="Arial"/>
               </a:rPr>
-              <a:t>Fourth Outline Level</a:t>
+              <a:t>4.º nível de tópicos</a:t>
             </a:r>
             <a:endParaRPr b="0" lang="pt-BR" sz="1800" spc="-1" strike="noStrike">
               <a:solidFill>
@@ -577,7 +5255,7 @@
                 </a:solidFill>
                 <a:latin typeface="Arial"/>
               </a:rPr>
-              <a:t>Fifth Outline Level</a:t>
+              <a:t>5.º nível de tópicos</a:t>
             </a:r>
             <a:endParaRPr b="0" lang="pt-BR" sz="1800" spc="-1" strike="noStrike">
               <a:solidFill>
@@ -605,7 +5283,7 @@
                 </a:solidFill>
                 <a:latin typeface="Arial"/>
               </a:rPr>
-              <a:t>Sixth Outline Level</a:t>
+              <a:t>6.º nível de tópicos</a:t>
             </a:r>
             <a:endParaRPr b="0" lang="pt-BR" sz="1800" spc="-1" strike="noStrike">
               <a:solidFill>
@@ -633,7 +5311,7 @@
                 </a:solidFill>
                 <a:latin typeface="Arial"/>
               </a:rPr>
-              <a:t>Seventh Outline Level</a:t>
+              <a:t>7.º nível de tópicos</a:t>
             </a:r>
             <a:endParaRPr b="0" lang="pt-BR" sz="1800" spc="-1" strike="noStrike">
               <a:solidFill>
@@ -657,7 +5335,7 @@
         <p:spPr>
           <a:xfrm>
             <a:off x="4169520" y="6492240"/>
-            <a:ext cx="3863160" cy="226800"/>
+            <a:ext cx="3862800" cy="226440"/>
           </a:xfrm>
           <a:prstGeom prst="rect">
             <a:avLst/>
@@ -705,7 +5383,7 @@
                 </a:solidFill>
                 <a:latin typeface="Times New Roman"/>
               </a:rPr>
-              <a:t>&lt;footer&gt;</a:t>
+              <a:t>&lt;rodapé&gt;</a:t>
             </a:r>
             <a:endParaRPr b="0" lang="pt-BR" sz="1400" spc="-1" strike="noStrike">
               <a:solidFill>
@@ -729,7 +5407,7 @@
         <p:spPr>
           <a:xfrm>
             <a:off x="9209160" y="6492240"/>
-            <a:ext cx="2839320" cy="226800"/>
+            <a:ext cx="2838960" cy="226440"/>
           </a:xfrm>
           <a:prstGeom prst="rect">
             <a:avLst/>
@@ -770,14 +5448,14 @@
                 <a:tab algn="l" pos="0"/>
               </a:tabLst>
             </a:pPr>
-            <a:fld id="{EAAB7397-EED3-4035-8A7C-18117E337954}" type="slidenum">
+            <a:fld id="{62525A6D-DA0C-443B-9826-4C1301E1D7BD}" type="slidenum">
               <a:rPr b="0" lang="pt-BR" sz="1400" spc="-1" strike="noStrike">
                 <a:solidFill>
                   <a:srgbClr val="000000"/>
                 </a:solidFill>
                 <a:latin typeface="Times New Roman"/>
               </a:rPr>
-              <a:t>&lt;number&gt;</a:t>
+              <a:t>&lt;número&gt;</a:t>
             </a:fld>
             <a:endParaRPr b="0" lang="pt-BR" sz="1400" spc="-1" strike="noStrike">
               <a:solidFill>
@@ -801,7 +5479,7 @@
         <p:spPr>
           <a:xfrm>
             <a:off x="609480" y="6492240"/>
-            <a:ext cx="2839320" cy="226800"/>
+            <a:ext cx="2838960" cy="226440"/>
           </a:xfrm>
           <a:prstGeom prst="rect">
             <a:avLst/>
@@ -837,7 +5515,7 @@
                 </a:solidFill>
                 <a:latin typeface="Times New Roman"/>
               </a:rPr>
-              <a:t>&lt;date/time&gt;</a:t>
+              <a:t>&lt;data/hora&gt;</a:t>
             </a:r>
             <a:endParaRPr b="0" lang="pt-BR" sz="1400" spc="-1" strike="noStrike">
               <a:solidFill>
@@ -853,6 +5531,17 @@
   <p:clrMap bg1="lt1" bg2="lt2" tx1="dk1" tx2="dk2" accent1="accent1" accent2="accent2" accent3="accent3" accent4="accent4" accent5="accent5" accent6="accent6" hlink="hlink" folHlink="folHlink"/>
   <p:sldLayoutIdLst>
     <p:sldLayoutId id="2147483649" r:id="rId2"/>
+    <p:sldLayoutId id="2147483650" r:id="rId3"/>
+    <p:sldLayoutId id="2147483651" r:id="rId4"/>
+    <p:sldLayoutId id="2147483652" r:id="rId5"/>
+    <p:sldLayoutId id="2147483653" r:id="rId6"/>
+    <p:sldLayoutId id="2147483654" r:id="rId7"/>
+    <p:sldLayoutId id="2147483655" r:id="rId8"/>
+    <p:sldLayoutId id="2147483656" r:id="rId9"/>
+    <p:sldLayoutId id="2147483657" r:id="rId10"/>
+    <p:sldLayoutId id="2147483658" r:id="rId11"/>
+    <p:sldLayoutId id="2147483659" r:id="rId12"/>
+    <p:sldLayoutId id="2147483660" r:id="rId13"/>
   </p:sldLayoutIdLst>
 </p:sldMaster>
 </file>
@@ -876,7 +5565,7 @@
       </p:grpSpPr>
       <p:sp>
         <p:nvSpPr>
-          <p:cNvPr id="7" name=""/>
+          <p:cNvPr id="41" name=""/>
           <p:cNvSpPr/>
           <p:nvPr/>
         </p:nvSpPr>
@@ -918,7 +5607,7 @@
       </p:sp>
       <p:sp>
         <p:nvSpPr>
-          <p:cNvPr id="8" name=""/>
+          <p:cNvPr id="42" name=""/>
           <p:cNvSpPr/>
           <p:nvPr/>
         </p:nvSpPr>
@@ -960,14 +5649,14 @@
       </p:sp>
       <p:sp>
         <p:nvSpPr>
-          <p:cNvPr id="9" name=""/>
+          <p:cNvPr id="43" name=""/>
           <p:cNvSpPr/>
           <p:nvPr/>
         </p:nvSpPr>
         <p:spPr>
           <a:xfrm>
             <a:off x="12960" y="6120"/>
-            <a:ext cx="672480" cy="1053000"/>
+            <a:ext cx="672120" cy="1052640"/>
           </a:xfrm>
           <a:prstGeom prst="rect">
             <a:avLst/>
@@ -1007,14 +5696,14 @@
       </p:sp>
       <p:sp>
         <p:nvSpPr>
-          <p:cNvPr id="10" name=""/>
+          <p:cNvPr id="44" name=""/>
           <p:cNvSpPr/>
           <p:nvPr/>
         </p:nvSpPr>
         <p:spPr>
           <a:xfrm>
             <a:off x="11247120" y="6480"/>
-            <a:ext cx="948960" cy="1053000"/>
+            <a:ext cx="948600" cy="1052640"/>
           </a:xfrm>
           <a:prstGeom prst="rect">
             <a:avLst/>
@@ -1054,19 +5743,19 @@
       </p:sp>
       <p:pic>
         <p:nvPicPr>
-          <p:cNvPr id="11" name="" descr=""/>
+          <p:cNvPr id="45" name="" descr=""/>
           <p:cNvPicPr/>
           <p:nvPr/>
         </p:nvPicPr>
         <p:blipFill>
           <a:blip r:embed="rId2"/>
-          <a:srcRect l="0" t="0" r="75459" b="0"/>
+          <a:srcRect l="0" t="0" r="75464" b="0"/>
           <a:stretch/>
         </p:blipFill>
         <p:spPr>
           <a:xfrm>
             <a:off x="11592720" y="360000"/>
-            <a:ext cx="466200" cy="538920"/>
+            <a:ext cx="465840" cy="538560"/>
           </a:xfrm>
           <a:prstGeom prst="rect">
             <a:avLst/>
@@ -1078,7 +5767,7 @@
       </p:pic>
       <p:sp>
         <p:nvSpPr>
-          <p:cNvPr id="12" name="PlaceHolder 1"/>
+          <p:cNvPr id="46" name="PlaceHolder 1"/>
           <p:cNvSpPr>
             <a:spLocks noGrp="1"/>
           </p:cNvSpPr>
@@ -1089,14 +5778,12 @@
         <p:spPr>
           <a:xfrm>
             <a:off x="640080" y="5760"/>
-            <a:ext cx="10698480" cy="1052640"/>
-          </a:xfrm>
-          <a:prstGeom prst="rect">
-            <a:avLst/>
-          </a:prstGeom>
-          <a:solidFill>
-            <a:srgbClr val="99cc99"/>
-          </a:solidFill>
+            <a:ext cx="10698120" cy="1052280"/>
+          </a:xfrm>
+          <a:prstGeom prst="rect">
+            <a:avLst/>
+          </a:prstGeom>
+          <a:noFill/>
           <a:ln w="0">
             <a:noFill/>
           </a:ln>
@@ -1116,7 +5803,7 @@
                 </a:solidFill>
                 <a:latin typeface="Arial"/>
               </a:rPr>
-              <a:t>Click to edit the title text format</a:t>
+              <a:t>Clique para editar o formato do texto do título</a:t>
             </a:r>
             <a:endParaRPr b="0" lang="pt-BR" sz="1800" spc="-1" strike="noStrike">
               <a:solidFill>
@@ -1129,7 +5816,7 @@
       </p:sp>
       <p:sp>
         <p:nvSpPr>
-          <p:cNvPr id="13" name="PlaceHolder 2"/>
+          <p:cNvPr id="47" name="PlaceHolder 2"/>
           <p:cNvSpPr>
             <a:spLocks noGrp="1"/>
           </p:cNvSpPr>
@@ -1140,7 +5827,7 @@
         <p:spPr>
           <a:xfrm>
             <a:off x="182880" y="1188720"/>
-            <a:ext cx="11794680" cy="3976560"/>
+            <a:ext cx="11794320" cy="3976200"/>
           </a:xfrm>
           <a:prstGeom prst="rect">
             <a:avLst/>
@@ -1173,7 +5860,7 @@
                 </a:solidFill>
                 <a:latin typeface="Arial"/>
               </a:rPr>
-              <a:t>Click to edit the outline text format</a:t>
+              <a:t>Clique para editar o formato de texto dos tópicos</a:t>
             </a:r>
             <a:endParaRPr b="0" lang="pt-BR" sz="1800" spc="-1" strike="noStrike">
               <a:solidFill>
@@ -1201,7 +5888,7 @@
                 </a:solidFill>
                 <a:latin typeface="Arial"/>
               </a:rPr>
-              <a:t>Second Outline Level</a:t>
+              <a:t>2.º nível de tópicos</a:t>
             </a:r>
             <a:endParaRPr b="0" lang="pt-BR" sz="1800" spc="-1" strike="noStrike">
               <a:solidFill>
@@ -1229,7 +5916,7 @@
                 </a:solidFill>
                 <a:latin typeface="Arial"/>
               </a:rPr>
-              <a:t>Third Outline Level</a:t>
+              <a:t>3.º nível de tópicos</a:t>
             </a:r>
             <a:endParaRPr b="0" lang="pt-BR" sz="1800" spc="-1" strike="noStrike">
               <a:solidFill>
@@ -1257,7 +5944,7 @@
                 </a:solidFill>
                 <a:latin typeface="Arial"/>
               </a:rPr>
-              <a:t>Fourth Outline Level</a:t>
+              <a:t>4.º nível de tópicos</a:t>
             </a:r>
             <a:endParaRPr b="0" lang="pt-BR" sz="1800" spc="-1" strike="noStrike">
               <a:solidFill>
@@ -1285,7 +5972,7 @@
                 </a:solidFill>
                 <a:latin typeface="Arial"/>
               </a:rPr>
-              <a:t>Fifth Outline Level</a:t>
+              <a:t>5.º nível de tópicos</a:t>
             </a:r>
             <a:endParaRPr b="0" lang="pt-BR" sz="1800" spc="-1" strike="noStrike">
               <a:solidFill>
@@ -1313,7 +6000,7 @@
                 </a:solidFill>
                 <a:latin typeface="Arial"/>
               </a:rPr>
-              <a:t>Sixth Outline Level</a:t>
+              <a:t>6.º nível de tópicos</a:t>
             </a:r>
             <a:endParaRPr b="0" lang="pt-BR" sz="1800" spc="-1" strike="noStrike">
               <a:solidFill>
@@ -1341,7 +6028,7 @@
                 </a:solidFill>
                 <a:latin typeface="Arial"/>
               </a:rPr>
-              <a:t>Seventh Outline Level</a:t>
+              <a:t>7.º nível de tópicos</a:t>
             </a:r>
             <a:endParaRPr b="0" lang="pt-BR" sz="1800" spc="-1" strike="noStrike">
               <a:solidFill>
@@ -1354,7 +6041,7 @@
       </p:sp>
       <p:sp>
         <p:nvSpPr>
-          <p:cNvPr id="14" name="PlaceHolder 3"/>
+          <p:cNvPr id="48" name="PlaceHolder 3"/>
           <p:cNvSpPr>
             <a:spLocks noGrp="1"/>
           </p:cNvSpPr>
@@ -1365,7 +6052,7 @@
         <p:spPr>
           <a:xfrm>
             <a:off x="4169520" y="6492240"/>
-            <a:ext cx="3863160" cy="226800"/>
+            <a:ext cx="3862800" cy="226440"/>
           </a:xfrm>
           <a:prstGeom prst="rect">
             <a:avLst/>
@@ -1413,7 +6100,7 @@
                 </a:solidFill>
                 <a:latin typeface="Times New Roman"/>
               </a:rPr>
-              <a:t>&lt;footer&gt;</a:t>
+              <a:t>&lt;rodapé&gt;</a:t>
             </a:r>
             <a:endParaRPr b="0" lang="pt-BR" sz="1400" spc="-1" strike="noStrike">
               <a:solidFill>
@@ -1426,7 +6113,7 @@
       </p:sp>
       <p:sp>
         <p:nvSpPr>
-          <p:cNvPr id="15" name="PlaceHolder 4"/>
+          <p:cNvPr id="49" name="PlaceHolder 4"/>
           <p:cNvSpPr>
             <a:spLocks noGrp="1"/>
           </p:cNvSpPr>
@@ -1437,7 +6124,7 @@
         <p:spPr>
           <a:xfrm>
             <a:off x="9209160" y="6492240"/>
-            <a:ext cx="2839320" cy="226800"/>
+            <a:ext cx="2838960" cy="226440"/>
           </a:xfrm>
           <a:prstGeom prst="rect">
             <a:avLst/>
@@ -1478,14 +6165,14 @@
                 <a:tab algn="l" pos="0"/>
               </a:tabLst>
             </a:pPr>
-            <a:fld id="{43C881E8-DD43-4621-AAC4-371F22AE6258}" type="slidenum">
+            <a:fld id="{B073223B-D755-4662-B2E2-E6C501E8A318}" type="slidenum">
               <a:rPr b="0" lang="pt-BR" sz="1400" spc="-1" strike="noStrike">
                 <a:solidFill>
                   <a:srgbClr val="000000"/>
                 </a:solidFill>
                 <a:latin typeface="Times New Roman"/>
               </a:rPr>
-              <a:t>&lt;number&gt;</a:t>
+              <a:t>&lt;número&gt;</a:t>
             </a:fld>
             <a:endParaRPr b="0" lang="pt-BR" sz="1400" spc="-1" strike="noStrike">
               <a:solidFill>
@@ -1498,7 +6185,7 @@
       </p:sp>
       <p:sp>
         <p:nvSpPr>
-          <p:cNvPr id="16" name="PlaceHolder 5"/>
+          <p:cNvPr id="50" name="PlaceHolder 5"/>
           <p:cNvSpPr>
             <a:spLocks noGrp="1"/>
           </p:cNvSpPr>
@@ -1509,7 +6196,7 @@
         <p:spPr>
           <a:xfrm>
             <a:off x="609480" y="6492240"/>
-            <a:ext cx="2839320" cy="226800"/>
+            <a:ext cx="2838960" cy="226440"/>
           </a:xfrm>
           <a:prstGeom prst="rect">
             <a:avLst/>
@@ -1545,7 +6232,7 @@
                 </a:solidFill>
                 <a:latin typeface="Times New Roman"/>
               </a:rPr>
-              <a:t>&lt;date/time&gt;</a:t>
+              <a:t>&lt;data/hora&gt;</a:t>
             </a:r>
             <a:endParaRPr b="0" lang="pt-BR" sz="1400" spc="-1" strike="noStrike">
               <a:solidFill>
@@ -1560,7 +6247,18 @@
   </p:cSld>
   <p:clrMap bg1="lt1" bg2="lt2" tx1="dk1" tx2="dk2" accent1="accent1" accent2="accent2" accent3="accent3" accent4="accent4" accent5="accent5" accent6="accent6" hlink="hlink" folHlink="folHlink"/>
   <p:sldLayoutIdLst>
-    <p:sldLayoutId id="2147483651" r:id="rId3"/>
+    <p:sldLayoutId id="2147483662" r:id="rId3"/>
+    <p:sldLayoutId id="2147483663" r:id="rId4"/>
+    <p:sldLayoutId id="2147483664" r:id="rId5"/>
+    <p:sldLayoutId id="2147483665" r:id="rId6"/>
+    <p:sldLayoutId id="2147483666" r:id="rId7"/>
+    <p:sldLayoutId id="2147483667" r:id="rId8"/>
+    <p:sldLayoutId id="2147483668" r:id="rId9"/>
+    <p:sldLayoutId id="2147483669" r:id="rId10"/>
+    <p:sldLayoutId id="2147483670" r:id="rId11"/>
+    <p:sldLayoutId id="2147483671" r:id="rId12"/>
+    <p:sldLayoutId id="2147483672" r:id="rId13"/>
+    <p:sldLayoutId id="2147483673" r:id="rId14"/>
   </p:sldLayoutIdLst>
 </p:sldMaster>
 </file>
@@ -1584,7 +6282,7 @@
       </p:grpSpPr>
       <p:sp>
         <p:nvSpPr>
-          <p:cNvPr id="19" name="PlaceHolder 1"/>
+          <p:cNvPr id="87" name="PlaceHolder 1"/>
           <p:cNvSpPr>
             <a:spLocks noGrp="1"/>
           </p:cNvSpPr>
@@ -1595,7 +6293,7 @@
         <p:spPr>
           <a:xfrm>
             <a:off x="1105920" y="2382480"/>
-            <a:ext cx="10013040" cy="1929240"/>
+            <a:ext cx="10012680" cy="1928880"/>
           </a:xfrm>
           <a:prstGeom prst="rect">
             <a:avLst/>
@@ -1653,14 +6351,14 @@
       </p:sp>
       <p:sp>
         <p:nvSpPr>
-          <p:cNvPr id="20" name=""/>
+          <p:cNvPr id="88" name=""/>
           <p:cNvSpPr/>
           <p:nvPr/>
         </p:nvSpPr>
         <p:spPr>
           <a:xfrm>
             <a:off x="983520" y="373320"/>
-            <a:ext cx="10039680" cy="1447200"/>
+            <a:ext cx="10039320" cy="1446840"/>
           </a:xfrm>
           <a:prstGeom prst="rect">
             <a:avLst/>
@@ -1713,14 +6411,14 @@
       </p:sp>
       <p:sp>
         <p:nvSpPr>
-          <p:cNvPr id="21" name=""/>
+          <p:cNvPr id="89" name=""/>
           <p:cNvSpPr/>
           <p:nvPr/>
         </p:nvSpPr>
         <p:spPr>
           <a:xfrm>
             <a:off x="1170360" y="4855680"/>
-            <a:ext cx="9998640" cy="1789200"/>
+            <a:ext cx="9998280" cy="1788840"/>
           </a:xfrm>
           <a:prstGeom prst="rect">
             <a:avLst/>
@@ -1851,7 +6549,7 @@
         <p:txBody>
           <a:bodyPr/>
           <a:p>
-            <a:fld id="{04A615B6-2A57-498C-A6B1-65A0E48932BD}" type="slidenum">
+            <a:fld id="{38A8D542-813A-49A9-A0A4-DACAA81C6699}" type="slidenum">
               <a:t>1</a:t>
             </a:fld>
           </a:p>
@@ -1889,7 +6587,7 @@
       </p:grpSpPr>
       <p:sp>
         <p:nvSpPr>
-          <p:cNvPr id="22" name="PlaceHolder 1"/>
+          <p:cNvPr id="90" name="PlaceHolder 1"/>
           <p:cNvSpPr>
             <a:spLocks noGrp="1"/>
           </p:cNvSpPr>
@@ -1900,7 +6598,7 @@
         <p:spPr>
           <a:xfrm>
             <a:off x="640080" y="5760"/>
-            <a:ext cx="10698480" cy="1052640"/>
+            <a:ext cx="10698120" cy="1052280"/>
           </a:xfrm>
           <a:prstGeom prst="rect">
             <a:avLst/>
@@ -1946,7 +6644,7 @@
       </p:sp>
       <p:sp>
         <p:nvSpPr>
-          <p:cNvPr id="23" name="PlaceHolder 2"/>
+          <p:cNvPr id="91" name="PlaceHolder 2"/>
           <p:cNvSpPr>
             <a:spLocks noGrp="1"/>
           </p:cNvSpPr>
@@ -1957,7 +6655,7 @@
         <p:spPr>
           <a:xfrm>
             <a:off x="182880" y="1188720"/>
-            <a:ext cx="11794680" cy="4109040"/>
+            <a:ext cx="11794320" cy="4108680"/>
           </a:xfrm>
           <a:prstGeom prst="rect">
             <a:avLst/>
@@ -2251,7 +6949,7 @@
         <p:txBody>
           <a:bodyPr/>
           <a:p>
-            <a:fld id="{26FCCD24-01CD-4E35-A547-F2EC6FE6DDE8}" type="slidenum">
+            <a:fld id="{D636B615-CF99-4FDF-B247-0D42C0063EAE}" type="slidenum">
               <a:t>2</a:t>
             </a:fld>
           </a:p>
@@ -2289,7 +6987,7 @@
       </p:grpSpPr>
       <p:sp>
         <p:nvSpPr>
-          <p:cNvPr id="24" name="PlaceHolder 1"/>
+          <p:cNvPr id="92" name="PlaceHolder 1"/>
           <p:cNvSpPr>
             <a:spLocks noGrp="1"/>
           </p:cNvSpPr>
@@ -2300,7 +6998,7 @@
         <p:spPr>
           <a:xfrm>
             <a:off x="640080" y="5760"/>
-            <a:ext cx="10698480" cy="1052640"/>
+            <a:ext cx="10698120" cy="1052280"/>
           </a:xfrm>
           <a:prstGeom prst="rect">
             <a:avLst/>
@@ -2346,7 +7044,7 @@
       </p:sp>
       <p:pic>
         <p:nvPicPr>
-          <p:cNvPr id="25" name="" descr=""/>
+          <p:cNvPr id="93" name="" descr=""/>
           <p:cNvPicPr/>
           <p:nvPr/>
         </p:nvPicPr>
@@ -2357,7 +7055,7 @@
         <p:spPr>
           <a:xfrm>
             <a:off x="3780000" y="1260000"/>
-            <a:ext cx="4605480" cy="5265720"/>
+            <a:ext cx="4605120" cy="5265360"/>
           </a:xfrm>
           <a:prstGeom prst="rect">
             <a:avLst/>
@@ -2369,14 +7067,14 @@
       </p:pic>
       <p:sp>
         <p:nvSpPr>
-          <p:cNvPr id="26" name=""/>
+          <p:cNvPr id="94" name=""/>
           <p:cNvSpPr/>
           <p:nvPr/>
         </p:nvSpPr>
         <p:spPr>
           <a:xfrm>
             <a:off x="4667400" y="6526080"/>
-            <a:ext cx="2892240" cy="373680"/>
+            <a:ext cx="2891880" cy="373320"/>
           </a:xfrm>
           <a:prstGeom prst="rect">
             <a:avLst/>
@@ -2408,6 +7106,7 @@
                   <a:srgbClr val="000000"/>
                 </a:solidFill>
                 <a:latin typeface="Arial"/>
+                <a:ea typeface="DejaVu Sans"/>
               </a:rPr>
               <a:t>Fonte:  </a:t>
             </a:r>
@@ -2418,6 +7117,7 @@
                 </a:solidFill>
                 <a:uFillTx/>
                 <a:latin typeface="Arial"/>
+                <a:ea typeface="DejaVu Sans"/>
                 <a:hlinkClick r:id="rId2"/>
               </a:rPr>
               <a:t>https://doi.org/10.1515/jogs-2022-0138</a:t>
@@ -2445,7 +7145,7 @@
         <p:txBody>
           <a:bodyPr/>
           <a:p>
-            <a:fld id="{9A66302A-D2D0-4612-90CD-1A89ADCEA7F1}" type="slidenum">
+            <a:fld id="{04542179-C46B-4A3A-B41C-4A6BAC150974}" type="slidenum">
               <a:t>3</a:t>
             </a:fld>
           </a:p>
@@ -2483,7 +7183,7 @@
       </p:grpSpPr>
       <p:sp>
         <p:nvSpPr>
-          <p:cNvPr id="27" name="PlaceHolder 1"/>
+          <p:cNvPr id="95" name="PlaceHolder 1"/>
           <p:cNvSpPr>
             <a:spLocks noGrp="1"/>
           </p:cNvSpPr>
@@ -2494,7 +7194,7 @@
         <p:spPr>
           <a:xfrm>
             <a:off x="640080" y="5760"/>
-            <a:ext cx="10698480" cy="1052640"/>
+            <a:ext cx="10698120" cy="1052280"/>
           </a:xfrm>
           <a:prstGeom prst="rect">
             <a:avLst/>
@@ -2540,7 +7240,7 @@
       </p:sp>
       <p:sp>
         <p:nvSpPr>
-          <p:cNvPr id="28" name="PlaceHolder 2"/>
+          <p:cNvPr id="96" name="PlaceHolder 2"/>
           <p:cNvSpPr>
             <a:spLocks noGrp="1"/>
           </p:cNvSpPr>
@@ -2551,7 +7251,7 @@
         <p:spPr>
           <a:xfrm>
             <a:off x="182880" y="1188720"/>
-            <a:ext cx="11794680" cy="3976560"/>
+            <a:ext cx="11794320" cy="3976200"/>
           </a:xfrm>
           <a:prstGeom prst="rect">
             <a:avLst/>
@@ -2670,7 +7370,7 @@
                 <a:srgbClr val="000000"/>
               </a:buClr>
               <a:buSzPct val="75000"/>
-              <a:buFont typeface="Symbol" charset="2"/>
+              <a:buFont typeface="Symbol"/>
               <a:buChar char=""/>
             </a:pPr>
             <a:r>
@@ -2701,7 +7401,7 @@
                 <a:srgbClr val="000000"/>
               </a:buClr>
               <a:buSzPct val="75000"/>
-              <a:buFont typeface="Symbol" charset="2"/>
+              <a:buFont typeface="Symbol"/>
               <a:buChar char=""/>
             </a:pPr>
             <a:r>
@@ -2829,7 +7529,7 @@
         <p:txBody>
           <a:bodyPr/>
           <a:p>
-            <a:fld id="{0EC63F5E-B233-40A2-8D79-27AF5477D808}" type="slidenum">
+            <a:fld id="{4D977AF3-321F-408C-916B-7C03201071AB}" type="slidenum">
               <a:t>4</a:t>
             </a:fld>
           </a:p>
@@ -2867,7 +7567,7 @@
       </p:grpSpPr>
       <p:sp>
         <p:nvSpPr>
-          <p:cNvPr id="29" name="PlaceHolder 1"/>
+          <p:cNvPr id="97" name="PlaceHolder 1"/>
           <p:cNvSpPr>
             <a:spLocks noGrp="1"/>
           </p:cNvSpPr>
@@ -2878,7 +7578,7 @@
         <p:spPr>
           <a:xfrm>
             <a:off x="640080" y="5760"/>
-            <a:ext cx="10698480" cy="1052640"/>
+            <a:ext cx="10698120" cy="1052280"/>
           </a:xfrm>
           <a:prstGeom prst="rect">
             <a:avLst/>
@@ -2924,7 +7624,7 @@
       </p:sp>
       <p:pic>
         <p:nvPicPr>
-          <p:cNvPr id="30" name="" descr=""/>
+          <p:cNvPr id="98" name="" descr=""/>
           <p:cNvPicPr/>
           <p:nvPr/>
         </p:nvPicPr>
@@ -2935,7 +7635,7 @@
         <p:spPr>
           <a:xfrm>
             <a:off x="4662000" y="1789920"/>
-            <a:ext cx="3078000" cy="4510080"/>
+            <a:ext cx="3077640" cy="4509720"/>
           </a:xfrm>
           <a:prstGeom prst="rect">
             <a:avLst/>
@@ -2959,7 +7659,7 @@
         <p:txBody>
           <a:bodyPr/>
           <a:p>
-            <a:fld id="{15580094-543E-429C-89D3-07AF3D9FEF61}" type="slidenum">
+            <a:fld id="{A23CB2E0-63E7-4E5A-95C2-FFD8493B37AD}" type="slidenum">
               <a:t>5</a:t>
             </a:fld>
           </a:p>
@@ -2997,7 +7697,7 @@
       </p:grpSpPr>
       <p:sp>
         <p:nvSpPr>
-          <p:cNvPr id="31" name="PlaceHolder 1"/>
+          <p:cNvPr id="99" name="PlaceHolder 1"/>
           <p:cNvSpPr>
             <a:spLocks noGrp="1"/>
           </p:cNvSpPr>
@@ -3008,7 +7708,7 @@
         <p:spPr>
           <a:xfrm>
             <a:off x="640080" y="5760"/>
-            <a:ext cx="10698480" cy="1052640"/>
+            <a:ext cx="10698120" cy="1052280"/>
           </a:xfrm>
           <a:prstGeom prst="rect">
             <a:avLst/>
@@ -3066,7 +7766,7 @@
       </p:sp>
       <p:pic>
         <p:nvPicPr>
-          <p:cNvPr id="32" name="" descr=""/>
+          <p:cNvPr id="100" name="" descr=""/>
           <p:cNvPicPr/>
           <p:nvPr/>
         </p:nvPicPr>
@@ -3077,7 +7777,7 @@
         <p:spPr>
           <a:xfrm>
             <a:off x="3809880" y="1542960"/>
-            <a:ext cx="4686120" cy="3828600"/>
+            <a:ext cx="4685760" cy="3828240"/>
           </a:xfrm>
           <a:prstGeom prst="rect">
             <a:avLst/>
@@ -3101,7 +7801,7 @@
         <p:txBody>
           <a:bodyPr/>
           <a:p>
-            <a:fld id="{1F82C4C4-A2CA-4182-ABA0-127DF85B0D7E}" type="slidenum">
+            <a:fld id="{0E127EF6-FC32-406B-B51D-96F2989D6821}" type="slidenum">
               <a:t>6</a:t>
             </a:fld>
           </a:p>
@@ -3139,7 +7839,7 @@
       </p:grpSpPr>
       <p:sp>
         <p:nvSpPr>
-          <p:cNvPr id="33" name="PlaceHolder 1"/>
+          <p:cNvPr id="101" name="PlaceHolder 1"/>
           <p:cNvSpPr>
             <a:spLocks noGrp="1"/>
           </p:cNvSpPr>
@@ -3150,7 +7850,7 @@
         <p:spPr>
           <a:xfrm>
             <a:off x="640080" y="5760"/>
-            <a:ext cx="10698480" cy="1052640"/>
+            <a:ext cx="10698120" cy="1052280"/>
           </a:xfrm>
           <a:prstGeom prst="rect">
             <a:avLst/>
@@ -3196,7 +7896,7 @@
       </p:sp>
       <p:sp>
         <p:nvSpPr>
-          <p:cNvPr id="34" name=""/>
+          <p:cNvPr id="102" name=""/>
           <p:cNvSpPr/>
           <p:nvPr/>
         </p:nvSpPr>
@@ -3237,7 +7937,7 @@
       </p:sp>
       <p:sp>
         <p:nvSpPr>
-          <p:cNvPr id="35" name=""/>
+          <p:cNvPr id="103" name=""/>
           <p:cNvSpPr/>
           <p:nvPr/>
         </p:nvSpPr>
@@ -3278,14 +7978,14 @@
       </p:sp>
       <p:sp>
         <p:nvSpPr>
-          <p:cNvPr id="36" name=""/>
+          <p:cNvPr id="104" name=""/>
           <p:cNvSpPr/>
           <p:nvPr/>
         </p:nvSpPr>
         <p:spPr>
           <a:xfrm>
             <a:off x="900000" y="1440000"/>
-            <a:ext cx="1618920" cy="358920"/>
+            <a:ext cx="1618560" cy="358560"/>
           </a:xfrm>
           <a:prstGeom prst="rect">
             <a:avLst/>
@@ -3332,14 +8032,14 @@
       </p:sp>
       <p:sp>
         <p:nvSpPr>
-          <p:cNvPr id="37" name=""/>
+          <p:cNvPr id="105" name=""/>
           <p:cNvSpPr/>
           <p:nvPr/>
         </p:nvSpPr>
         <p:spPr>
           <a:xfrm>
             <a:off x="5040000" y="1440000"/>
-            <a:ext cx="1618920" cy="358920"/>
+            <a:ext cx="1618560" cy="358560"/>
           </a:xfrm>
           <a:prstGeom prst="rect">
             <a:avLst/>
@@ -3386,14 +8086,14 @@
       </p:sp>
       <p:sp>
         <p:nvSpPr>
-          <p:cNvPr id="38" name=""/>
+          <p:cNvPr id="106" name=""/>
           <p:cNvSpPr/>
           <p:nvPr/>
         </p:nvSpPr>
         <p:spPr>
           <a:xfrm>
             <a:off x="8820000" y="1440000"/>
-            <a:ext cx="1618920" cy="358920"/>
+            <a:ext cx="1618560" cy="358560"/>
           </a:xfrm>
           <a:prstGeom prst="rect">
             <a:avLst/>
@@ -3440,6 +8140,342 @@
       </p:sp>
       <p:sp>
         <p:nvSpPr>
+          <p:cNvPr id="107" name=""/>
+          <p:cNvSpPr/>
+          <p:nvPr/>
+        </p:nvSpPr>
+        <p:spPr>
+          <a:xfrm>
+            <a:off x="540000" y="1980000"/>
+            <a:ext cx="2340000" cy="540000"/>
+          </a:xfrm>
+          <a:prstGeom prst="rect">
+            <a:avLst/>
+          </a:prstGeom>
+          <a:solidFill>
+            <a:srgbClr val="729fcf"/>
+          </a:solidFill>
+          <a:ln w="0">
+            <a:solidFill>
+              <a:srgbClr val="3465a4"/>
+            </a:solidFill>
+          </a:ln>
+        </p:spPr>
+        <p:style>
+          <a:lnRef idx="0"/>
+          <a:fillRef idx="0"/>
+          <a:effectRef idx="0"/>
+          <a:fontRef idx="minor"/>
+        </p:style>
+        <p:txBody>
+          <a:bodyPr lIns="90000" rIns="90000" tIns="45000" bIns="45000" anchor="ctr">
+            <a:noAutofit/>
+          </a:bodyPr>
+          <a:p>
+            <a:pPr algn="ctr"/>
+            <a:r>
+              <a:rPr b="0" lang="pt-BR" sz="1800" spc="-1" strike="noStrike">
+                <a:solidFill>
+                  <a:srgbClr val="000000"/>
+                </a:solidFill>
+                <a:latin typeface="Arial"/>
+              </a:rPr>
+              <a:t>Classe de baixar do </a:t>
+            </a:r>
+            <a:endParaRPr b="0" lang="pt-BR" sz="1800" spc="-1" strike="noStrike">
+              <a:solidFill>
+                <a:srgbClr val="000000"/>
+              </a:solidFill>
+              <a:latin typeface="Arial"/>
+            </a:endParaRPr>
+          </a:p>
+          <a:p>
+            <a:pPr algn="ctr"/>
+            <a:r>
+              <a:rPr b="0" lang="pt-BR" sz="1800" spc="-1" strike="noStrike">
+                <a:solidFill>
+                  <a:srgbClr val="000000"/>
+                </a:solidFill>
+                <a:latin typeface="Arial"/>
+              </a:rPr>
+              <a:t>Sirgas os arquivos</a:t>
+            </a:r>
+            <a:endParaRPr b="0" lang="pt-BR" sz="1800" spc="-1" strike="noStrike">
+              <a:solidFill>
+                <a:srgbClr val="000000"/>
+              </a:solidFill>
+              <a:latin typeface="Arial"/>
+            </a:endParaRPr>
+          </a:p>
+        </p:txBody>
+      </p:sp>
+      <p:sp>
+        <p:nvSpPr>
+          <p:cNvPr id="108" name=""/>
+          <p:cNvSpPr/>
+          <p:nvPr/>
+        </p:nvSpPr>
+        <p:spPr>
+          <a:xfrm>
+            <a:off x="540000" y="2700000"/>
+            <a:ext cx="2340000" cy="540000"/>
+          </a:xfrm>
+          <a:prstGeom prst="rect">
+            <a:avLst/>
+          </a:prstGeom>
+          <a:solidFill>
+            <a:srgbClr val="729fcf"/>
+          </a:solidFill>
+          <a:ln w="0">
+            <a:solidFill>
+              <a:srgbClr val="3465a4"/>
+            </a:solidFill>
+          </a:ln>
+        </p:spPr>
+        <p:style>
+          <a:lnRef idx="0"/>
+          <a:fillRef idx="0"/>
+          <a:effectRef idx="0"/>
+          <a:fontRef idx="minor"/>
+        </p:style>
+        <p:txBody>
+          <a:bodyPr lIns="90000" rIns="90000" tIns="45000" bIns="45000" anchor="ctr">
+            <a:noAutofit/>
+          </a:bodyPr>
+          <a:p>
+            <a:pPr algn="ctr"/>
+            <a:r>
+              <a:rPr b="0" lang="pt-BR" sz="1800" spc="-1" strike="noStrike">
+                <a:solidFill>
+                  <a:srgbClr val="000000"/>
+                </a:solidFill>
+                <a:latin typeface="Arial"/>
+              </a:rPr>
+              <a:t>Desenhar a interface gráfica</a:t>
+            </a:r>
+            <a:endParaRPr b="0" lang="pt-BR" sz="1800" spc="-1" strike="noStrike">
+              <a:solidFill>
+                <a:srgbClr val="000000"/>
+              </a:solidFill>
+              <a:latin typeface="Arial"/>
+            </a:endParaRPr>
+          </a:p>
+        </p:txBody>
+      </p:sp>
+      <p:sp>
+        <p:nvSpPr>
+          <p:cNvPr id="109" name=""/>
+          <p:cNvSpPr/>
+          <p:nvPr/>
+        </p:nvSpPr>
+        <p:spPr>
+          <a:xfrm>
+            <a:off x="540000" y="3420000"/>
+            <a:ext cx="2340000" cy="720000"/>
+          </a:xfrm>
+          <a:prstGeom prst="rect">
+            <a:avLst/>
+          </a:prstGeom>
+          <a:solidFill>
+            <a:srgbClr val="729fcf"/>
+          </a:solidFill>
+          <a:ln w="0">
+            <a:solidFill>
+              <a:srgbClr val="3465a4"/>
+            </a:solidFill>
+          </a:ln>
+        </p:spPr>
+        <p:style>
+          <a:lnRef idx="0"/>
+          <a:fillRef idx="0"/>
+          <a:effectRef idx="0"/>
+          <a:fontRef idx="minor"/>
+        </p:style>
+        <p:txBody>
+          <a:bodyPr lIns="90000" rIns="90000" tIns="45000" bIns="45000" anchor="ctr">
+            <a:noAutofit/>
+          </a:bodyPr>
+          <a:p>
+            <a:pPr algn="ctr"/>
+            <a:r>
+              <a:rPr b="0" lang="pt-BR" sz="1800" spc="-1" strike="noStrike">
+                <a:solidFill>
+                  <a:srgbClr val="000000"/>
+                </a:solidFill>
+                <a:latin typeface="Arial"/>
+              </a:rPr>
+              <a:t>Desenvolver o código para controlar a interface gráfica</a:t>
+            </a:r>
+            <a:endParaRPr b="0" lang="pt-BR" sz="1800" spc="-1" strike="noStrike">
+              <a:solidFill>
+                <a:srgbClr val="000000"/>
+              </a:solidFill>
+              <a:latin typeface="Arial"/>
+            </a:endParaRPr>
+          </a:p>
+        </p:txBody>
+      </p:sp>
+      <p:sp>
+        <p:nvSpPr>
+          <p:cNvPr id="110" name=""/>
+          <p:cNvSpPr/>
+          <p:nvPr/>
+        </p:nvSpPr>
+        <p:spPr>
+          <a:xfrm>
+            <a:off x="540000" y="4320000"/>
+            <a:ext cx="2340000" cy="720000"/>
+          </a:xfrm>
+          <a:prstGeom prst="rect">
+            <a:avLst/>
+          </a:prstGeom>
+          <a:solidFill>
+            <a:srgbClr val="729fcf"/>
+          </a:solidFill>
+          <a:ln w="0">
+            <a:solidFill>
+              <a:srgbClr val="3465a4"/>
+            </a:solidFill>
+          </a:ln>
+        </p:spPr>
+        <p:style>
+          <a:lnRef idx="0"/>
+          <a:fillRef idx="0"/>
+          <a:effectRef idx="0"/>
+          <a:fontRef idx="minor"/>
+        </p:style>
+        <p:txBody>
+          <a:bodyPr lIns="90000" rIns="90000" tIns="45000" bIns="45000" anchor="ctr">
+            <a:noAutofit/>
+          </a:bodyPr>
+          <a:p>
+            <a:pPr algn="ctr"/>
+            <a:r>
+              <a:rPr b="0" lang="pt-BR" sz="1800" spc="-1" strike="noStrike">
+                <a:solidFill>
+                  <a:srgbClr val="000000"/>
+                </a:solidFill>
+                <a:latin typeface="Arial"/>
+              </a:rPr>
+              <a:t>Montar aplicação do zero</a:t>
+            </a:r>
+            <a:endParaRPr b="0" lang="pt-BR" sz="1800" spc="-1" strike="noStrike">
+              <a:solidFill>
+                <a:srgbClr val="000000"/>
+              </a:solidFill>
+              <a:latin typeface="Arial"/>
+            </a:endParaRPr>
+          </a:p>
+        </p:txBody>
+      </p:sp>
+      <p:sp>
+        <p:nvSpPr>
+          <p:cNvPr id="111" name=""/>
+          <p:cNvSpPr/>
+          <p:nvPr/>
+        </p:nvSpPr>
+        <p:spPr>
+          <a:xfrm>
+            <a:off x="540000" y="5220000"/>
+            <a:ext cx="2340000" cy="720000"/>
+          </a:xfrm>
+          <a:prstGeom prst="rect">
+            <a:avLst/>
+          </a:prstGeom>
+          <a:solidFill>
+            <a:srgbClr val="729fcf"/>
+          </a:solidFill>
+          <a:ln w="0">
+            <a:solidFill>
+              <a:srgbClr val="3465a4"/>
+            </a:solidFill>
+          </a:ln>
+        </p:spPr>
+        <p:style>
+          <a:lnRef idx="0"/>
+          <a:fillRef idx="0"/>
+          <a:effectRef idx="0"/>
+          <a:fontRef idx="minor"/>
+        </p:style>
+        <p:txBody>
+          <a:bodyPr lIns="90000" rIns="90000" tIns="45000" bIns="45000" anchor="ctr">
+            <a:noAutofit/>
+          </a:bodyPr>
+          <a:p>
+            <a:pPr algn="ctr"/>
+            <a:r>
+              <a:rPr b="0" lang="pt-BR" sz="1800" spc="-1" strike="noStrike">
+                <a:solidFill>
+                  <a:srgbClr val="000000"/>
+                </a:solidFill>
+                <a:latin typeface="Arial"/>
+              </a:rPr>
+              <a:t>Integrar interface no plugin</a:t>
+            </a:r>
+            <a:endParaRPr b="0" lang="pt-BR" sz="1800" spc="-1" strike="noStrike">
+              <a:solidFill>
+                <a:srgbClr val="000000"/>
+              </a:solidFill>
+              <a:latin typeface="Arial"/>
+            </a:endParaRPr>
+          </a:p>
+        </p:txBody>
+      </p:sp>
+      <p:sp>
+        <p:nvSpPr>
+          <p:cNvPr id="112" name=""/>
+          <p:cNvSpPr/>
+          <p:nvPr/>
+        </p:nvSpPr>
+        <p:spPr>
+          <a:xfrm>
+            <a:off x="540000" y="6138000"/>
+            <a:ext cx="2880000" cy="720000"/>
+          </a:xfrm>
+          <a:prstGeom prst="rect">
+            <a:avLst/>
+          </a:prstGeom>
+          <a:solidFill>
+            <a:srgbClr val="729fcf"/>
+          </a:solidFill>
+          <a:ln w="0">
+            <a:solidFill>
+              <a:srgbClr val="3465a4"/>
+            </a:solidFill>
+          </a:ln>
+        </p:spPr>
+        <p:style>
+          <a:lnRef idx="0"/>
+          <a:fillRef idx="0"/>
+          <a:effectRef idx="0"/>
+          <a:fontRef idx="minor"/>
+        </p:style>
+        <p:txBody>
+          <a:bodyPr lIns="90000" rIns="90000" tIns="45000" bIns="45000" anchor="ctr">
+            <a:noAutofit/>
+          </a:bodyPr>
+          <a:p>
+            <a:pPr algn="ctr"/>
+            <a:r>
+              <a:rPr b="0" lang="pt-BR" sz="1800" spc="-1" strike="noStrike">
+                <a:solidFill>
+                  <a:srgbClr val="000000"/>
+                </a:solidFill>
+                <a:latin typeface="Arial"/>
+              </a:rPr>
+              <a:t>Representar os dados como geodataframe e salvar</a:t>
+            </a:r>
+            <a:endParaRPr b="0" lang="pt-BR" sz="1800" spc="-1" strike="noStrike">
+              <a:solidFill>
+                <a:srgbClr val="000000"/>
+              </a:solidFill>
+              <a:latin typeface="Arial"/>
+            </a:endParaRPr>
+          </a:p>
+        </p:txBody>
+      </p:sp>
+      <p:sp>
+        <p:nvSpPr>
           <p:cNvPr id="3" name="PlaceHolder 2"/>
           <p:cNvSpPr>
             <a:spLocks noGrp="1"/>
@@ -3452,7 +8488,7 @@
         <p:txBody>
           <a:bodyPr/>
           <a:p>
-            <a:fld id="{25181ECA-A8B7-4938-9613-B7A4ED8DFB0F}" type="slidenum">
+            <a:fld id="{38CCFC93-58A9-4536-8A6A-72D6303A291E}" type="slidenum">
               <a:t>7</a:t>
             </a:fld>
           </a:p>
